--- a/Second Trimester/Basics of Electrical and Electronics Engineering/Lab/Project/[2022] [1st Yr] PBL Activity 8 Bit MP3 Player PPT.pptx
+++ b/Second Trimester/Basics of Electrical and Electronics Engineering/Lab/Project/[2022] [1st Yr] PBL Activity 8 Bit MP3 Player PPT.pptx
@@ -10,8 +10,12 @@
     <p:sldId id="258" r:id="rId4"/>
     <p:sldId id="259" r:id="rId5"/>
     <p:sldId id="260" r:id="rId6"/>
-    <p:sldId id="261" r:id="rId7"/>
-    <p:sldId id="262" r:id="rId8"/>
+    <p:sldId id="263" r:id="rId7"/>
+    <p:sldId id="267" r:id="rId8"/>
+    <p:sldId id="261" r:id="rId9"/>
+    <p:sldId id="265" r:id="rId10"/>
+    <p:sldId id="266" r:id="rId11"/>
+    <p:sldId id="262" r:id="rId12"/>
   </p:sldIdLst>
   <p:sldSz cx="12192000" cy="6858000"/>
   <p:notesSz cx="6858000" cy="9144000"/>
@@ -110,7 +114,20 @@
       </a:defRPr>
     </a:lvl9pPr>
   </p:defaultTextStyle>
+  <p:extLst>
+    <p:ext uri="{EFAFB233-063F-42B5-8137-9DF3F51BA10A}">
+      <p15:sldGuideLst xmlns:p15="http://schemas.microsoft.com/office/powerpoint/2012/main"/>
+    </p:ext>
+  </p:extLst>
 </p:presentation>
+</file>
+
+<file path=ppt/revisionInfo.xml><?xml version="1.0" encoding="utf-8"?>
+<p1510:revInfo xmlns:a="http://schemas.openxmlformats.org/drawingml/2006/main" xmlns:r="http://schemas.openxmlformats.org/officeDocument/2006/relationships" xmlns:p1510="http://schemas.microsoft.com/office/powerpoint/2015/10/main">
+  <p1510:revLst>
+    <p1510:client id="{FB3FCED7-807C-4EDB-9770-7B7A17307C94}" v="1884" dt="2022-02-19T18:14:28.416"/>
+  </p1510:revLst>
+</p1510:revInfo>
 </file>
 
 <file path=ppt/slideLayouts/slideLayout1.xml><?xml version="1.0" encoding="utf-8"?>
@@ -262,7 +279,7 @@
           <a:p>
             <a:fld id="{3845E4CA-9260-4B75-818A-301DA18C0576}" type="datetimeFigureOut">
               <a:rPr lang="en-IN" smtClean="0"/>
-              <a:t>18-02-2022</a:t>
+              <a:t>19-02-2022</a:t>
             </a:fld>
             <a:endParaRPr lang="en-IN"/>
           </a:p>
@@ -462,7 +479,7 @@
           <a:p>
             <a:fld id="{3845E4CA-9260-4B75-818A-301DA18C0576}" type="datetimeFigureOut">
               <a:rPr lang="en-IN" smtClean="0"/>
-              <a:t>18-02-2022</a:t>
+              <a:t>19-02-2022</a:t>
             </a:fld>
             <a:endParaRPr lang="en-IN"/>
           </a:p>
@@ -672,7 +689,7 @@
           <a:p>
             <a:fld id="{3845E4CA-9260-4B75-818A-301DA18C0576}" type="datetimeFigureOut">
               <a:rPr lang="en-IN" smtClean="0"/>
-              <a:t>18-02-2022</a:t>
+              <a:t>19-02-2022</a:t>
             </a:fld>
             <a:endParaRPr lang="en-IN"/>
           </a:p>
@@ -872,7 +889,7 @@
           <a:p>
             <a:fld id="{3845E4CA-9260-4B75-818A-301DA18C0576}" type="datetimeFigureOut">
               <a:rPr lang="en-IN" smtClean="0"/>
-              <a:t>18-02-2022</a:t>
+              <a:t>19-02-2022</a:t>
             </a:fld>
             <a:endParaRPr lang="en-IN"/>
           </a:p>
@@ -1148,7 +1165,7 @@
           <a:p>
             <a:fld id="{3845E4CA-9260-4B75-818A-301DA18C0576}" type="datetimeFigureOut">
               <a:rPr lang="en-IN" smtClean="0"/>
-              <a:t>18-02-2022</a:t>
+              <a:t>19-02-2022</a:t>
             </a:fld>
             <a:endParaRPr lang="en-IN"/>
           </a:p>
@@ -1416,7 +1433,7 @@
           <a:p>
             <a:fld id="{3845E4CA-9260-4B75-818A-301DA18C0576}" type="datetimeFigureOut">
               <a:rPr lang="en-IN" smtClean="0"/>
-              <a:t>18-02-2022</a:t>
+              <a:t>19-02-2022</a:t>
             </a:fld>
             <a:endParaRPr lang="en-IN"/>
           </a:p>
@@ -1831,7 +1848,7 @@
           <a:p>
             <a:fld id="{3845E4CA-9260-4B75-818A-301DA18C0576}" type="datetimeFigureOut">
               <a:rPr lang="en-IN" smtClean="0"/>
-              <a:t>18-02-2022</a:t>
+              <a:t>19-02-2022</a:t>
             </a:fld>
             <a:endParaRPr lang="en-IN"/>
           </a:p>
@@ -1973,7 +1990,7 @@
           <a:p>
             <a:fld id="{3845E4CA-9260-4B75-818A-301DA18C0576}" type="datetimeFigureOut">
               <a:rPr lang="en-IN" smtClean="0"/>
-              <a:t>18-02-2022</a:t>
+              <a:t>19-02-2022</a:t>
             </a:fld>
             <a:endParaRPr lang="en-IN"/>
           </a:p>
@@ -2086,7 +2103,7 @@
           <a:p>
             <a:fld id="{3845E4CA-9260-4B75-818A-301DA18C0576}" type="datetimeFigureOut">
               <a:rPr lang="en-IN" smtClean="0"/>
-              <a:t>18-02-2022</a:t>
+              <a:t>19-02-2022</a:t>
             </a:fld>
             <a:endParaRPr lang="en-IN"/>
           </a:p>
@@ -2399,7 +2416,7 @@
           <a:p>
             <a:fld id="{3845E4CA-9260-4B75-818A-301DA18C0576}" type="datetimeFigureOut">
               <a:rPr lang="en-IN" smtClean="0"/>
-              <a:t>18-02-2022</a:t>
+              <a:t>19-02-2022</a:t>
             </a:fld>
             <a:endParaRPr lang="en-IN"/>
           </a:p>
@@ -2688,7 +2705,7 @@
           <a:p>
             <a:fld id="{3845E4CA-9260-4B75-818A-301DA18C0576}" type="datetimeFigureOut">
               <a:rPr lang="en-IN" smtClean="0"/>
-              <a:t>18-02-2022</a:t>
+              <a:t>19-02-2022</a:t>
             </a:fld>
             <a:endParaRPr lang="en-IN"/>
           </a:p>
@@ -2931,7 +2948,7 @@
           <a:p>
             <a:fld id="{3845E4CA-9260-4B75-818A-301DA18C0576}" type="datetimeFigureOut">
               <a:rPr lang="en-IN" smtClean="0"/>
-              <a:t>18-02-2022</a:t>
+              <a:t>19-02-2022</a:t>
             </a:fld>
             <a:endParaRPr lang="en-IN"/>
           </a:p>
@@ -4166,7 +4183,7 @@
             <a:round/>
             <a:extLst>
               <a:ext uri="{C807C97D-BFC1-408E-A445-0C87EB9F89A2}">
-                <ask:lineSketchStyleProps xmlns="" xmlns:ask="http://schemas.microsoft.com/office/drawing/2018/sketchyshapes" sd="1219033472">
+                <ask:lineSketchStyleProps xmlns:ask="http://schemas.microsoft.com/office/drawing/2018/sketchyshapes" xmlns="" sd="1219033472">
                   <a:prstGeom prst="rect">
                     <a:avLst/>
                   </a:prstGeom>
@@ -4513,7 +4530,7 @@
             <a:round/>
             <a:extLst>
               <a:ext uri="{C807C97D-BFC1-408E-A445-0C87EB9F89A2}">
-                <ask:lineSketchStyleProps xmlns="" xmlns:ask="http://schemas.microsoft.com/office/drawing/2018/sketchyshapes" sd="1219033472">
+                <ask:lineSketchStyleProps xmlns:ask="http://schemas.microsoft.com/office/drawing/2018/sketchyshapes" xmlns="" sd="1219033472">
                   <a:prstGeom prst="rect">
                     <a:avLst/>
                   </a:prstGeom>
@@ -4609,9 +4626,877 @@
 </p:sld>
 </file>
 
+<file path=ppt/slides/slide10.xml><?xml version="1.0" encoding="utf-8"?>
+<p:sld xmlns:a="http://schemas.openxmlformats.org/drawingml/2006/main" xmlns:r="http://schemas.openxmlformats.org/officeDocument/2006/relationships" xmlns:p="http://schemas.openxmlformats.org/presentationml/2006/main">
+  <p:cSld>
+    <p:bg>
+      <p:bgPr>
+        <a:solidFill>
+          <a:schemeClr val="bg1"/>
+        </a:solidFill>
+        <a:effectLst/>
+      </p:bgPr>
+    </p:bg>
+    <p:spTree>
+      <p:nvGrpSpPr>
+        <p:cNvPr id="1" name=""/>
+        <p:cNvGrpSpPr/>
+        <p:nvPr/>
+      </p:nvGrpSpPr>
+      <p:grpSpPr>
+        <a:xfrm>
+          <a:off x="0" y="0"/>
+          <a:ext cx="0" cy="0"/>
+          <a:chOff x="0" y="0"/>
+          <a:chExt cx="0" cy="0"/>
+        </a:xfrm>
+      </p:grpSpPr>
+      <p:sp>
+        <p:nvSpPr>
+          <p:cNvPr id="8" name="Rectangle 7">
+            <a:extLst>
+              <a:ext uri="{FF2B5EF4-FFF2-40B4-BE49-F238E27FC236}">
+                <a16:creationId xmlns:a16="http://schemas.microsoft.com/office/drawing/2014/main" id="{488333BA-AE6E-427A-9B16-A39C8073F4EB}"/>
+              </a:ext>
+              <a:ext uri="{C183D7F6-B498-43B3-948B-1728B52AA6E4}">
+                <adec:decorative xmlns:adec="http://schemas.microsoft.com/office/drawing/2017/decorative" val="1"/>
+              </a:ext>
+            </a:extLst>
+          </p:cNvPr>
+          <p:cNvSpPr>
+            <a:spLocks noGrp="1" noRot="1" noChangeAspect="1" noMove="1" noResize="1" noEditPoints="1" noAdjustHandles="1" noChangeArrowheads="1" noChangeShapeType="1" noTextEdit="1"/>
+          </p:cNvSpPr>
+          <p:nvPr>
+            <p:extLst>
+              <p:ext uri="{386F3935-93C4-4BCD-93E2-E3B085C9AB24}">
+                <p16:designElem xmlns:p16="http://schemas.microsoft.com/office/powerpoint/2015/main" val="1"/>
+              </p:ext>
+            </p:extLst>
+          </p:nvPr>
+        </p:nvSpPr>
+        <p:spPr>
+          <a:xfrm>
+            <a:off x="0" y="0"/>
+            <a:ext cx="12188952" cy="6858000"/>
+          </a:xfrm>
+          <a:prstGeom prst="rect">
+            <a:avLst/>
+          </a:prstGeom>
+          <a:solidFill>
+            <a:schemeClr val="tx1">
+              <a:lumMod val="75000"/>
+              <a:lumOff val="25000"/>
+            </a:schemeClr>
+          </a:solidFill>
+          <a:ln>
+            <a:noFill/>
+          </a:ln>
+        </p:spPr>
+        <p:style>
+          <a:lnRef idx="2">
+            <a:schemeClr val="accent1">
+              <a:shade val="50000"/>
+            </a:schemeClr>
+          </a:lnRef>
+          <a:fillRef idx="1">
+            <a:schemeClr val="accent1"/>
+          </a:fillRef>
+          <a:effectRef idx="0">
+            <a:schemeClr val="accent1"/>
+          </a:effectRef>
+          <a:fontRef idx="minor">
+            <a:schemeClr val="lt1"/>
+          </a:fontRef>
+        </p:style>
+        <p:txBody>
+          <a:bodyPr rtlCol="0" anchor="ctr"/>
+          <a:lstStyle/>
+          <a:p>
+            <a:pPr algn="ctr"/>
+            <a:endParaRPr lang="en-US"/>
+          </a:p>
+        </p:txBody>
+      </p:sp>
+      <p:sp>
+        <p:nvSpPr>
+          <p:cNvPr id="10" name="Rectangle 9">
+            <a:extLst>
+              <a:ext uri="{FF2B5EF4-FFF2-40B4-BE49-F238E27FC236}">
+                <a16:creationId xmlns:a16="http://schemas.microsoft.com/office/drawing/2014/main" id="{F98ED85F-DCEE-4B50-802E-71A6E3E12B04}"/>
+              </a:ext>
+              <a:ext uri="{C183D7F6-B498-43B3-948B-1728B52AA6E4}">
+                <adec:decorative xmlns:adec="http://schemas.microsoft.com/office/drawing/2017/decorative" val="1"/>
+              </a:ext>
+            </a:extLst>
+          </p:cNvPr>
+          <p:cNvSpPr>
+            <a:spLocks noGrp="1" noRot="1" noChangeAspect="1" noMove="1" noResize="1" noEditPoints="1" noAdjustHandles="1" noChangeArrowheads="1" noChangeShapeType="1" noTextEdit="1"/>
+          </p:cNvSpPr>
+          <p:nvPr>
+            <p:extLst>
+              <p:ext uri="{386F3935-93C4-4BCD-93E2-E3B085C9AB24}">
+                <p16:designElem xmlns:p16="http://schemas.microsoft.com/office/powerpoint/2015/main" val="1"/>
+              </p:ext>
+            </p:extLst>
+          </p:nvPr>
+        </p:nvSpPr>
+        <p:spPr bwMode="ltGray">
+          <a:xfrm>
+            <a:off x="321564" y="320040"/>
+            <a:ext cx="11548872" cy="6217920"/>
+          </a:xfrm>
+          <a:prstGeom prst="rect">
+            <a:avLst/>
+          </a:prstGeom>
+          <a:solidFill>
+            <a:schemeClr val="bg1"/>
+          </a:solidFill>
+          <a:ln w="127000" cap="sq" cmpd="thinThick">
+            <a:solidFill>
+              <a:schemeClr val="bg1"/>
+            </a:solidFill>
+          </a:ln>
+        </p:spPr>
+        <p:style>
+          <a:lnRef idx="2">
+            <a:schemeClr val="accent1">
+              <a:shade val="50000"/>
+            </a:schemeClr>
+          </a:lnRef>
+          <a:fillRef idx="1">
+            <a:schemeClr val="accent1"/>
+          </a:fillRef>
+          <a:effectRef idx="0">
+            <a:schemeClr val="accent1"/>
+          </a:effectRef>
+          <a:fontRef idx="minor">
+            <a:schemeClr val="lt1"/>
+          </a:fontRef>
+        </p:style>
+        <p:txBody>
+          <a:bodyPr rtlCol="0" anchor="ctr"/>
+          <a:lstStyle/>
+          <a:p>
+            <a:pPr algn="ctr"/>
+            <a:endParaRPr lang="en-US"/>
+          </a:p>
+        </p:txBody>
+      </p:sp>
+      <p:sp>
+        <p:nvSpPr>
+          <p:cNvPr id="2" name="Title 1">
+            <a:extLst>
+              <a:ext uri="{FF2B5EF4-FFF2-40B4-BE49-F238E27FC236}">
+                <a16:creationId xmlns:a16="http://schemas.microsoft.com/office/drawing/2014/main" id="{AA9AFAED-1993-4BB7-8267-F2B7A4CAFAB3}"/>
+              </a:ext>
+            </a:extLst>
+          </p:cNvPr>
+          <p:cNvSpPr>
+            <a:spLocks noGrp="1"/>
+          </p:cNvSpPr>
+          <p:nvPr>
+            <p:ph type="title"/>
+          </p:nvPr>
+        </p:nvSpPr>
+        <p:spPr>
+          <a:xfrm>
+            <a:off x="838200" y="631825"/>
+            <a:ext cx="10515600" cy="1325563"/>
+          </a:xfrm>
+        </p:spPr>
+        <p:txBody>
+          <a:bodyPr>
+            <a:normAutofit/>
+          </a:bodyPr>
+          <a:lstStyle/>
+          <a:p>
+            <a:r>
+              <a:rPr lang="en-US" sz="5400" dirty="0">
+                <a:solidFill>
+                  <a:srgbClr val="002060"/>
+                </a:solidFill>
+                <a:latin typeface="EB Garamond"/>
+                <a:ea typeface="EB Garamond"/>
+                <a:cs typeface="Calibri"/>
+              </a:rPr>
+              <a:t>Learning Experience</a:t>
+            </a:r>
+          </a:p>
+        </p:txBody>
+      </p:sp>
+      <p:sp>
+        <p:nvSpPr>
+          <p:cNvPr id="3" name="Content Placeholder 2">
+            <a:extLst>
+              <a:ext uri="{FF2B5EF4-FFF2-40B4-BE49-F238E27FC236}">
+                <a16:creationId xmlns:a16="http://schemas.microsoft.com/office/drawing/2014/main" id="{8077FBE6-2F9B-4316-916C-5D0A0287EE46}"/>
+              </a:ext>
+            </a:extLst>
+          </p:cNvPr>
+          <p:cNvSpPr>
+            <a:spLocks noGrp="1"/>
+          </p:cNvSpPr>
+          <p:nvPr>
+            <p:ph idx="1"/>
+          </p:nvPr>
+        </p:nvSpPr>
+        <p:spPr>
+          <a:xfrm>
+            <a:off x="838200" y="2057400"/>
+            <a:ext cx="10515600" cy="3871762"/>
+          </a:xfrm>
+        </p:spPr>
+        <p:txBody>
+          <a:bodyPr vert="horz" lIns="91440" tIns="45720" rIns="91440" bIns="45720" rtlCol="0">
+            <a:normAutofit/>
+          </a:bodyPr>
+          <a:lstStyle/>
+          <a:p>
+            <a:r>
+              <a:rPr lang="en-US" sz="2400"/>
+              <a:t>I got to interact with the Basic LCD Screen, and so now that can be used in many other places, which is an important output device.</a:t>
+            </a:r>
+          </a:p>
+          <a:p>
+            <a:r>
+              <a:rPr lang="en-US" sz="2400"/>
+              <a:t>Exposure to a Microprocessor and working on such a low level of input and output gave a better and more open idea about the working of a computer.</a:t>
+            </a:r>
+          </a:p>
+          <a:p>
+            <a:r>
+              <a:rPr lang="en-US" sz="2400"/>
+              <a:t>2 Terminal Switches are basic, but 3 terminal switches with a ground pin make use of more Electrical concepts which were put to use by actually using them. This also forced me to learn the basics of the Potentiometer and its detailed working. </a:t>
+            </a:r>
+          </a:p>
+          <a:p>
+            <a:r>
+              <a:rPr lang="en-US" sz="2400"/>
+              <a:t>Programming the Basics of Music also made me learn some Music Theory, reading some music notes, and an in depth working of a speaker. </a:t>
+            </a:r>
+          </a:p>
+        </p:txBody>
+      </p:sp>
+    </p:spTree>
+    <p:extLst>
+      <p:ext uri="{BB962C8B-B14F-4D97-AF65-F5344CB8AC3E}">
+        <p14:creationId xmlns:p14="http://schemas.microsoft.com/office/powerpoint/2010/main" val="3148444026"/>
+      </p:ext>
+    </p:extLst>
+  </p:cSld>
+  <p:clrMapOvr>
+    <a:masterClrMapping/>
+  </p:clrMapOvr>
+</p:sld>
+</file>
+
+<file path=ppt/slides/slide11.xml><?xml version="1.0" encoding="utf-8"?>
+<p:sld xmlns:a="http://schemas.openxmlformats.org/drawingml/2006/main" xmlns:r="http://schemas.openxmlformats.org/officeDocument/2006/relationships" xmlns:p="http://schemas.openxmlformats.org/presentationml/2006/main">
+  <p:cSld>
+    <p:bg>
+      <p:bgPr>
+        <a:solidFill>
+          <a:schemeClr val="bg1"/>
+        </a:solidFill>
+        <a:effectLst/>
+      </p:bgPr>
+    </p:bg>
+    <p:spTree>
+      <p:nvGrpSpPr>
+        <p:cNvPr id="1" name=""/>
+        <p:cNvGrpSpPr/>
+        <p:nvPr/>
+      </p:nvGrpSpPr>
+      <p:grpSpPr>
+        <a:xfrm>
+          <a:off x="0" y="0"/>
+          <a:ext cx="0" cy="0"/>
+          <a:chOff x="0" y="0"/>
+          <a:chExt cx="0" cy="0"/>
+        </a:xfrm>
+      </p:grpSpPr>
+      <p:sp>
+        <p:nvSpPr>
+          <p:cNvPr id="6" name="Rectangle 7">
+            <a:extLst>
+              <a:ext uri="{FF2B5EF4-FFF2-40B4-BE49-F238E27FC236}">
+                <a16:creationId xmlns:a16="http://schemas.microsoft.com/office/drawing/2014/main" id="{488333BA-AE6E-427A-9B16-A39C8073F4EB}"/>
+              </a:ext>
+              <a:ext uri="{C183D7F6-B498-43B3-948B-1728B52AA6E4}">
+                <adec:decorative xmlns:adec="http://schemas.microsoft.com/office/drawing/2017/decorative" val="1"/>
+              </a:ext>
+            </a:extLst>
+          </p:cNvPr>
+          <p:cNvSpPr>
+            <a:spLocks noGrp="1" noRot="1" noChangeAspect="1" noMove="1" noResize="1" noEditPoints="1" noAdjustHandles="1" noChangeArrowheads="1" noChangeShapeType="1" noTextEdit="1"/>
+          </p:cNvSpPr>
+          <p:nvPr>
+            <p:extLst>
+              <p:ext uri="{386F3935-93C4-4BCD-93E2-E3B085C9AB24}">
+                <p16:designElem xmlns:p16="http://schemas.microsoft.com/office/powerpoint/2015/main" val="1"/>
+              </p:ext>
+            </p:extLst>
+          </p:nvPr>
+        </p:nvSpPr>
+        <p:spPr>
+          <a:xfrm>
+            <a:off x="0" y="0"/>
+            <a:ext cx="12188952" cy="6858000"/>
+          </a:xfrm>
+          <a:prstGeom prst="rect">
+            <a:avLst/>
+          </a:prstGeom>
+          <a:solidFill>
+            <a:schemeClr val="tx1">
+              <a:lumMod val="75000"/>
+              <a:lumOff val="25000"/>
+            </a:schemeClr>
+          </a:solidFill>
+          <a:ln>
+            <a:noFill/>
+          </a:ln>
+        </p:spPr>
+        <p:style>
+          <a:lnRef idx="2">
+            <a:schemeClr val="accent1">
+              <a:shade val="50000"/>
+            </a:schemeClr>
+          </a:lnRef>
+          <a:fillRef idx="1">
+            <a:schemeClr val="accent1"/>
+          </a:fillRef>
+          <a:effectRef idx="0">
+            <a:schemeClr val="accent1"/>
+          </a:effectRef>
+          <a:fontRef idx="minor">
+            <a:schemeClr val="lt1"/>
+          </a:fontRef>
+        </p:style>
+        <p:txBody>
+          <a:bodyPr rtlCol="0" anchor="ctr"/>
+          <a:lstStyle/>
+          <a:p>
+            <a:pPr algn="ctr"/>
+            <a:endParaRPr lang="en-US"/>
+          </a:p>
+        </p:txBody>
+      </p:sp>
+      <p:sp>
+        <p:nvSpPr>
+          <p:cNvPr id="12" name="Rectangle 9">
+            <a:extLst>
+              <a:ext uri="{FF2B5EF4-FFF2-40B4-BE49-F238E27FC236}">
+                <a16:creationId xmlns:a16="http://schemas.microsoft.com/office/drawing/2014/main" id="{F98ED85F-DCEE-4B50-802E-71A6E3E12B04}"/>
+              </a:ext>
+              <a:ext uri="{C183D7F6-B498-43B3-948B-1728B52AA6E4}">
+                <adec:decorative xmlns:adec="http://schemas.microsoft.com/office/drawing/2017/decorative" val="1"/>
+              </a:ext>
+            </a:extLst>
+          </p:cNvPr>
+          <p:cNvSpPr>
+            <a:spLocks noGrp="1" noRot="1" noChangeAspect="1" noMove="1" noResize="1" noEditPoints="1" noAdjustHandles="1" noChangeArrowheads="1" noChangeShapeType="1" noTextEdit="1"/>
+          </p:cNvSpPr>
+          <p:nvPr>
+            <p:extLst>
+              <p:ext uri="{386F3935-93C4-4BCD-93E2-E3B085C9AB24}">
+                <p16:designElem xmlns:p16="http://schemas.microsoft.com/office/powerpoint/2015/main" val="1"/>
+              </p:ext>
+            </p:extLst>
+          </p:nvPr>
+        </p:nvSpPr>
+        <p:spPr bwMode="ltGray">
+          <a:xfrm>
+            <a:off x="321564" y="320040"/>
+            <a:ext cx="11548872" cy="6217920"/>
+          </a:xfrm>
+          <a:prstGeom prst="rect">
+            <a:avLst/>
+          </a:prstGeom>
+          <a:solidFill>
+            <a:schemeClr val="bg1"/>
+          </a:solidFill>
+          <a:ln w="127000" cap="sq" cmpd="thinThick">
+            <a:solidFill>
+              <a:schemeClr val="bg1"/>
+            </a:solidFill>
+          </a:ln>
+        </p:spPr>
+        <p:style>
+          <a:lnRef idx="2">
+            <a:schemeClr val="accent1">
+              <a:shade val="50000"/>
+            </a:schemeClr>
+          </a:lnRef>
+          <a:fillRef idx="1">
+            <a:schemeClr val="accent1"/>
+          </a:fillRef>
+          <a:effectRef idx="0">
+            <a:schemeClr val="accent1"/>
+          </a:effectRef>
+          <a:fontRef idx="minor">
+            <a:schemeClr val="lt1"/>
+          </a:fontRef>
+        </p:style>
+        <p:txBody>
+          <a:bodyPr rtlCol="0" anchor="ctr"/>
+          <a:lstStyle/>
+          <a:p>
+            <a:pPr algn="ctr"/>
+            <a:endParaRPr lang="en-US"/>
+          </a:p>
+        </p:txBody>
+      </p:sp>
+      <p:sp>
+        <p:nvSpPr>
+          <p:cNvPr id="2" name="Title 1">
+            <a:extLst>
+              <a:ext uri="{FF2B5EF4-FFF2-40B4-BE49-F238E27FC236}">
+                <a16:creationId xmlns:a16="http://schemas.microsoft.com/office/drawing/2014/main" id="{930C913A-6890-4EAE-A35D-0592AAD246C9}"/>
+              </a:ext>
+            </a:extLst>
+          </p:cNvPr>
+          <p:cNvSpPr>
+            <a:spLocks noGrp="1"/>
+          </p:cNvSpPr>
+          <p:nvPr>
+            <p:ph type="title"/>
+          </p:nvPr>
+        </p:nvSpPr>
+        <p:spPr>
+          <a:xfrm>
+            <a:off x="838200" y="631825"/>
+            <a:ext cx="10515600" cy="1325563"/>
+          </a:xfrm>
+        </p:spPr>
+        <p:txBody>
+          <a:bodyPr>
+            <a:normAutofit/>
+          </a:bodyPr>
+          <a:lstStyle/>
+          <a:p>
+            <a:r>
+              <a:rPr lang="en-US" sz="6000" dirty="0">
+                <a:solidFill>
+                  <a:srgbClr val="002060"/>
+                </a:solidFill>
+                <a:latin typeface="EB Garamond"/>
+                <a:ea typeface="EB Garamond"/>
+              </a:rPr>
+              <a:t>Conclusion</a:t>
+            </a:r>
+            <a:endParaRPr lang="en-IN" sz="6000">
+              <a:solidFill>
+                <a:srgbClr val="002060"/>
+              </a:solidFill>
+              <a:latin typeface="EB Garamond"/>
+              <a:ea typeface="EB Garamond"/>
+            </a:endParaRPr>
+          </a:p>
+        </p:txBody>
+      </p:sp>
+      <p:sp>
+        <p:nvSpPr>
+          <p:cNvPr id="3" name="Content Placeholder 2">
+            <a:extLst>
+              <a:ext uri="{FF2B5EF4-FFF2-40B4-BE49-F238E27FC236}">
+                <a16:creationId xmlns:a16="http://schemas.microsoft.com/office/drawing/2014/main" id="{29A26C81-B2BE-47CF-96F3-E5798B5777CB}"/>
+              </a:ext>
+            </a:extLst>
+          </p:cNvPr>
+          <p:cNvSpPr>
+            <a:spLocks noGrp="1"/>
+          </p:cNvSpPr>
+          <p:nvPr>
+            <p:ph idx="1"/>
+          </p:nvPr>
+        </p:nvSpPr>
+        <p:spPr>
+          <a:xfrm>
+            <a:off x="838200" y="2057400"/>
+            <a:ext cx="10515600" cy="3871762"/>
+          </a:xfrm>
+        </p:spPr>
+        <p:txBody>
+          <a:bodyPr vert="horz" lIns="91440" tIns="45720" rIns="91440" bIns="45720" rtlCol="0" anchor="t">
+            <a:normAutofit/>
+          </a:bodyPr>
+          <a:lstStyle/>
+          <a:p>
+            <a:r>
+              <a:rPr lang="en-IN" dirty="0"/>
+              <a:t>A very simple 8-bit Music Player was made, programmed and Built in </a:t>
+            </a:r>
+            <a:r>
+              <a:rPr lang="en-IN" dirty="0" err="1"/>
+              <a:t>Tinkercad</a:t>
+            </a:r>
+            <a:r>
+              <a:rPr lang="en-IN" dirty="0"/>
+              <a:t> successfully.</a:t>
+            </a:r>
+          </a:p>
+          <a:p>
+            <a:r>
+              <a:rPr lang="en-IN" dirty="0"/>
+              <a:t>The Working, Programming, and basic functioning of the Arduino, a Buzzer, an LCD Screen, Switches and Potentiometer was studied and Applied in detail. </a:t>
+            </a:r>
+          </a:p>
+        </p:txBody>
+      </p:sp>
+    </p:spTree>
+    <p:extLst>
+      <p:ext uri="{BB962C8B-B14F-4D97-AF65-F5344CB8AC3E}">
+        <p14:creationId xmlns:p14="http://schemas.microsoft.com/office/powerpoint/2010/main" val="1386808104"/>
+      </p:ext>
+    </p:extLst>
+  </p:cSld>
+  <p:clrMapOvr>
+    <a:masterClrMapping/>
+  </p:clrMapOvr>
+</p:sld>
+</file>
+
 <file path=ppt/slides/slide2.xml><?xml version="1.0" encoding="utf-8"?>
 <p:sld xmlns:a="http://schemas.openxmlformats.org/drawingml/2006/main" xmlns:r="http://schemas.openxmlformats.org/officeDocument/2006/relationships" xmlns:p="http://schemas.openxmlformats.org/presentationml/2006/main">
   <p:cSld>
+    <p:bg>
+      <p:bgPr>
+        <a:solidFill>
+          <a:schemeClr val="bg1"/>
+        </a:solidFill>
+        <a:effectLst/>
+      </p:bgPr>
+    </p:bg>
+    <p:spTree>
+      <p:nvGrpSpPr>
+        <p:cNvPr id="1" name=""/>
+        <p:cNvGrpSpPr/>
+        <p:nvPr/>
+      </p:nvGrpSpPr>
+      <p:grpSpPr>
+        <a:xfrm>
+          <a:off x="0" y="0"/>
+          <a:ext cx="0" cy="0"/>
+          <a:chOff x="0" y="0"/>
+          <a:chExt cx="0" cy="0"/>
+        </a:xfrm>
+      </p:grpSpPr>
+      <p:sp useBgFill="1">
+        <p:nvSpPr>
+          <p:cNvPr id="36" name="Rectangle 8">
+            <a:extLst>
+              <a:ext uri="{FF2B5EF4-FFF2-40B4-BE49-F238E27FC236}">
+                <a16:creationId xmlns:a16="http://schemas.microsoft.com/office/drawing/2014/main" id="{5AA03EDC-7067-4DFF-B672-541D016AAAB8}"/>
+              </a:ext>
+              <a:ext uri="{C183D7F6-B498-43B3-948B-1728B52AA6E4}">
+                <adec:decorative xmlns:adec="http://schemas.microsoft.com/office/drawing/2017/decorative" val="1"/>
+              </a:ext>
+            </a:extLst>
+          </p:cNvPr>
+          <p:cNvSpPr>
+            <a:spLocks noGrp="1" noRot="1" noChangeAspect="1" noMove="1" noResize="1" noEditPoints="1" noAdjustHandles="1" noChangeArrowheads="1" noChangeShapeType="1" noTextEdit="1"/>
+          </p:cNvSpPr>
+          <p:nvPr>
+            <p:extLst>
+              <p:ext uri="{386F3935-93C4-4BCD-93E2-E3B085C9AB24}">
+                <p16:designElem xmlns:p16="http://schemas.microsoft.com/office/powerpoint/2015/main" val="1"/>
+              </p:ext>
+            </p:extLst>
+          </p:nvPr>
+        </p:nvSpPr>
+        <p:spPr>
+          <a:xfrm>
+            <a:off x="0" y="0"/>
+            <a:ext cx="12192000" cy="6858000"/>
+          </a:xfrm>
+          <a:prstGeom prst="rect">
+            <a:avLst/>
+          </a:prstGeom>
+          <a:ln w="12700" cap="flat" cmpd="sng" algn="ctr">
+            <a:noFill/>
+            <a:prstDash val="solid"/>
+            <a:miter lim="800000"/>
+          </a:ln>
+          <a:effectLst/>
+          <a:extLst>
+            <a:ext uri="{91240B29-F687-4F45-9708-019B960494DF}">
+              <a14:hiddenLine xmlns:a14="http://schemas.microsoft.com/office/drawing/2010/main" w="12700" cap="flat" cmpd="sng" algn="ctr">
+                <a:solidFill>
+                  <a:schemeClr val="accent1">
+                    <a:shade val="50000"/>
+                  </a:schemeClr>
+                </a:solidFill>
+                <a:prstDash val="solid"/>
+                <a:miter lim="800000"/>
+              </a14:hiddenLine>
+            </a:ext>
+          </a:extLst>
+        </p:spPr>
+        <p:style>
+          <a:lnRef idx="2">
+            <a:schemeClr val="accent1">
+              <a:shade val="50000"/>
+            </a:schemeClr>
+          </a:lnRef>
+          <a:fillRef idx="1">
+            <a:schemeClr val="accent1"/>
+          </a:fillRef>
+          <a:effectRef idx="0">
+            <a:schemeClr val="accent1"/>
+          </a:effectRef>
+          <a:fontRef idx="minor">
+            <a:schemeClr val="lt1"/>
+          </a:fontRef>
+        </p:style>
+        <p:txBody>
+          <a:bodyPr rtlCol="0" anchor="ctr"/>
+          <a:lstStyle/>
+          <a:p>
+            <a:pPr algn="ctr"/>
+            <a:endParaRPr lang="en-US"/>
+          </a:p>
+        </p:txBody>
+      </p:sp>
+      <p:sp>
+        <p:nvSpPr>
+          <p:cNvPr id="37" name="Rectangle 10">
+            <a:extLst>
+              <a:ext uri="{FF2B5EF4-FFF2-40B4-BE49-F238E27FC236}">
+                <a16:creationId xmlns:a16="http://schemas.microsoft.com/office/drawing/2014/main" id="{0EBF3E39-B0BE-496A-8604-9007470FFA3A}"/>
+              </a:ext>
+              <a:ext uri="{C183D7F6-B498-43B3-948B-1728B52AA6E4}">
+                <adec:decorative xmlns:adec="http://schemas.microsoft.com/office/drawing/2017/decorative" val="1"/>
+              </a:ext>
+            </a:extLst>
+          </p:cNvPr>
+          <p:cNvSpPr>
+            <a:spLocks noGrp="1" noRot="1" noChangeAspect="1" noMove="1" noResize="1" noEditPoints="1" noAdjustHandles="1" noChangeArrowheads="1" noChangeShapeType="1" noTextEdit="1"/>
+          </p:cNvSpPr>
+          <p:nvPr>
+            <p:extLst>
+              <p:ext uri="{386F3935-93C4-4BCD-93E2-E3B085C9AB24}">
+                <p16:designElem xmlns:p16="http://schemas.microsoft.com/office/powerpoint/2015/main" val="1"/>
+              </p:ext>
+            </p:extLst>
+          </p:nvPr>
+        </p:nvSpPr>
+        <p:spPr>
+          <a:xfrm>
+            <a:off x="0" y="0"/>
+            <a:ext cx="6096000" cy="6865473"/>
+          </a:xfrm>
+          <a:prstGeom prst="rect">
+            <a:avLst/>
+          </a:prstGeom>
+          <a:solidFill>
+            <a:schemeClr val="accent2">
+              <a:lumMod val="20000"/>
+              <a:lumOff val="80000"/>
+            </a:schemeClr>
+          </a:solidFill>
+          <a:ln>
+            <a:noFill/>
+          </a:ln>
+        </p:spPr>
+        <p:style>
+          <a:lnRef idx="2">
+            <a:schemeClr val="accent1">
+              <a:shade val="50000"/>
+            </a:schemeClr>
+          </a:lnRef>
+          <a:fillRef idx="1">
+            <a:schemeClr val="accent1"/>
+          </a:fillRef>
+          <a:effectRef idx="0">
+            <a:schemeClr val="accent1"/>
+          </a:effectRef>
+          <a:fontRef idx="minor">
+            <a:schemeClr val="lt1"/>
+          </a:fontRef>
+        </p:style>
+        <p:txBody>
+          <a:bodyPr rtlCol="0" anchor="ctr"/>
+          <a:lstStyle/>
+          <a:p>
+            <a:pPr algn="ctr"/>
+            <a:endParaRPr lang="en-US"/>
+          </a:p>
+        </p:txBody>
+      </p:sp>
+      <p:sp>
+        <p:nvSpPr>
+          <p:cNvPr id="2" name="Title 1">
+            <a:extLst>
+              <a:ext uri="{FF2B5EF4-FFF2-40B4-BE49-F238E27FC236}">
+                <a16:creationId xmlns:a16="http://schemas.microsoft.com/office/drawing/2014/main" id="{4D75DFF6-938D-4B01-9CD5-FCC364A35D65}"/>
+              </a:ext>
+            </a:extLst>
+          </p:cNvPr>
+          <p:cNvSpPr>
+            <a:spLocks noGrp="1"/>
+          </p:cNvSpPr>
+          <p:nvPr>
+            <p:ph type="title"/>
+          </p:nvPr>
+        </p:nvSpPr>
+        <p:spPr>
+          <a:xfrm>
+            <a:off x="843564" y="314092"/>
+            <a:ext cx="4257866" cy="754019"/>
+          </a:xfrm>
+        </p:spPr>
+        <p:txBody>
+          <a:bodyPr anchor="b">
+            <a:noAutofit/>
+          </a:bodyPr>
+          <a:lstStyle/>
+          <a:p>
+            <a:pPr algn="ctr"/>
+            <a:r>
+              <a:rPr lang="en-US" sz="4800" dirty="0">
+                <a:latin typeface="EB Garamond"/>
+                <a:ea typeface="EB Garamond"/>
+              </a:rPr>
+              <a:t>Introduction</a:t>
+            </a:r>
+            <a:endParaRPr lang="en-IN" sz="4800">
+              <a:latin typeface="EB Garamond"/>
+              <a:ea typeface="EB Garamond"/>
+            </a:endParaRPr>
+          </a:p>
+        </p:txBody>
+      </p:sp>
+      <p:sp>
+        <p:nvSpPr>
+          <p:cNvPr id="3" name="Content Placeholder 2">
+            <a:extLst>
+              <a:ext uri="{FF2B5EF4-FFF2-40B4-BE49-F238E27FC236}">
+                <a16:creationId xmlns:a16="http://schemas.microsoft.com/office/drawing/2014/main" id="{156CE1FB-90E6-45AE-98C9-EEE7AECFBE36}"/>
+              </a:ext>
+            </a:extLst>
+          </p:cNvPr>
+          <p:cNvSpPr>
+            <a:spLocks noGrp="1"/>
+          </p:cNvSpPr>
+          <p:nvPr>
+            <p:ph idx="1"/>
+          </p:nvPr>
+        </p:nvSpPr>
+        <p:spPr>
+          <a:xfrm>
+            <a:off x="388222" y="1580795"/>
+            <a:ext cx="5319555" cy="4950604"/>
+          </a:xfrm>
+        </p:spPr>
+        <p:txBody>
+          <a:bodyPr vert="horz" lIns="91440" tIns="45720" rIns="91440" bIns="45720" rtlCol="0" anchor="t">
+            <a:noAutofit/>
+          </a:bodyPr>
+          <a:lstStyle/>
+          <a:p>
+            <a:pPr marL="0" indent="0">
+              <a:buNone/>
+            </a:pPr>
+            <a:r>
+              <a:rPr lang="en-IN" sz="2200" u="sng" dirty="0"/>
+              <a:t>An Mp3 Player is a device that has only one purpose, which is to play Mp3 files or songs. </a:t>
+            </a:r>
+          </a:p>
+          <a:p>
+            <a:pPr marL="0" indent="0">
+              <a:buNone/>
+            </a:pPr>
+            <a:r>
+              <a:rPr lang="en-IN" sz="2200" dirty="0"/>
+              <a:t>It can sometimes include a Display to let you know which song is being played, and what the next songs are. </a:t>
+            </a:r>
+          </a:p>
+          <a:p>
+            <a:pPr marL="0" indent="0">
+              <a:buNone/>
+            </a:pPr>
+            <a:r>
+              <a:rPr lang="en-IN" sz="2200" dirty="0"/>
+              <a:t>8 Bit Music got its name from Music generated from </a:t>
+            </a:r>
+            <a:r>
+              <a:rPr lang="en-IN" sz="2200" i="1" dirty="0"/>
+              <a:t>PSG(programmable Sound Generator) </a:t>
+            </a:r>
+            <a:r>
+              <a:rPr lang="en-IN" sz="2200" dirty="0"/>
+              <a:t>Chip, located usually on 8-bit Microprocessors as opposed to Modern 64 Bit ones. It uses limited Frequencies to create any sound or tune. </a:t>
+            </a:r>
+          </a:p>
+          <a:p>
+            <a:pPr marL="0" indent="0">
+              <a:buNone/>
+            </a:pPr>
+            <a:r>
+              <a:rPr lang="en-IN" sz="2200" dirty="0"/>
+              <a:t>In This project we will use Arduino Uno which uses an ATMega328 chipset, which is an 8 Bit processor combined with an LCD Screen to make a very simple Music Player. </a:t>
+            </a:r>
+            <a:endParaRPr lang="en-IN" sz="2200">
+              <a:ea typeface="+mn-lt"/>
+              <a:cs typeface="+mn-lt"/>
+            </a:endParaRPr>
+          </a:p>
+        </p:txBody>
+      </p:sp>
+      <p:pic>
+        <p:nvPicPr>
+          <p:cNvPr id="4" name="Picture 4" descr="A picture containing text, electronics, iPod&#10;&#10;Description automatically generated">
+            <a:extLst>
+              <a:ext uri="{FF2B5EF4-FFF2-40B4-BE49-F238E27FC236}">
+                <a16:creationId xmlns:a16="http://schemas.microsoft.com/office/drawing/2014/main" id="{DB6D4EA2-3856-4C65-BC86-0EA0E0DE1BF4}"/>
+              </a:ext>
+            </a:extLst>
+          </p:cNvPr>
+          <p:cNvPicPr>
+            <a:picLocks noChangeAspect="1"/>
+          </p:cNvPicPr>
+          <p:nvPr/>
+        </p:nvPicPr>
+        <p:blipFill>
+          <a:blip r:embed="rId2"/>
+          <a:stretch>
+            <a:fillRect/>
+          </a:stretch>
+        </p:blipFill>
+        <p:spPr>
+          <a:xfrm>
+            <a:off x="6781801" y="1490988"/>
+            <a:ext cx="4797056" cy="3921593"/>
+          </a:xfrm>
+          <a:prstGeom prst="rect">
+            <a:avLst/>
+          </a:prstGeom>
+        </p:spPr>
+      </p:pic>
+    </p:spTree>
+    <p:extLst>
+      <p:ext uri="{BB962C8B-B14F-4D97-AF65-F5344CB8AC3E}">
+        <p14:creationId xmlns:p14="http://schemas.microsoft.com/office/powerpoint/2010/main" val="3066741445"/>
+      </p:ext>
+    </p:extLst>
+  </p:cSld>
+  <p:clrMapOvr>
+    <a:masterClrMapping/>
+  </p:clrMapOvr>
+</p:sld>
+</file>
+
+<file path=ppt/slides/slide3.xml><?xml version="1.0" encoding="utf-8"?>
+<p:sld xmlns:a="http://schemas.openxmlformats.org/drawingml/2006/main" xmlns:r="http://schemas.openxmlformats.org/officeDocument/2006/relationships" xmlns:p="http://schemas.openxmlformats.org/presentationml/2006/main">
+  <p:cSld>
+    <p:bg>
+      <p:bgPr>
+        <a:solidFill>
+          <a:schemeClr val="bg1"/>
+        </a:solidFill>
+        <a:effectLst/>
+      </p:bgPr>
+    </p:bg>
     <p:spTree>
       <p:nvGrpSpPr>
         <p:cNvPr id="1" name=""/>
@@ -4631,7 +5516,7 @@
           <p:cNvPr id="2" name="Title 1">
             <a:extLst>
               <a:ext uri="{FF2B5EF4-FFF2-40B4-BE49-F238E27FC236}">
-                <a16:creationId xmlns:a16="http://schemas.microsoft.com/office/drawing/2014/main" id="{4D75DFF6-938D-4B01-9CD5-FCC364A35D65}"/>
+                <a16:creationId xmlns:a16="http://schemas.microsoft.com/office/drawing/2014/main" id="{41328008-0076-4117-96EF-DCEB94E685CE}"/>
               </a:ext>
             </a:extLst>
           </p:cNvPr>
@@ -4642,128 +5527,79 @@
             <p:ph type="title"/>
           </p:nvPr>
         </p:nvSpPr>
-        <p:spPr/>
+        <p:spPr>
+          <a:xfrm>
+            <a:off x="640080" y="2074363"/>
+            <a:ext cx="2752354" cy="2709275"/>
+          </a:xfrm>
+          <a:prstGeom prst="ellipse">
+            <a:avLst/>
+          </a:prstGeom>
+          <a:solidFill>
+            <a:schemeClr val="tx1">
+              <a:lumMod val="85000"/>
+              <a:lumOff val="15000"/>
+            </a:schemeClr>
+          </a:solidFill>
+          <a:ln w="174625" cmpd="thinThick">
+            <a:solidFill>
+              <a:schemeClr val="tx1">
+                <a:lumMod val="85000"/>
+                <a:lumOff val="15000"/>
+              </a:schemeClr>
+            </a:solidFill>
+          </a:ln>
+        </p:spPr>
         <p:txBody>
-          <a:bodyPr/>
+          <a:bodyPr vert="horz" lIns="91440" tIns="45720" rIns="91440" bIns="45720" rtlCol="0" anchor="ctr">
+            <a:normAutofit/>
+          </a:bodyPr>
           <a:lstStyle/>
           <a:p>
-            <a:r>
-              <a:rPr lang="en-US" dirty="0"/>
-              <a:t>Introduction</a:t>
-            </a:r>
-            <a:endParaRPr lang="en-IN" dirty="0"/>
+            <a:pPr algn="ctr"/>
+            <a:r>
+              <a:rPr lang="en-US" sz="4000" kern="1200" dirty="0">
+                <a:solidFill>
+                  <a:schemeClr val="bg1"/>
+                </a:solidFill>
+                <a:latin typeface="EB Garamond"/>
+                <a:ea typeface="EB Garamond"/>
+              </a:rPr>
+              <a:t>Block Diagram</a:t>
+            </a:r>
           </a:p>
         </p:txBody>
       </p:sp>
-      <p:sp>
-        <p:nvSpPr>
-          <p:cNvPr id="3" name="Content Placeholder 2">
-            <a:extLst>
-              <a:ext uri="{FF2B5EF4-FFF2-40B4-BE49-F238E27FC236}">
-                <a16:creationId xmlns:a16="http://schemas.microsoft.com/office/drawing/2014/main" id="{156CE1FB-90E6-45AE-98C9-EEE7AECFBE36}"/>
-              </a:ext>
-            </a:extLst>
-          </p:cNvPr>
-          <p:cNvSpPr>
-            <a:spLocks noGrp="1"/>
-          </p:cNvSpPr>
-          <p:nvPr>
-            <p:ph idx="1"/>
-          </p:nvPr>
-        </p:nvSpPr>
-        <p:spPr/>
-        <p:txBody>
-          <a:bodyPr/>
-          <a:lstStyle/>
-          <a:p>
-            <a:endParaRPr lang="en-IN"/>
-          </a:p>
-        </p:txBody>
-      </p:sp>
-    </p:spTree>
-    <p:extLst>
-      <p:ext uri="{BB962C8B-B14F-4D97-AF65-F5344CB8AC3E}">
-        <p14:creationId xmlns:p14="http://schemas.microsoft.com/office/powerpoint/2010/main" val="3066741445"/>
-      </p:ext>
-    </p:extLst>
-  </p:cSld>
-  <p:clrMapOvr>
-    <a:masterClrMapping/>
-  </p:clrMapOvr>
-</p:sld>
-</file>
-
-<file path=ppt/slides/slide3.xml><?xml version="1.0" encoding="utf-8"?>
-<p:sld xmlns:a="http://schemas.openxmlformats.org/drawingml/2006/main" xmlns:r="http://schemas.openxmlformats.org/officeDocument/2006/relationships" xmlns:p="http://schemas.openxmlformats.org/presentationml/2006/main">
-  <p:cSld>
-    <p:spTree>
-      <p:nvGrpSpPr>
-        <p:cNvPr id="1" name=""/>
-        <p:cNvGrpSpPr/>
-        <p:nvPr/>
-      </p:nvGrpSpPr>
-      <p:grpSpPr>
-        <a:xfrm>
-          <a:off x="0" y="0"/>
-          <a:ext cx="0" cy="0"/>
-          <a:chOff x="0" y="0"/>
-          <a:chExt cx="0" cy="0"/>
-        </a:xfrm>
-      </p:grpSpPr>
-      <p:sp>
-        <p:nvSpPr>
-          <p:cNvPr id="2" name="Title 1">
-            <a:extLst>
-              <a:ext uri="{FF2B5EF4-FFF2-40B4-BE49-F238E27FC236}">
-                <a16:creationId xmlns:a16="http://schemas.microsoft.com/office/drawing/2014/main" id="{41328008-0076-4117-96EF-DCEB94E685CE}"/>
-              </a:ext>
-            </a:extLst>
-          </p:cNvPr>
-          <p:cNvSpPr>
-            <a:spLocks noGrp="1"/>
-          </p:cNvSpPr>
-          <p:nvPr>
-            <p:ph type="title"/>
-          </p:nvPr>
-        </p:nvSpPr>
-        <p:spPr/>
-        <p:txBody>
-          <a:bodyPr/>
-          <a:lstStyle/>
-          <a:p>
-            <a:r>
-              <a:rPr lang="en-US" dirty="0"/>
-              <a:t>Project Description with Block Diagram</a:t>
-            </a:r>
-            <a:endParaRPr lang="en-IN" dirty="0"/>
-          </a:p>
-        </p:txBody>
-      </p:sp>
-      <p:sp>
-        <p:nvSpPr>
-          <p:cNvPr id="3" name="Content Placeholder 2">
-            <a:extLst>
-              <a:ext uri="{FF2B5EF4-FFF2-40B4-BE49-F238E27FC236}">
-                <a16:creationId xmlns:a16="http://schemas.microsoft.com/office/drawing/2014/main" id="{20F1F1D0-FE19-4CF7-9F76-12D7D74628C8}"/>
-              </a:ext>
-            </a:extLst>
-          </p:cNvPr>
-          <p:cNvSpPr>
-            <a:spLocks noGrp="1"/>
-          </p:cNvSpPr>
-          <p:nvPr>
-            <p:ph idx="1"/>
-          </p:nvPr>
-        </p:nvSpPr>
-        <p:spPr/>
-        <p:txBody>
-          <a:bodyPr/>
-          <a:lstStyle/>
-          <a:p>
-            <a:endParaRPr lang="en-IN"/>
-          </a:p>
-        </p:txBody>
-      </p:sp>
+      <p:pic>
+        <p:nvPicPr>
+          <p:cNvPr id="4" name="Picture 4" descr="Diagram&#10;&#10;Description automatically generated">
+            <a:extLst>
+              <a:ext uri="{FF2B5EF4-FFF2-40B4-BE49-F238E27FC236}">
+                <a16:creationId xmlns:a16="http://schemas.microsoft.com/office/drawing/2014/main" id="{1106A4E0-E2FE-4E56-8706-D552F45A9BB6}"/>
+              </a:ext>
+            </a:extLst>
+          </p:cNvPr>
+          <p:cNvPicPr>
+            <a:picLocks noChangeAspect="1"/>
+          </p:cNvPicPr>
+          <p:nvPr/>
+        </p:nvPicPr>
+        <p:blipFill>
+          <a:blip r:embed="rId2"/>
+          <a:stretch>
+            <a:fillRect/>
+          </a:stretch>
+        </p:blipFill>
+        <p:spPr>
+          <a:xfrm>
+            <a:off x="3728581" y="506471"/>
+            <a:ext cx="7938335" cy="5916010"/>
+          </a:xfrm>
+          <a:prstGeom prst="rect">
+            <a:avLst/>
+          </a:prstGeom>
+        </p:spPr>
+      </p:pic>
     </p:spTree>
     <p:extLst>
       <p:ext uri="{BB962C8B-B14F-4D97-AF65-F5344CB8AC3E}">
@@ -4794,6 +5630,36 @@
           <a:chExt cx="0" cy="0"/>
         </a:xfrm>
       </p:grpSpPr>
+      <p:pic>
+        <p:nvPicPr>
+          <p:cNvPr id="6" name="Picture 6" descr="Diagram, schematic&#10;&#10;Description automatically generated">
+            <a:extLst>
+              <a:ext uri="{FF2B5EF4-FFF2-40B4-BE49-F238E27FC236}">
+                <a16:creationId xmlns:a16="http://schemas.microsoft.com/office/drawing/2014/main" id="{BA1B9DC5-46B3-4B3F-AE08-40F7308AB628}"/>
+              </a:ext>
+            </a:extLst>
+          </p:cNvPr>
+          <p:cNvPicPr>
+            <a:picLocks noChangeAspect="1"/>
+          </p:cNvPicPr>
+          <p:nvPr/>
+        </p:nvPicPr>
+        <p:blipFill>
+          <a:blip r:embed="rId2"/>
+          <a:stretch>
+            <a:fillRect/>
+          </a:stretch>
+        </p:blipFill>
+        <p:spPr>
+          <a:xfrm>
+            <a:off x="2038815" y="975"/>
+            <a:ext cx="10056541" cy="6800293"/>
+          </a:xfrm>
+          <a:prstGeom prst="rect">
+            <a:avLst/>
+          </a:prstGeom>
+        </p:spPr>
+      </p:pic>
       <p:sp>
         <p:nvSpPr>
           <p:cNvPr id="2" name="Title 1">
@@ -4810,41 +5676,56 @@
             <p:ph type="title"/>
           </p:nvPr>
         </p:nvSpPr>
-        <p:spPr/>
+        <p:spPr>
+          <a:xfrm>
+            <a:off x="193753" y="2443434"/>
+            <a:ext cx="2653991" cy="1344148"/>
+          </a:xfrm>
+        </p:spPr>
         <p:txBody>
-          <a:bodyPr/>
+          <a:bodyPr vert="horz" lIns="91440" tIns="45720" rIns="91440" bIns="45720" rtlCol="0" anchor="ctr">
+            <a:noAutofit/>
+          </a:bodyPr>
           <a:lstStyle/>
           <a:p>
             <a:r>
-              <a:rPr lang="en-US" dirty="0"/>
-              <a:t>Explanation with Circuit Diagram </a:t>
-            </a:r>
-            <a:endParaRPr lang="en-IN" dirty="0"/>
-          </a:p>
-        </p:txBody>
-      </p:sp>
-      <p:sp>
-        <p:nvSpPr>
-          <p:cNvPr id="3" name="Content Placeholder 2">
-            <a:extLst>
-              <a:ext uri="{FF2B5EF4-FFF2-40B4-BE49-F238E27FC236}">
-                <a16:creationId xmlns:a16="http://schemas.microsoft.com/office/drawing/2014/main" id="{F58E4B63-B1D6-4D38-A3CB-063F86AA740F}"/>
-              </a:ext>
-            </a:extLst>
-          </p:cNvPr>
-          <p:cNvSpPr>
-            <a:spLocks noGrp="1"/>
-          </p:cNvSpPr>
-          <p:nvPr>
-            <p:ph idx="1"/>
-          </p:nvPr>
-        </p:nvSpPr>
-        <p:spPr/>
-        <p:txBody>
-          <a:bodyPr/>
-          <a:lstStyle/>
-          <a:p>
-            <a:endParaRPr lang="en-IN" dirty="0"/>
+              <a:rPr lang="en-US" sz="4800" dirty="0">
+                <a:solidFill>
+                  <a:srgbClr val="002060"/>
+                </a:solidFill>
+                <a:latin typeface="EB Garamond"/>
+                <a:ea typeface="+mj-lt"/>
+                <a:cs typeface="+mj-lt"/>
+              </a:rPr>
+              <a:t>Circuit </a:t>
+            </a:r>
+            <a:br>
+              <a:rPr lang="en-US" sz="4800" dirty="0">
+                <a:solidFill>
+                  <a:srgbClr val="002060"/>
+                </a:solidFill>
+                <a:latin typeface="EB Garamond"/>
+              </a:rPr>
+            </a:br>
+            <a:r>
+              <a:rPr lang="en-US" sz="4800" dirty="0">
+                <a:solidFill>
+                  <a:srgbClr val="002060"/>
+                </a:solidFill>
+                <a:latin typeface="EB Garamond"/>
+                <a:ea typeface="+mj-lt"/>
+                <a:cs typeface="+mj-lt"/>
+              </a:rPr>
+              <a:t>Diagram </a:t>
+            </a:r>
+            <a:endParaRPr lang="en-IN" sz="4800" dirty="0">
+              <a:solidFill>
+                <a:srgbClr val="002060"/>
+              </a:solidFill>
+              <a:latin typeface="EB Garamond"/>
+              <a:ea typeface="EB Garamond"/>
+              <a:cs typeface="Calibri"/>
+            </a:endParaRPr>
           </a:p>
         </p:txBody>
       </p:sp>
@@ -4862,6 +5743,3093 @@
 </file>
 
 <file path=ppt/slides/slide5.xml><?xml version="1.0" encoding="utf-8"?>
+<p:sld xmlns:a="http://schemas.openxmlformats.org/drawingml/2006/main" xmlns:r="http://schemas.openxmlformats.org/officeDocument/2006/relationships" xmlns:p="http://schemas.openxmlformats.org/presentationml/2006/main">
+  <p:cSld>
+    <p:bg>
+      <p:bgPr>
+        <a:solidFill>
+          <a:schemeClr val="bg1"/>
+        </a:solidFill>
+        <a:effectLst/>
+      </p:bgPr>
+    </p:bg>
+    <p:spTree>
+      <p:nvGrpSpPr>
+        <p:cNvPr id="1" name=""/>
+        <p:cNvGrpSpPr/>
+        <p:nvPr/>
+      </p:nvGrpSpPr>
+      <p:grpSpPr>
+        <a:xfrm>
+          <a:off x="0" y="0"/>
+          <a:ext cx="0" cy="0"/>
+          <a:chOff x="0" y="0"/>
+          <a:chExt cx="0" cy="0"/>
+        </a:xfrm>
+      </p:grpSpPr>
+      <p:sp>
+        <p:nvSpPr>
+          <p:cNvPr id="20" name="Rectangle 8">
+            <a:extLst>
+              <a:ext uri="{FF2B5EF4-FFF2-40B4-BE49-F238E27FC236}">
+                <a16:creationId xmlns:a16="http://schemas.microsoft.com/office/drawing/2014/main" id="{A4AC5506-6312-4701-8D3C-40187889A947}"/>
+              </a:ext>
+              <a:ext uri="{C183D7F6-B498-43B3-948B-1728B52AA6E4}">
+                <adec:decorative xmlns:adec="http://schemas.microsoft.com/office/drawing/2017/decorative" val="1"/>
+              </a:ext>
+            </a:extLst>
+          </p:cNvPr>
+          <p:cNvSpPr>
+            <a:spLocks noGrp="1" noRot="1" noChangeAspect="1" noMove="1" noResize="1" noEditPoints="1" noAdjustHandles="1" noChangeArrowheads="1" noChangeShapeType="1" noTextEdit="1"/>
+          </p:cNvSpPr>
+          <p:nvPr>
+            <p:extLst>
+              <p:ext uri="{386F3935-93C4-4BCD-93E2-E3B085C9AB24}">
+                <p16:designElem xmlns:p16="http://schemas.microsoft.com/office/powerpoint/2015/main" val="1"/>
+              </p:ext>
+            </p:extLst>
+          </p:nvPr>
+        </p:nvSpPr>
+        <p:spPr>
+          <a:xfrm>
+            <a:off x="0" y="5330432"/>
+            <a:ext cx="12192000" cy="736551"/>
+          </a:xfrm>
+          <a:prstGeom prst="rect">
+            <a:avLst/>
+          </a:prstGeom>
+          <a:solidFill>
+            <a:schemeClr val="tx1"/>
+          </a:solidFill>
+          <a:ln>
+            <a:noFill/>
+          </a:ln>
+        </p:spPr>
+        <p:style>
+          <a:lnRef idx="2">
+            <a:schemeClr val="accent1">
+              <a:shade val="50000"/>
+            </a:schemeClr>
+          </a:lnRef>
+          <a:fillRef idx="1">
+            <a:schemeClr val="accent1"/>
+          </a:fillRef>
+          <a:effectRef idx="0">
+            <a:schemeClr val="accent1"/>
+          </a:effectRef>
+          <a:fontRef idx="minor">
+            <a:schemeClr val="lt1"/>
+          </a:fontRef>
+        </p:style>
+        <p:txBody>
+          <a:bodyPr rtlCol="0" anchor="ctr"/>
+          <a:lstStyle/>
+          <a:p>
+            <a:pPr algn="ctr"/>
+            <a:endParaRPr lang="en-US"/>
+          </a:p>
+        </p:txBody>
+      </p:sp>
+      <p:sp>
+        <p:nvSpPr>
+          <p:cNvPr id="2" name="Title 1">
+            <a:extLst>
+              <a:ext uri="{FF2B5EF4-FFF2-40B4-BE49-F238E27FC236}">
+                <a16:creationId xmlns:a16="http://schemas.microsoft.com/office/drawing/2014/main" id="{E69892FC-A182-4821-94FE-97A518F10730}"/>
+              </a:ext>
+            </a:extLst>
+          </p:cNvPr>
+          <p:cNvSpPr>
+            <a:spLocks noGrp="1"/>
+          </p:cNvSpPr>
+          <p:nvPr>
+            <p:ph type="title"/>
+          </p:nvPr>
+        </p:nvSpPr>
+        <p:spPr>
+          <a:xfrm>
+            <a:off x="556532" y="5322147"/>
+            <a:ext cx="11210925" cy="744836"/>
+          </a:xfrm>
+        </p:spPr>
+        <p:txBody>
+          <a:bodyPr vert="horz" lIns="91440" tIns="45720" rIns="91440" bIns="45720" rtlCol="0" anchor="ctr">
+            <a:normAutofit/>
+          </a:bodyPr>
+          <a:lstStyle/>
+          <a:p>
+            <a:pPr algn="ctr"/>
+            <a:r>
+              <a:rPr lang="en-US" sz="4000" dirty="0">
+                <a:solidFill>
+                  <a:schemeClr val="bg1"/>
+                </a:solidFill>
+                <a:latin typeface="EB Garamond"/>
+                <a:ea typeface="+mj-lt"/>
+                <a:cs typeface="+mj-lt"/>
+              </a:rPr>
+              <a:t>Simulation Screenshots</a:t>
+            </a:r>
+            <a:endParaRPr lang="en-US" sz="5400">
+              <a:solidFill>
+                <a:schemeClr val="bg1"/>
+              </a:solidFill>
+              <a:latin typeface="EB Garamond"/>
+              <a:ea typeface="EB Garamond"/>
+            </a:endParaRPr>
+          </a:p>
+        </p:txBody>
+      </p:sp>
+      <p:pic>
+        <p:nvPicPr>
+          <p:cNvPr id="4" name="Picture 4" descr="Diagram, schematic&#10;&#10;Description automatically generated">
+            <a:extLst>
+              <a:ext uri="{FF2B5EF4-FFF2-40B4-BE49-F238E27FC236}">
+                <a16:creationId xmlns:a16="http://schemas.microsoft.com/office/drawing/2014/main" id="{256936E3-D94C-4D84-BF56-620F5870BF2B}"/>
+              </a:ext>
+            </a:extLst>
+          </p:cNvPr>
+          <p:cNvPicPr>
+            <a:picLocks noChangeAspect="1"/>
+          </p:cNvPicPr>
+          <p:nvPr/>
+        </p:nvPicPr>
+        <p:blipFill>
+          <a:blip r:embed="rId2"/>
+          <a:stretch>
+            <a:fillRect/>
+          </a:stretch>
+        </p:blipFill>
+        <p:spPr>
+          <a:xfrm>
+            <a:off x="-722189" y="1308"/>
+            <a:ext cx="13033866" cy="5324546"/>
+          </a:xfrm>
+          <a:prstGeom prst="rect">
+            <a:avLst/>
+          </a:prstGeom>
+        </p:spPr>
+      </p:pic>
+    </p:spTree>
+    <p:extLst>
+      <p:ext uri="{BB962C8B-B14F-4D97-AF65-F5344CB8AC3E}">
+        <p14:creationId xmlns:p14="http://schemas.microsoft.com/office/powerpoint/2010/main" val="2962803395"/>
+      </p:ext>
+    </p:extLst>
+  </p:cSld>
+  <p:clrMapOvr>
+    <a:masterClrMapping/>
+  </p:clrMapOvr>
+</p:sld>
+</file>
+
+<file path=ppt/slides/slide6.xml><?xml version="1.0" encoding="utf-8"?>
+<p:sld xmlns:a="http://schemas.openxmlformats.org/drawingml/2006/main" xmlns:r="http://schemas.openxmlformats.org/officeDocument/2006/relationships" xmlns:p="http://schemas.openxmlformats.org/presentationml/2006/main">
+  <p:cSld>
+    <p:bg>
+      <p:bgPr>
+        <a:solidFill>
+          <a:schemeClr val="bg1"/>
+        </a:solidFill>
+        <a:effectLst/>
+      </p:bgPr>
+    </p:bg>
+    <p:spTree>
+      <p:nvGrpSpPr>
+        <p:cNvPr id="1" name=""/>
+        <p:cNvGrpSpPr/>
+        <p:nvPr/>
+      </p:nvGrpSpPr>
+      <p:grpSpPr>
+        <a:xfrm>
+          <a:off x="0" y="0"/>
+          <a:ext cx="0" cy="0"/>
+          <a:chOff x="0" y="0"/>
+          <a:chExt cx="0" cy="0"/>
+        </a:xfrm>
+      </p:grpSpPr>
+      <p:sp>
+        <p:nvSpPr>
+          <p:cNvPr id="28" name="Rectangle 21">
+            <a:extLst>
+              <a:ext uri="{FF2B5EF4-FFF2-40B4-BE49-F238E27FC236}">
+                <a16:creationId xmlns:a16="http://schemas.microsoft.com/office/drawing/2014/main" id="{32BC26D8-82FB-445E-AA49-62A77D7C1EE0}"/>
+              </a:ext>
+              <a:ext uri="{C183D7F6-B498-43B3-948B-1728B52AA6E4}">
+                <adec:decorative xmlns:adec="http://schemas.microsoft.com/office/drawing/2017/decorative" val="1"/>
+              </a:ext>
+            </a:extLst>
+          </p:cNvPr>
+          <p:cNvSpPr>
+            <a:spLocks noGrp="1" noRot="1" noChangeAspect="1" noMove="1" noResize="1" noEditPoints="1" noAdjustHandles="1" noChangeArrowheads="1" noChangeShapeType="1" noTextEdit="1"/>
+          </p:cNvSpPr>
+          <p:nvPr>
+            <p:extLst>
+              <p:ext uri="{386F3935-93C4-4BCD-93E2-E3B085C9AB24}">
+                <p16:designElem xmlns:p16="http://schemas.microsoft.com/office/powerpoint/2015/main" val="1"/>
+              </p:ext>
+            </p:extLst>
+          </p:nvPr>
+        </p:nvSpPr>
+        <p:spPr>
+          <a:xfrm>
+            <a:off x="0" y="0"/>
+            <a:ext cx="12192000" cy="6858000"/>
+          </a:xfrm>
+          <a:prstGeom prst="rect">
+            <a:avLst/>
+          </a:prstGeom>
+          <a:solidFill>
+            <a:srgbClr val="3B4D52"/>
+          </a:solidFill>
+          <a:ln>
+            <a:noFill/>
+          </a:ln>
+        </p:spPr>
+        <p:style>
+          <a:lnRef idx="2">
+            <a:schemeClr val="accent1">
+              <a:shade val="50000"/>
+            </a:schemeClr>
+          </a:lnRef>
+          <a:fillRef idx="1">
+            <a:schemeClr val="accent1"/>
+          </a:fillRef>
+          <a:effectRef idx="0">
+            <a:schemeClr val="accent1"/>
+          </a:effectRef>
+          <a:fontRef idx="minor">
+            <a:schemeClr val="lt1"/>
+          </a:fontRef>
+        </p:style>
+        <p:txBody>
+          <a:bodyPr rtlCol="0" anchor="ctr"/>
+          <a:lstStyle/>
+          <a:p>
+            <a:pPr algn="ctr"/>
+            <a:endParaRPr lang="en-US"/>
+          </a:p>
+        </p:txBody>
+      </p:sp>
+      <p:sp>
+        <p:nvSpPr>
+          <p:cNvPr id="29" name="Rectangle 23">
+            <a:extLst>
+              <a:ext uri="{FF2B5EF4-FFF2-40B4-BE49-F238E27FC236}">
+                <a16:creationId xmlns:a16="http://schemas.microsoft.com/office/drawing/2014/main" id="{CB44330D-EA18-4254-AA95-EB49948539B8}"/>
+              </a:ext>
+              <a:ext uri="{C183D7F6-B498-43B3-948B-1728B52AA6E4}">
+                <adec:decorative xmlns:adec="http://schemas.microsoft.com/office/drawing/2017/decorative" val="1"/>
+              </a:ext>
+            </a:extLst>
+          </p:cNvPr>
+          <p:cNvSpPr>
+            <a:spLocks noGrp="1" noRot="1" noChangeAspect="1" noMove="1" noResize="1" noEditPoints="1" noAdjustHandles="1" noChangeArrowheads="1" noChangeShapeType="1" noTextEdit="1"/>
+          </p:cNvSpPr>
+          <p:nvPr>
+            <p:extLst>
+              <p:ext uri="{386F3935-93C4-4BCD-93E2-E3B085C9AB24}">
+                <p16:designElem xmlns:p16="http://schemas.microsoft.com/office/powerpoint/2015/main" val="1"/>
+              </p:ext>
+            </p:extLst>
+          </p:nvPr>
+        </p:nvSpPr>
+        <p:spPr>
+          <a:xfrm>
+            <a:off x="477012" y="480060"/>
+            <a:ext cx="11237976" cy="5897880"/>
+          </a:xfrm>
+          <a:prstGeom prst="rect">
+            <a:avLst/>
+          </a:prstGeom>
+          <a:solidFill>
+            <a:srgbClr val="FFFFFF"/>
+          </a:solidFill>
+          <a:ln>
+            <a:noFill/>
+          </a:ln>
+        </p:spPr>
+        <p:style>
+          <a:lnRef idx="2">
+            <a:schemeClr val="accent1">
+              <a:shade val="50000"/>
+            </a:schemeClr>
+          </a:lnRef>
+          <a:fillRef idx="1">
+            <a:schemeClr val="accent1"/>
+          </a:fillRef>
+          <a:effectRef idx="0">
+            <a:schemeClr val="accent1"/>
+          </a:effectRef>
+          <a:fontRef idx="minor">
+            <a:schemeClr val="lt1"/>
+          </a:fontRef>
+        </p:style>
+        <p:txBody>
+          <a:bodyPr rtlCol="0" anchor="ctr"/>
+          <a:lstStyle/>
+          <a:p>
+            <a:pPr algn="ctr"/>
+            <a:endParaRPr lang="en-US"/>
+          </a:p>
+        </p:txBody>
+      </p:sp>
+      <p:pic>
+        <p:nvPicPr>
+          <p:cNvPr id="4" name="Picture 4" descr="Diagram&#10;&#10;Description automatically generated">
+            <a:extLst>
+              <a:ext uri="{FF2B5EF4-FFF2-40B4-BE49-F238E27FC236}">
+                <a16:creationId xmlns:a16="http://schemas.microsoft.com/office/drawing/2014/main" id="{CF8C6585-BBA1-4DDD-8345-C0594E969901}"/>
+              </a:ext>
+            </a:extLst>
+          </p:cNvPr>
+          <p:cNvPicPr>
+            <a:picLocks noGrp="1" noChangeAspect="1"/>
+          </p:cNvPicPr>
+          <p:nvPr>
+            <p:ph idx="1"/>
+          </p:nvPr>
+        </p:nvPicPr>
+        <p:blipFill>
+          <a:blip r:embed="rId2"/>
+          <a:stretch>
+            <a:fillRect/>
+          </a:stretch>
+        </p:blipFill>
+        <p:spPr>
+          <a:xfrm>
+            <a:off x="643467" y="934467"/>
+            <a:ext cx="10905066" cy="4989066"/>
+          </a:xfrm>
+          <a:prstGeom prst="rect">
+            <a:avLst/>
+          </a:prstGeom>
+        </p:spPr>
+      </p:pic>
+    </p:spTree>
+    <p:extLst>
+      <p:ext uri="{BB962C8B-B14F-4D97-AF65-F5344CB8AC3E}">
+        <p14:creationId xmlns:p14="http://schemas.microsoft.com/office/powerpoint/2010/main" val="2642153569"/>
+      </p:ext>
+    </p:extLst>
+  </p:cSld>
+  <p:clrMapOvr>
+    <a:masterClrMapping/>
+  </p:clrMapOvr>
+</p:sld>
+</file>
+
+<file path=ppt/slides/slide7.xml><?xml version="1.0" encoding="utf-8"?>
+<p:sld xmlns:a="http://schemas.openxmlformats.org/drawingml/2006/main" xmlns:r="http://schemas.openxmlformats.org/officeDocument/2006/relationships" xmlns:p="http://schemas.openxmlformats.org/presentationml/2006/main">
+  <p:cSld>
+    <p:bg>
+      <p:bgPr>
+        <a:solidFill>
+          <a:schemeClr val="bg1"/>
+        </a:solidFill>
+        <a:effectLst/>
+      </p:bgPr>
+    </p:bg>
+    <p:spTree>
+      <p:nvGrpSpPr>
+        <p:cNvPr id="1" name=""/>
+        <p:cNvGrpSpPr/>
+        <p:nvPr/>
+      </p:nvGrpSpPr>
+      <p:grpSpPr>
+        <a:xfrm>
+          <a:off x="0" y="0"/>
+          <a:ext cx="0" cy="0"/>
+          <a:chOff x="0" y="0"/>
+          <a:chExt cx="0" cy="0"/>
+        </a:xfrm>
+      </p:grpSpPr>
+      <p:sp>
+        <p:nvSpPr>
+          <p:cNvPr id="9" name="Rectangle 8">
+            <a:extLst>
+              <a:ext uri="{FF2B5EF4-FFF2-40B4-BE49-F238E27FC236}">
+                <a16:creationId xmlns:a16="http://schemas.microsoft.com/office/drawing/2014/main" id="{A4AC5506-6312-4701-8D3C-40187889A947}"/>
+              </a:ext>
+              <a:ext uri="{C183D7F6-B498-43B3-948B-1728B52AA6E4}">
+                <adec:decorative xmlns:adec="http://schemas.microsoft.com/office/drawing/2017/decorative" val="1"/>
+              </a:ext>
+            </a:extLst>
+          </p:cNvPr>
+          <p:cNvSpPr>
+            <a:spLocks noGrp="1" noRot="1" noChangeAspect="1" noMove="1" noResize="1" noEditPoints="1" noAdjustHandles="1" noChangeArrowheads="1" noChangeShapeType="1" noTextEdit="1"/>
+          </p:cNvSpPr>
+          <p:nvPr>
+            <p:extLst>
+              <p:ext uri="{386F3935-93C4-4BCD-93E2-E3B085C9AB24}">
+                <p16:designElem xmlns:p16="http://schemas.microsoft.com/office/powerpoint/2015/main" val="1"/>
+              </p:ext>
+            </p:extLst>
+          </p:nvPr>
+        </p:nvSpPr>
+        <p:spPr>
+          <a:xfrm>
+            <a:off x="0" y="651752"/>
+            <a:ext cx="12192000" cy="736551"/>
+          </a:xfrm>
+          <a:prstGeom prst="rect">
+            <a:avLst/>
+          </a:prstGeom>
+          <a:solidFill>
+            <a:schemeClr val="tx1"/>
+          </a:solidFill>
+          <a:ln>
+            <a:noFill/>
+          </a:ln>
+        </p:spPr>
+        <p:style>
+          <a:lnRef idx="2">
+            <a:schemeClr val="accent1">
+              <a:shade val="50000"/>
+            </a:schemeClr>
+          </a:lnRef>
+          <a:fillRef idx="1">
+            <a:schemeClr val="accent1"/>
+          </a:fillRef>
+          <a:effectRef idx="0">
+            <a:schemeClr val="accent1"/>
+          </a:effectRef>
+          <a:fontRef idx="minor">
+            <a:schemeClr val="lt1"/>
+          </a:fontRef>
+        </p:style>
+        <p:txBody>
+          <a:bodyPr rtlCol="0" anchor="ctr"/>
+          <a:lstStyle/>
+          <a:p>
+            <a:pPr algn="ctr"/>
+            <a:endParaRPr lang="en-US"/>
+          </a:p>
+        </p:txBody>
+      </p:sp>
+      <p:sp>
+        <p:nvSpPr>
+          <p:cNvPr id="2" name="Title 1">
+            <a:extLst>
+              <a:ext uri="{FF2B5EF4-FFF2-40B4-BE49-F238E27FC236}">
+                <a16:creationId xmlns:a16="http://schemas.microsoft.com/office/drawing/2014/main" id="{2734819E-896E-469A-B864-3B2D10895A6D}"/>
+              </a:ext>
+            </a:extLst>
+          </p:cNvPr>
+          <p:cNvSpPr>
+            <a:spLocks noGrp="1"/>
+          </p:cNvSpPr>
+          <p:nvPr>
+            <p:ph type="title"/>
+          </p:nvPr>
+        </p:nvSpPr>
+        <p:spPr>
+          <a:xfrm>
+            <a:off x="556532" y="643467"/>
+            <a:ext cx="11210925" cy="744836"/>
+          </a:xfrm>
+        </p:spPr>
+        <p:txBody>
+          <a:bodyPr vert="horz" lIns="91440" tIns="45720" rIns="91440" bIns="45720" rtlCol="0" anchor="ctr">
+            <a:normAutofit/>
+          </a:bodyPr>
+          <a:lstStyle/>
+          <a:p>
+            <a:pPr algn="ctr"/>
+            <a:r>
+              <a:rPr lang="en-US" sz="3200" kern="1200">
+                <a:solidFill>
+                  <a:schemeClr val="bg1"/>
+                </a:solidFill>
+                <a:latin typeface="+mj-lt"/>
+                <a:ea typeface="+mj-ea"/>
+                <a:cs typeface="+mj-cs"/>
+              </a:rPr>
+              <a:t>Components Used</a:t>
+            </a:r>
+          </a:p>
+        </p:txBody>
+      </p:sp>
+      <p:graphicFrame>
+        <p:nvGraphicFramePr>
+          <p:cNvPr id="4" name="Table 3">
+            <a:extLst>
+              <a:ext uri="{FF2B5EF4-FFF2-40B4-BE49-F238E27FC236}">
+                <a16:creationId xmlns:a16="http://schemas.microsoft.com/office/drawing/2014/main" id="{4FD5A929-9CAF-404A-BA77-E9F06C0BCEAB}"/>
+              </a:ext>
+            </a:extLst>
+          </p:cNvPr>
+          <p:cNvGraphicFramePr>
+            <a:graphicFrameLocks noGrp="1"/>
+          </p:cNvGraphicFramePr>
+          <p:nvPr>
+            <p:extLst>
+              <p:ext uri="{D42A27DB-BD31-4B8C-83A1-F6EECF244321}">
+                <p14:modId xmlns:p14="http://schemas.microsoft.com/office/powerpoint/2010/main" val="2670064751"/>
+              </p:ext>
+            </p:extLst>
+          </p:nvPr>
+        </p:nvGraphicFramePr>
+        <p:xfrm>
+          <a:off x="1049960" y="1675227"/>
+          <a:ext cx="10092080" cy="4394210"/>
+        </p:xfrm>
+        <a:graphic>
+          <a:graphicData uri="http://schemas.openxmlformats.org/drawingml/2006/table">
+            <a:tbl>
+              <a:tblPr firstRow="1" bandRow="1"/>
+              <a:tblGrid>
+                <a:gridCol w="2522426">
+                  <a:extLst>
+                    <a:ext uri="{9D8B030D-6E8A-4147-A177-3AD203B41FA5}">
+                      <a16:colId xmlns:a16="http://schemas.microsoft.com/office/drawing/2014/main" val="754337943"/>
+                    </a:ext>
+                  </a:extLst>
+                </a:gridCol>
+                <a:gridCol w="2722804">
+                  <a:extLst>
+                    <a:ext uri="{9D8B030D-6E8A-4147-A177-3AD203B41FA5}">
+                      <a16:colId xmlns:a16="http://schemas.microsoft.com/office/drawing/2014/main" val="1571376691"/>
+                    </a:ext>
+                  </a:extLst>
+                </a:gridCol>
+                <a:gridCol w="4846850">
+                  <a:extLst>
+                    <a:ext uri="{9D8B030D-6E8A-4147-A177-3AD203B41FA5}">
+                      <a16:colId xmlns:a16="http://schemas.microsoft.com/office/drawing/2014/main" val="2788383766"/>
+                    </a:ext>
+                  </a:extLst>
+                </a:gridCol>
+              </a:tblGrid>
+              <a:tr h="436333">
+                <a:tc>
+                  <a:txBody>
+                    <a:bodyPr/>
+                    <a:lstStyle/>
+                    <a:p>
+                      <a:pPr algn="ctr" fontAlgn="b"/>
+                      <a:r>
+                        <a:rPr lang="en-IN" sz="2500" b="0" i="0" u="none" strike="noStrike">
+                          <a:solidFill>
+                            <a:srgbClr val="0070C0"/>
+                          </a:solidFill>
+                          <a:effectLst/>
+                          <a:latin typeface="Arvo" panose="02000000000000000000" pitchFamily="2" charset="0"/>
+                        </a:rPr>
+                        <a:t>Name</a:t>
+                      </a:r>
+                    </a:p>
+                  </a:txBody>
+                  <a:tcPr marL="7786" marR="7786" marT="7786" marB="0" anchor="b">
+                    <a:lnL w="12700" cap="flat" cmpd="sng" algn="ctr">
+                      <a:solidFill>
+                        <a:schemeClr val="tx1"/>
+                      </a:solidFill>
+                      <a:prstDash val="solid"/>
+                      <a:round/>
+                      <a:headEnd type="none" w="med" len="med"/>
+                      <a:tailEnd type="none" w="med" len="med"/>
+                    </a:lnL>
+                    <a:lnR w="12700" cap="flat" cmpd="sng" algn="ctr">
+                      <a:solidFill>
+                        <a:schemeClr val="tx1"/>
+                      </a:solidFill>
+                      <a:prstDash val="solid"/>
+                      <a:round/>
+                      <a:headEnd type="none" w="med" len="med"/>
+                      <a:tailEnd type="none" w="med" len="med"/>
+                    </a:lnR>
+                    <a:lnT w="12700" cap="flat" cmpd="sng" algn="ctr">
+                      <a:solidFill>
+                        <a:schemeClr val="tx1"/>
+                      </a:solidFill>
+                      <a:prstDash val="solid"/>
+                      <a:round/>
+                      <a:headEnd type="none" w="med" len="med"/>
+                      <a:tailEnd type="none" w="med" len="med"/>
+                    </a:lnT>
+                    <a:lnB w="12700" cap="flat" cmpd="sng" algn="ctr">
+                      <a:solidFill>
+                        <a:schemeClr val="tx1"/>
+                      </a:solidFill>
+                      <a:prstDash val="solid"/>
+                      <a:round/>
+                      <a:headEnd type="none" w="med" len="med"/>
+                      <a:tailEnd type="none" w="med" len="med"/>
+                    </a:lnB>
+                    <a:lnTlToBr w="12700" cmpd="sng">
+                      <a:noFill/>
+                      <a:prstDash val="solid"/>
+                    </a:lnTlToBr>
+                    <a:lnBlToTr w="12700" cmpd="sng">
+                      <a:noFill/>
+                      <a:prstDash val="solid"/>
+                    </a:lnBlToTr>
+                  </a:tcPr>
+                </a:tc>
+                <a:tc>
+                  <a:txBody>
+                    <a:bodyPr/>
+                    <a:lstStyle/>
+                    <a:p>
+                      <a:pPr algn="ctr" fontAlgn="b"/>
+                      <a:r>
+                        <a:rPr lang="en-IN" sz="2500" b="0" i="0" u="none" strike="noStrike">
+                          <a:solidFill>
+                            <a:srgbClr val="0070C0"/>
+                          </a:solidFill>
+                          <a:effectLst/>
+                          <a:latin typeface="Arvo" panose="02000000000000000000" pitchFamily="2" charset="0"/>
+                        </a:rPr>
+                        <a:t>Quantity</a:t>
+                      </a:r>
+                    </a:p>
+                  </a:txBody>
+                  <a:tcPr marL="7786" marR="7786" marT="7786" marB="0" anchor="b">
+                    <a:lnL w="12700" cap="flat" cmpd="sng" algn="ctr">
+                      <a:solidFill>
+                        <a:schemeClr val="tx1"/>
+                      </a:solidFill>
+                      <a:prstDash val="solid"/>
+                      <a:round/>
+                      <a:headEnd type="none" w="med" len="med"/>
+                      <a:tailEnd type="none" w="med" len="med"/>
+                    </a:lnL>
+                    <a:lnR w="12700" cap="flat" cmpd="sng" algn="ctr">
+                      <a:solidFill>
+                        <a:schemeClr val="tx1"/>
+                      </a:solidFill>
+                      <a:prstDash val="solid"/>
+                      <a:round/>
+                      <a:headEnd type="none" w="med" len="med"/>
+                      <a:tailEnd type="none" w="med" len="med"/>
+                    </a:lnR>
+                    <a:lnT w="12700" cap="flat" cmpd="sng" algn="ctr">
+                      <a:solidFill>
+                        <a:schemeClr val="tx1"/>
+                      </a:solidFill>
+                      <a:prstDash val="solid"/>
+                      <a:round/>
+                      <a:headEnd type="none" w="med" len="med"/>
+                      <a:tailEnd type="none" w="med" len="med"/>
+                    </a:lnT>
+                    <a:lnB w="12700" cap="flat" cmpd="sng" algn="ctr">
+                      <a:solidFill>
+                        <a:schemeClr val="tx1"/>
+                      </a:solidFill>
+                      <a:prstDash val="solid"/>
+                      <a:round/>
+                      <a:headEnd type="none" w="med" len="med"/>
+                      <a:tailEnd type="none" w="med" len="med"/>
+                    </a:lnB>
+                    <a:lnTlToBr w="12700" cmpd="sng">
+                      <a:noFill/>
+                      <a:prstDash val="solid"/>
+                    </a:lnTlToBr>
+                    <a:lnBlToTr w="12700" cmpd="sng">
+                      <a:noFill/>
+                      <a:prstDash val="solid"/>
+                    </a:lnBlToTr>
+                  </a:tcPr>
+                </a:tc>
+                <a:tc>
+                  <a:txBody>
+                    <a:bodyPr/>
+                    <a:lstStyle/>
+                    <a:p>
+                      <a:pPr algn="ctr" fontAlgn="b"/>
+                      <a:r>
+                        <a:rPr lang="en-IN" sz="2500" b="0" i="0" u="none" strike="noStrike">
+                          <a:solidFill>
+                            <a:srgbClr val="0070C0"/>
+                          </a:solidFill>
+                          <a:effectLst/>
+                          <a:latin typeface="Arvo" panose="02000000000000000000" pitchFamily="2" charset="0"/>
+                        </a:rPr>
+                        <a:t>Component</a:t>
+                      </a:r>
+                    </a:p>
+                  </a:txBody>
+                  <a:tcPr marL="7786" marR="7786" marT="7786" marB="0" anchor="b">
+                    <a:lnL w="12700" cap="flat" cmpd="sng" algn="ctr">
+                      <a:solidFill>
+                        <a:schemeClr val="tx1"/>
+                      </a:solidFill>
+                      <a:prstDash val="solid"/>
+                      <a:round/>
+                      <a:headEnd type="none" w="med" len="med"/>
+                      <a:tailEnd type="none" w="med" len="med"/>
+                    </a:lnL>
+                    <a:lnR w="12700" cap="flat" cmpd="sng" algn="ctr">
+                      <a:solidFill>
+                        <a:schemeClr val="tx1"/>
+                      </a:solidFill>
+                      <a:prstDash val="solid"/>
+                      <a:round/>
+                      <a:headEnd type="none" w="med" len="med"/>
+                      <a:tailEnd type="none" w="med" len="med"/>
+                    </a:lnR>
+                    <a:lnT w="12700" cap="flat" cmpd="sng" algn="ctr">
+                      <a:solidFill>
+                        <a:schemeClr val="tx1"/>
+                      </a:solidFill>
+                      <a:prstDash val="solid"/>
+                      <a:round/>
+                      <a:headEnd type="none" w="med" len="med"/>
+                      <a:tailEnd type="none" w="med" len="med"/>
+                    </a:lnT>
+                    <a:lnB w="12700" cap="flat" cmpd="sng" algn="ctr">
+                      <a:solidFill>
+                        <a:schemeClr val="tx1"/>
+                      </a:solidFill>
+                      <a:prstDash val="solid"/>
+                      <a:round/>
+                      <a:headEnd type="none" w="med" len="med"/>
+                      <a:tailEnd type="none" w="med" len="med"/>
+                    </a:lnB>
+                    <a:lnTlToBr w="12700" cmpd="sng">
+                      <a:noFill/>
+                      <a:prstDash val="solid"/>
+                    </a:lnTlToBr>
+                    <a:lnBlToTr w="12700" cmpd="sng">
+                      <a:noFill/>
+                      <a:prstDash val="solid"/>
+                    </a:lnBlToTr>
+                  </a:tcPr>
+                </a:tc>
+                <a:extLst>
+                  <a:ext uri="{0D108BD9-81ED-4DB2-BD59-A6C34878D82A}">
+                    <a16:rowId xmlns:a16="http://schemas.microsoft.com/office/drawing/2014/main" val="3916331278"/>
+                  </a:ext>
+                </a:extLst>
+              </a:tr>
+              <a:tr h="359807">
+                <a:tc>
+                  <a:txBody>
+                    <a:bodyPr/>
+                    <a:lstStyle/>
+                    <a:p>
+                      <a:pPr algn="ctr" fontAlgn="b"/>
+                      <a:r>
+                        <a:rPr lang="en-IN" sz="2000" b="0" i="0" u="none" strike="noStrike">
+                          <a:solidFill>
+                            <a:srgbClr val="000000"/>
+                          </a:solidFill>
+                          <a:effectLst/>
+                          <a:latin typeface="Arvo" panose="02000000000000000000" pitchFamily="2" charset="0"/>
+                        </a:rPr>
+                        <a:t>U4</a:t>
+                      </a:r>
+                    </a:p>
+                  </a:txBody>
+                  <a:tcPr marL="7786" marR="7786" marT="7786" marB="0" anchor="b">
+                    <a:lnL w="12700" cap="flat" cmpd="sng" algn="ctr">
+                      <a:solidFill>
+                        <a:schemeClr val="tx1"/>
+                      </a:solidFill>
+                      <a:prstDash val="solid"/>
+                      <a:round/>
+                      <a:headEnd type="none" w="med" len="med"/>
+                      <a:tailEnd type="none" w="med" len="med"/>
+                    </a:lnL>
+                    <a:lnR w="12700" cap="flat" cmpd="sng" algn="ctr">
+                      <a:solidFill>
+                        <a:schemeClr val="tx1"/>
+                      </a:solidFill>
+                      <a:prstDash val="solid"/>
+                      <a:round/>
+                      <a:headEnd type="none" w="med" len="med"/>
+                      <a:tailEnd type="none" w="med" len="med"/>
+                    </a:lnR>
+                    <a:lnT w="12700" cap="flat" cmpd="sng" algn="ctr">
+                      <a:solidFill>
+                        <a:schemeClr val="tx1"/>
+                      </a:solidFill>
+                      <a:prstDash val="solid"/>
+                      <a:round/>
+                      <a:headEnd type="none" w="med" len="med"/>
+                      <a:tailEnd type="none" w="med" len="med"/>
+                    </a:lnT>
+                    <a:lnB w="12700" cap="flat" cmpd="sng" algn="ctr">
+                      <a:solidFill>
+                        <a:schemeClr val="tx1"/>
+                      </a:solidFill>
+                      <a:prstDash val="solid"/>
+                      <a:round/>
+                      <a:headEnd type="none" w="med" len="med"/>
+                      <a:tailEnd type="none" w="med" len="med"/>
+                    </a:lnB>
+                    <a:lnTlToBr w="12700" cmpd="sng">
+                      <a:noFill/>
+                      <a:prstDash val="solid"/>
+                    </a:lnTlToBr>
+                    <a:lnBlToTr w="12700" cmpd="sng">
+                      <a:noFill/>
+                      <a:prstDash val="solid"/>
+                    </a:lnBlToTr>
+                  </a:tcPr>
+                </a:tc>
+                <a:tc>
+                  <a:txBody>
+                    <a:bodyPr/>
+                    <a:lstStyle/>
+                    <a:p>
+                      <a:pPr algn="ctr" fontAlgn="b"/>
+                      <a:r>
+                        <a:rPr lang="en-IN" sz="2000" b="0" i="0" u="none" strike="noStrike">
+                          <a:solidFill>
+                            <a:srgbClr val="000000"/>
+                          </a:solidFill>
+                          <a:effectLst/>
+                          <a:latin typeface="Arvo" panose="02000000000000000000" pitchFamily="2" charset="0"/>
+                        </a:rPr>
+                        <a:t>1</a:t>
+                      </a:r>
+                    </a:p>
+                  </a:txBody>
+                  <a:tcPr marL="7786" marR="7786" marT="7786" marB="0" anchor="b">
+                    <a:lnL w="12700" cap="flat" cmpd="sng" algn="ctr">
+                      <a:solidFill>
+                        <a:schemeClr val="tx1"/>
+                      </a:solidFill>
+                      <a:prstDash val="solid"/>
+                      <a:round/>
+                      <a:headEnd type="none" w="med" len="med"/>
+                      <a:tailEnd type="none" w="med" len="med"/>
+                    </a:lnL>
+                    <a:lnR w="12700" cap="flat" cmpd="sng" algn="ctr">
+                      <a:solidFill>
+                        <a:schemeClr val="tx1"/>
+                      </a:solidFill>
+                      <a:prstDash val="solid"/>
+                      <a:round/>
+                      <a:headEnd type="none" w="med" len="med"/>
+                      <a:tailEnd type="none" w="med" len="med"/>
+                    </a:lnR>
+                    <a:lnT w="12700" cap="flat" cmpd="sng" algn="ctr">
+                      <a:solidFill>
+                        <a:schemeClr val="tx1"/>
+                      </a:solidFill>
+                      <a:prstDash val="solid"/>
+                      <a:round/>
+                      <a:headEnd type="none" w="med" len="med"/>
+                      <a:tailEnd type="none" w="med" len="med"/>
+                    </a:lnT>
+                    <a:lnB w="12700" cap="flat" cmpd="sng" algn="ctr">
+                      <a:solidFill>
+                        <a:schemeClr val="tx1"/>
+                      </a:solidFill>
+                      <a:prstDash val="solid"/>
+                      <a:round/>
+                      <a:headEnd type="none" w="med" len="med"/>
+                      <a:tailEnd type="none" w="med" len="med"/>
+                    </a:lnB>
+                    <a:lnTlToBr w="12700" cmpd="sng">
+                      <a:noFill/>
+                      <a:prstDash val="solid"/>
+                    </a:lnTlToBr>
+                    <a:lnBlToTr w="12700" cmpd="sng">
+                      <a:noFill/>
+                      <a:prstDash val="solid"/>
+                    </a:lnBlToTr>
+                  </a:tcPr>
+                </a:tc>
+                <a:tc>
+                  <a:txBody>
+                    <a:bodyPr/>
+                    <a:lstStyle/>
+                    <a:p>
+                      <a:pPr algn="ctr" fontAlgn="b"/>
+                      <a:r>
+                        <a:rPr lang="en-IN" sz="2000" b="0" i="0" u="none" strike="noStrike">
+                          <a:solidFill>
+                            <a:srgbClr val="000000"/>
+                          </a:solidFill>
+                          <a:effectLst/>
+                          <a:latin typeface="Arvo" panose="02000000000000000000" pitchFamily="2" charset="0"/>
+                        </a:rPr>
+                        <a:t> Arduino Uno R3</a:t>
+                      </a:r>
+                    </a:p>
+                  </a:txBody>
+                  <a:tcPr marL="7786" marR="7786" marT="7786" marB="0" anchor="b">
+                    <a:lnL w="12700" cap="flat" cmpd="sng" algn="ctr">
+                      <a:solidFill>
+                        <a:schemeClr val="tx1"/>
+                      </a:solidFill>
+                      <a:prstDash val="solid"/>
+                      <a:round/>
+                      <a:headEnd type="none" w="med" len="med"/>
+                      <a:tailEnd type="none" w="med" len="med"/>
+                    </a:lnL>
+                    <a:lnR w="12700" cap="flat" cmpd="sng" algn="ctr">
+                      <a:solidFill>
+                        <a:schemeClr val="tx1"/>
+                      </a:solidFill>
+                      <a:prstDash val="solid"/>
+                      <a:round/>
+                      <a:headEnd type="none" w="med" len="med"/>
+                      <a:tailEnd type="none" w="med" len="med"/>
+                    </a:lnR>
+                    <a:lnT w="12700" cap="flat" cmpd="sng" algn="ctr">
+                      <a:solidFill>
+                        <a:schemeClr val="tx1"/>
+                      </a:solidFill>
+                      <a:prstDash val="solid"/>
+                      <a:round/>
+                      <a:headEnd type="none" w="med" len="med"/>
+                      <a:tailEnd type="none" w="med" len="med"/>
+                    </a:lnT>
+                    <a:lnB w="12700" cap="flat" cmpd="sng" algn="ctr">
+                      <a:solidFill>
+                        <a:schemeClr val="tx1"/>
+                      </a:solidFill>
+                      <a:prstDash val="solid"/>
+                      <a:round/>
+                      <a:headEnd type="none" w="med" len="med"/>
+                      <a:tailEnd type="none" w="med" len="med"/>
+                    </a:lnB>
+                    <a:lnTlToBr w="12700" cmpd="sng">
+                      <a:noFill/>
+                      <a:prstDash val="solid"/>
+                    </a:lnTlToBr>
+                    <a:lnBlToTr w="12700" cmpd="sng">
+                      <a:noFill/>
+                      <a:prstDash val="solid"/>
+                    </a:lnBlToTr>
+                  </a:tcPr>
+                </a:tc>
+                <a:extLst>
+                  <a:ext uri="{0D108BD9-81ED-4DB2-BD59-A6C34878D82A}">
+                    <a16:rowId xmlns:a16="http://schemas.microsoft.com/office/drawing/2014/main" val="2164740449"/>
+                  </a:ext>
+                </a:extLst>
+              </a:tr>
+              <a:tr h="359807">
+                <a:tc>
+                  <a:txBody>
+                    <a:bodyPr/>
+                    <a:lstStyle/>
+                    <a:p>
+                      <a:pPr algn="ctr" fontAlgn="b"/>
+                      <a:r>
+                        <a:rPr lang="en-IN" sz="2000" b="0" i="0" u="none" strike="noStrike">
+                          <a:solidFill>
+                            <a:srgbClr val="000000"/>
+                          </a:solidFill>
+                          <a:effectLst/>
+                          <a:latin typeface="Arvo" panose="02000000000000000000" pitchFamily="2" charset="0"/>
+                        </a:rPr>
+                        <a:t>U6</a:t>
+                      </a:r>
+                    </a:p>
+                  </a:txBody>
+                  <a:tcPr marL="7786" marR="7786" marT="7786" marB="0" anchor="b">
+                    <a:lnL w="12700" cap="flat" cmpd="sng" algn="ctr">
+                      <a:solidFill>
+                        <a:schemeClr val="tx1"/>
+                      </a:solidFill>
+                      <a:prstDash val="solid"/>
+                      <a:round/>
+                      <a:headEnd type="none" w="med" len="med"/>
+                      <a:tailEnd type="none" w="med" len="med"/>
+                    </a:lnL>
+                    <a:lnR w="12700" cap="flat" cmpd="sng" algn="ctr">
+                      <a:solidFill>
+                        <a:schemeClr val="tx1"/>
+                      </a:solidFill>
+                      <a:prstDash val="solid"/>
+                      <a:round/>
+                      <a:headEnd type="none" w="med" len="med"/>
+                      <a:tailEnd type="none" w="med" len="med"/>
+                    </a:lnR>
+                    <a:lnT w="12700" cap="flat" cmpd="sng" algn="ctr">
+                      <a:solidFill>
+                        <a:schemeClr val="tx1"/>
+                      </a:solidFill>
+                      <a:prstDash val="solid"/>
+                      <a:round/>
+                      <a:headEnd type="none" w="med" len="med"/>
+                      <a:tailEnd type="none" w="med" len="med"/>
+                    </a:lnT>
+                    <a:lnB w="12700" cap="flat" cmpd="sng" algn="ctr">
+                      <a:solidFill>
+                        <a:schemeClr val="tx1"/>
+                      </a:solidFill>
+                      <a:prstDash val="solid"/>
+                      <a:round/>
+                      <a:headEnd type="none" w="med" len="med"/>
+                      <a:tailEnd type="none" w="med" len="med"/>
+                    </a:lnB>
+                    <a:lnTlToBr w="12700" cmpd="sng">
+                      <a:noFill/>
+                      <a:prstDash val="solid"/>
+                    </a:lnTlToBr>
+                    <a:lnBlToTr w="12700" cmpd="sng">
+                      <a:noFill/>
+                      <a:prstDash val="solid"/>
+                    </a:lnBlToTr>
+                  </a:tcPr>
+                </a:tc>
+                <a:tc>
+                  <a:txBody>
+                    <a:bodyPr/>
+                    <a:lstStyle/>
+                    <a:p>
+                      <a:pPr algn="ctr" fontAlgn="b"/>
+                      <a:r>
+                        <a:rPr lang="en-IN" sz="2000" b="0" i="0" u="none" strike="noStrike">
+                          <a:solidFill>
+                            <a:srgbClr val="000000"/>
+                          </a:solidFill>
+                          <a:effectLst/>
+                          <a:latin typeface="Arvo" panose="02000000000000000000" pitchFamily="2" charset="0"/>
+                        </a:rPr>
+                        <a:t>1</a:t>
+                      </a:r>
+                    </a:p>
+                  </a:txBody>
+                  <a:tcPr marL="7786" marR="7786" marT="7786" marB="0" anchor="b">
+                    <a:lnL w="12700" cap="flat" cmpd="sng" algn="ctr">
+                      <a:solidFill>
+                        <a:schemeClr val="tx1"/>
+                      </a:solidFill>
+                      <a:prstDash val="solid"/>
+                      <a:round/>
+                      <a:headEnd type="none" w="med" len="med"/>
+                      <a:tailEnd type="none" w="med" len="med"/>
+                    </a:lnL>
+                    <a:lnR w="12700" cap="flat" cmpd="sng" algn="ctr">
+                      <a:solidFill>
+                        <a:schemeClr val="tx1"/>
+                      </a:solidFill>
+                      <a:prstDash val="solid"/>
+                      <a:round/>
+                      <a:headEnd type="none" w="med" len="med"/>
+                      <a:tailEnd type="none" w="med" len="med"/>
+                    </a:lnR>
+                    <a:lnT w="12700" cap="flat" cmpd="sng" algn="ctr">
+                      <a:solidFill>
+                        <a:schemeClr val="tx1"/>
+                      </a:solidFill>
+                      <a:prstDash val="solid"/>
+                      <a:round/>
+                      <a:headEnd type="none" w="med" len="med"/>
+                      <a:tailEnd type="none" w="med" len="med"/>
+                    </a:lnT>
+                    <a:lnB w="12700" cap="flat" cmpd="sng" algn="ctr">
+                      <a:solidFill>
+                        <a:schemeClr val="tx1"/>
+                      </a:solidFill>
+                      <a:prstDash val="solid"/>
+                      <a:round/>
+                      <a:headEnd type="none" w="med" len="med"/>
+                      <a:tailEnd type="none" w="med" len="med"/>
+                    </a:lnB>
+                    <a:lnTlToBr w="12700" cmpd="sng">
+                      <a:noFill/>
+                      <a:prstDash val="solid"/>
+                    </a:lnTlToBr>
+                    <a:lnBlToTr w="12700" cmpd="sng">
+                      <a:noFill/>
+                      <a:prstDash val="solid"/>
+                    </a:lnBlToTr>
+                  </a:tcPr>
+                </a:tc>
+                <a:tc>
+                  <a:txBody>
+                    <a:bodyPr/>
+                    <a:lstStyle/>
+                    <a:p>
+                      <a:pPr algn="ctr" fontAlgn="b"/>
+                      <a:r>
+                        <a:rPr lang="en-IN" sz="2000" b="0" i="0" u="none" strike="noStrike">
+                          <a:solidFill>
+                            <a:srgbClr val="000000"/>
+                          </a:solidFill>
+                          <a:effectLst/>
+                          <a:latin typeface="Arvo" panose="02000000000000000000" pitchFamily="2" charset="0"/>
+                        </a:rPr>
+                        <a:t> LCD 16 x 2 </a:t>
+                      </a:r>
+                    </a:p>
+                  </a:txBody>
+                  <a:tcPr marL="7786" marR="7786" marT="7786" marB="0" anchor="b">
+                    <a:lnL w="12700" cap="flat" cmpd="sng" algn="ctr">
+                      <a:solidFill>
+                        <a:schemeClr val="tx1"/>
+                      </a:solidFill>
+                      <a:prstDash val="solid"/>
+                      <a:round/>
+                      <a:headEnd type="none" w="med" len="med"/>
+                      <a:tailEnd type="none" w="med" len="med"/>
+                    </a:lnL>
+                    <a:lnR w="12700" cap="flat" cmpd="sng" algn="ctr">
+                      <a:solidFill>
+                        <a:schemeClr val="tx1"/>
+                      </a:solidFill>
+                      <a:prstDash val="solid"/>
+                      <a:round/>
+                      <a:headEnd type="none" w="med" len="med"/>
+                      <a:tailEnd type="none" w="med" len="med"/>
+                    </a:lnR>
+                    <a:lnT w="12700" cap="flat" cmpd="sng" algn="ctr">
+                      <a:solidFill>
+                        <a:schemeClr val="tx1"/>
+                      </a:solidFill>
+                      <a:prstDash val="solid"/>
+                      <a:round/>
+                      <a:headEnd type="none" w="med" len="med"/>
+                      <a:tailEnd type="none" w="med" len="med"/>
+                    </a:lnT>
+                    <a:lnB w="12700" cap="flat" cmpd="sng" algn="ctr">
+                      <a:solidFill>
+                        <a:schemeClr val="tx1"/>
+                      </a:solidFill>
+                      <a:prstDash val="solid"/>
+                      <a:round/>
+                      <a:headEnd type="none" w="med" len="med"/>
+                      <a:tailEnd type="none" w="med" len="med"/>
+                    </a:lnB>
+                    <a:lnTlToBr w="12700" cmpd="sng">
+                      <a:noFill/>
+                      <a:prstDash val="solid"/>
+                    </a:lnTlToBr>
+                    <a:lnBlToTr w="12700" cmpd="sng">
+                      <a:noFill/>
+                      <a:prstDash val="solid"/>
+                    </a:lnBlToTr>
+                  </a:tcPr>
+                </a:tc>
+                <a:extLst>
+                  <a:ext uri="{0D108BD9-81ED-4DB2-BD59-A6C34878D82A}">
+                    <a16:rowId xmlns:a16="http://schemas.microsoft.com/office/drawing/2014/main" val="3391863090"/>
+                  </a:ext>
+                </a:extLst>
+              </a:tr>
+              <a:tr h="359807">
+                <a:tc>
+                  <a:txBody>
+                    <a:bodyPr/>
+                    <a:lstStyle/>
+                    <a:p>
+                      <a:pPr algn="ctr" fontAlgn="b"/>
+                      <a:r>
+                        <a:rPr lang="en-IN" sz="2000" b="0" i="0" u="none" strike="noStrike">
+                          <a:solidFill>
+                            <a:srgbClr val="000000"/>
+                          </a:solidFill>
+                          <a:effectLst/>
+                          <a:latin typeface="Arvo" panose="02000000000000000000" pitchFamily="2" charset="0"/>
+                        </a:rPr>
+                        <a:t>PIEZO2</a:t>
+                      </a:r>
+                    </a:p>
+                  </a:txBody>
+                  <a:tcPr marL="7786" marR="7786" marT="7786" marB="0" anchor="b">
+                    <a:lnL w="12700" cap="flat" cmpd="sng" algn="ctr">
+                      <a:solidFill>
+                        <a:schemeClr val="tx1"/>
+                      </a:solidFill>
+                      <a:prstDash val="solid"/>
+                      <a:round/>
+                      <a:headEnd type="none" w="med" len="med"/>
+                      <a:tailEnd type="none" w="med" len="med"/>
+                    </a:lnL>
+                    <a:lnR w="12700" cap="flat" cmpd="sng" algn="ctr">
+                      <a:solidFill>
+                        <a:schemeClr val="tx1"/>
+                      </a:solidFill>
+                      <a:prstDash val="solid"/>
+                      <a:round/>
+                      <a:headEnd type="none" w="med" len="med"/>
+                      <a:tailEnd type="none" w="med" len="med"/>
+                    </a:lnR>
+                    <a:lnT w="12700" cap="flat" cmpd="sng" algn="ctr">
+                      <a:solidFill>
+                        <a:schemeClr val="tx1"/>
+                      </a:solidFill>
+                      <a:prstDash val="solid"/>
+                      <a:round/>
+                      <a:headEnd type="none" w="med" len="med"/>
+                      <a:tailEnd type="none" w="med" len="med"/>
+                    </a:lnT>
+                    <a:lnB w="12700" cap="flat" cmpd="sng" algn="ctr">
+                      <a:solidFill>
+                        <a:schemeClr val="tx1"/>
+                      </a:solidFill>
+                      <a:prstDash val="solid"/>
+                      <a:round/>
+                      <a:headEnd type="none" w="med" len="med"/>
+                      <a:tailEnd type="none" w="med" len="med"/>
+                    </a:lnB>
+                    <a:lnTlToBr w="12700" cmpd="sng">
+                      <a:noFill/>
+                      <a:prstDash val="solid"/>
+                    </a:lnTlToBr>
+                    <a:lnBlToTr w="12700" cmpd="sng">
+                      <a:noFill/>
+                      <a:prstDash val="solid"/>
+                    </a:lnBlToTr>
+                  </a:tcPr>
+                </a:tc>
+                <a:tc>
+                  <a:txBody>
+                    <a:bodyPr/>
+                    <a:lstStyle/>
+                    <a:p>
+                      <a:pPr algn="ctr" fontAlgn="b"/>
+                      <a:r>
+                        <a:rPr lang="en-IN" sz="2000" b="0" i="0" u="none" strike="noStrike">
+                          <a:solidFill>
+                            <a:srgbClr val="000000"/>
+                          </a:solidFill>
+                          <a:effectLst/>
+                          <a:latin typeface="Arvo" panose="02000000000000000000" pitchFamily="2" charset="0"/>
+                        </a:rPr>
+                        <a:t>1</a:t>
+                      </a:r>
+                    </a:p>
+                  </a:txBody>
+                  <a:tcPr marL="7786" marR="7786" marT="7786" marB="0" anchor="b">
+                    <a:lnL w="12700" cap="flat" cmpd="sng" algn="ctr">
+                      <a:solidFill>
+                        <a:schemeClr val="tx1"/>
+                      </a:solidFill>
+                      <a:prstDash val="solid"/>
+                      <a:round/>
+                      <a:headEnd type="none" w="med" len="med"/>
+                      <a:tailEnd type="none" w="med" len="med"/>
+                    </a:lnL>
+                    <a:lnR w="12700" cap="flat" cmpd="sng" algn="ctr">
+                      <a:solidFill>
+                        <a:schemeClr val="tx1"/>
+                      </a:solidFill>
+                      <a:prstDash val="solid"/>
+                      <a:round/>
+                      <a:headEnd type="none" w="med" len="med"/>
+                      <a:tailEnd type="none" w="med" len="med"/>
+                    </a:lnR>
+                    <a:lnT w="12700" cap="flat" cmpd="sng" algn="ctr">
+                      <a:solidFill>
+                        <a:schemeClr val="tx1"/>
+                      </a:solidFill>
+                      <a:prstDash val="solid"/>
+                      <a:round/>
+                      <a:headEnd type="none" w="med" len="med"/>
+                      <a:tailEnd type="none" w="med" len="med"/>
+                    </a:lnT>
+                    <a:lnB w="12700" cap="flat" cmpd="sng" algn="ctr">
+                      <a:solidFill>
+                        <a:schemeClr val="tx1"/>
+                      </a:solidFill>
+                      <a:prstDash val="solid"/>
+                      <a:round/>
+                      <a:headEnd type="none" w="med" len="med"/>
+                      <a:tailEnd type="none" w="med" len="med"/>
+                    </a:lnB>
+                    <a:lnTlToBr w="12700" cmpd="sng">
+                      <a:noFill/>
+                      <a:prstDash val="solid"/>
+                    </a:lnTlToBr>
+                    <a:lnBlToTr w="12700" cmpd="sng">
+                      <a:noFill/>
+                      <a:prstDash val="solid"/>
+                    </a:lnBlToTr>
+                  </a:tcPr>
+                </a:tc>
+                <a:tc>
+                  <a:txBody>
+                    <a:bodyPr/>
+                    <a:lstStyle/>
+                    <a:p>
+                      <a:pPr algn="ctr" fontAlgn="b"/>
+                      <a:r>
+                        <a:rPr lang="en-IN" sz="2000" b="0" i="0" u="none" strike="noStrike">
+                          <a:solidFill>
+                            <a:srgbClr val="000000"/>
+                          </a:solidFill>
+                          <a:effectLst/>
+                          <a:latin typeface="Arvo" panose="02000000000000000000" pitchFamily="2" charset="0"/>
+                        </a:rPr>
+                        <a:t> Piezo</a:t>
+                      </a:r>
+                    </a:p>
+                  </a:txBody>
+                  <a:tcPr marL="7786" marR="7786" marT="7786" marB="0" anchor="b">
+                    <a:lnL w="12700" cap="flat" cmpd="sng" algn="ctr">
+                      <a:solidFill>
+                        <a:schemeClr val="tx1"/>
+                      </a:solidFill>
+                      <a:prstDash val="solid"/>
+                      <a:round/>
+                      <a:headEnd type="none" w="med" len="med"/>
+                      <a:tailEnd type="none" w="med" len="med"/>
+                    </a:lnL>
+                    <a:lnR w="12700" cap="flat" cmpd="sng" algn="ctr">
+                      <a:solidFill>
+                        <a:schemeClr val="tx1"/>
+                      </a:solidFill>
+                      <a:prstDash val="solid"/>
+                      <a:round/>
+                      <a:headEnd type="none" w="med" len="med"/>
+                      <a:tailEnd type="none" w="med" len="med"/>
+                    </a:lnR>
+                    <a:lnT w="12700" cap="flat" cmpd="sng" algn="ctr">
+                      <a:solidFill>
+                        <a:schemeClr val="tx1"/>
+                      </a:solidFill>
+                      <a:prstDash val="solid"/>
+                      <a:round/>
+                      <a:headEnd type="none" w="med" len="med"/>
+                      <a:tailEnd type="none" w="med" len="med"/>
+                    </a:lnT>
+                    <a:lnB w="12700" cap="flat" cmpd="sng" algn="ctr">
+                      <a:solidFill>
+                        <a:schemeClr val="tx1"/>
+                      </a:solidFill>
+                      <a:prstDash val="solid"/>
+                      <a:round/>
+                      <a:headEnd type="none" w="med" len="med"/>
+                      <a:tailEnd type="none" w="med" len="med"/>
+                    </a:lnB>
+                    <a:lnTlToBr w="12700" cmpd="sng">
+                      <a:noFill/>
+                      <a:prstDash val="solid"/>
+                    </a:lnTlToBr>
+                    <a:lnBlToTr w="12700" cmpd="sng">
+                      <a:noFill/>
+                      <a:prstDash val="solid"/>
+                    </a:lnBlToTr>
+                  </a:tcPr>
+                </a:tc>
+                <a:extLst>
+                  <a:ext uri="{0D108BD9-81ED-4DB2-BD59-A6C34878D82A}">
+                    <a16:rowId xmlns:a16="http://schemas.microsoft.com/office/drawing/2014/main" val="256009908"/>
+                  </a:ext>
+                </a:extLst>
+              </a:tr>
+              <a:tr h="359807">
+                <a:tc>
+                  <a:txBody>
+                    <a:bodyPr/>
+                    <a:lstStyle/>
+                    <a:p>
+                      <a:pPr algn="ctr" fontAlgn="b"/>
+                      <a:r>
+                        <a:rPr lang="en-IN" sz="2000" b="0" i="0" u="none" strike="noStrike">
+                          <a:solidFill>
+                            <a:srgbClr val="000000"/>
+                          </a:solidFill>
+                          <a:effectLst/>
+                          <a:latin typeface="Arvo" panose="02000000000000000000" pitchFamily="2" charset="0"/>
+                        </a:rPr>
+                        <a:t>D2</a:t>
+                      </a:r>
+                    </a:p>
+                  </a:txBody>
+                  <a:tcPr marL="7786" marR="7786" marT="7786" marB="0" anchor="b">
+                    <a:lnL w="12700" cap="flat" cmpd="sng" algn="ctr">
+                      <a:solidFill>
+                        <a:schemeClr val="tx1"/>
+                      </a:solidFill>
+                      <a:prstDash val="solid"/>
+                      <a:round/>
+                      <a:headEnd type="none" w="med" len="med"/>
+                      <a:tailEnd type="none" w="med" len="med"/>
+                    </a:lnL>
+                    <a:lnR w="12700" cap="flat" cmpd="sng" algn="ctr">
+                      <a:solidFill>
+                        <a:schemeClr val="tx1"/>
+                      </a:solidFill>
+                      <a:prstDash val="solid"/>
+                      <a:round/>
+                      <a:headEnd type="none" w="med" len="med"/>
+                      <a:tailEnd type="none" w="med" len="med"/>
+                    </a:lnR>
+                    <a:lnT w="12700" cap="flat" cmpd="sng" algn="ctr">
+                      <a:solidFill>
+                        <a:schemeClr val="tx1"/>
+                      </a:solidFill>
+                      <a:prstDash val="solid"/>
+                      <a:round/>
+                      <a:headEnd type="none" w="med" len="med"/>
+                      <a:tailEnd type="none" w="med" len="med"/>
+                    </a:lnT>
+                    <a:lnB w="12700" cap="flat" cmpd="sng" algn="ctr">
+                      <a:solidFill>
+                        <a:schemeClr val="tx1"/>
+                      </a:solidFill>
+                      <a:prstDash val="solid"/>
+                      <a:round/>
+                      <a:headEnd type="none" w="med" len="med"/>
+                      <a:tailEnd type="none" w="med" len="med"/>
+                    </a:lnB>
+                    <a:lnTlToBr w="12700" cmpd="sng">
+                      <a:noFill/>
+                      <a:prstDash val="solid"/>
+                    </a:lnTlToBr>
+                    <a:lnBlToTr w="12700" cmpd="sng">
+                      <a:noFill/>
+                      <a:prstDash val="solid"/>
+                    </a:lnBlToTr>
+                  </a:tcPr>
+                </a:tc>
+                <a:tc>
+                  <a:txBody>
+                    <a:bodyPr/>
+                    <a:lstStyle/>
+                    <a:p>
+                      <a:pPr algn="ctr" fontAlgn="b"/>
+                      <a:r>
+                        <a:rPr lang="en-IN" sz="2000" b="0" i="0" u="none" strike="noStrike">
+                          <a:solidFill>
+                            <a:srgbClr val="000000"/>
+                          </a:solidFill>
+                          <a:effectLst/>
+                          <a:latin typeface="Arvo" panose="02000000000000000000" pitchFamily="2" charset="0"/>
+                        </a:rPr>
+                        <a:t>1</a:t>
+                      </a:r>
+                    </a:p>
+                  </a:txBody>
+                  <a:tcPr marL="7786" marR="7786" marT="7786" marB="0" anchor="b">
+                    <a:lnL w="12700" cap="flat" cmpd="sng" algn="ctr">
+                      <a:solidFill>
+                        <a:schemeClr val="tx1"/>
+                      </a:solidFill>
+                      <a:prstDash val="solid"/>
+                      <a:round/>
+                      <a:headEnd type="none" w="med" len="med"/>
+                      <a:tailEnd type="none" w="med" len="med"/>
+                    </a:lnL>
+                    <a:lnR w="12700" cap="flat" cmpd="sng" algn="ctr">
+                      <a:solidFill>
+                        <a:schemeClr val="tx1"/>
+                      </a:solidFill>
+                      <a:prstDash val="solid"/>
+                      <a:round/>
+                      <a:headEnd type="none" w="med" len="med"/>
+                      <a:tailEnd type="none" w="med" len="med"/>
+                    </a:lnR>
+                    <a:lnT w="12700" cap="flat" cmpd="sng" algn="ctr">
+                      <a:solidFill>
+                        <a:schemeClr val="tx1"/>
+                      </a:solidFill>
+                      <a:prstDash val="solid"/>
+                      <a:round/>
+                      <a:headEnd type="none" w="med" len="med"/>
+                      <a:tailEnd type="none" w="med" len="med"/>
+                    </a:lnT>
+                    <a:lnB w="12700" cap="flat" cmpd="sng" algn="ctr">
+                      <a:solidFill>
+                        <a:schemeClr val="tx1"/>
+                      </a:solidFill>
+                      <a:prstDash val="solid"/>
+                      <a:round/>
+                      <a:headEnd type="none" w="med" len="med"/>
+                      <a:tailEnd type="none" w="med" len="med"/>
+                    </a:lnB>
+                    <a:lnTlToBr w="12700" cmpd="sng">
+                      <a:noFill/>
+                      <a:prstDash val="solid"/>
+                    </a:lnTlToBr>
+                    <a:lnBlToTr w="12700" cmpd="sng">
+                      <a:noFill/>
+                      <a:prstDash val="solid"/>
+                    </a:lnBlToTr>
+                  </a:tcPr>
+                </a:tc>
+                <a:tc>
+                  <a:txBody>
+                    <a:bodyPr/>
+                    <a:lstStyle/>
+                    <a:p>
+                      <a:pPr algn="ctr" fontAlgn="b"/>
+                      <a:r>
+                        <a:rPr lang="en-IN" sz="2000" b="0" i="0" u="none" strike="noStrike">
+                          <a:solidFill>
+                            <a:srgbClr val="000000"/>
+                          </a:solidFill>
+                          <a:effectLst/>
+                          <a:latin typeface="Arvo" panose="02000000000000000000" pitchFamily="2" charset="0"/>
+                        </a:rPr>
+                        <a:t>Green LED</a:t>
+                      </a:r>
+                    </a:p>
+                  </a:txBody>
+                  <a:tcPr marL="7786" marR="7786" marT="7786" marB="0" anchor="b">
+                    <a:lnL w="12700" cap="flat" cmpd="sng" algn="ctr">
+                      <a:solidFill>
+                        <a:schemeClr val="tx1"/>
+                      </a:solidFill>
+                      <a:prstDash val="solid"/>
+                      <a:round/>
+                      <a:headEnd type="none" w="med" len="med"/>
+                      <a:tailEnd type="none" w="med" len="med"/>
+                    </a:lnL>
+                    <a:lnR w="12700" cap="flat" cmpd="sng" algn="ctr">
+                      <a:solidFill>
+                        <a:schemeClr val="tx1"/>
+                      </a:solidFill>
+                      <a:prstDash val="solid"/>
+                      <a:round/>
+                      <a:headEnd type="none" w="med" len="med"/>
+                      <a:tailEnd type="none" w="med" len="med"/>
+                    </a:lnR>
+                    <a:lnT w="12700" cap="flat" cmpd="sng" algn="ctr">
+                      <a:solidFill>
+                        <a:schemeClr val="tx1"/>
+                      </a:solidFill>
+                      <a:prstDash val="solid"/>
+                      <a:round/>
+                      <a:headEnd type="none" w="med" len="med"/>
+                      <a:tailEnd type="none" w="med" len="med"/>
+                    </a:lnT>
+                    <a:lnB w="12700" cap="flat" cmpd="sng" algn="ctr">
+                      <a:solidFill>
+                        <a:schemeClr val="tx1"/>
+                      </a:solidFill>
+                      <a:prstDash val="solid"/>
+                      <a:round/>
+                      <a:headEnd type="none" w="med" len="med"/>
+                      <a:tailEnd type="none" w="med" len="med"/>
+                    </a:lnB>
+                    <a:lnTlToBr w="12700" cmpd="sng">
+                      <a:noFill/>
+                      <a:prstDash val="solid"/>
+                    </a:lnTlToBr>
+                    <a:lnBlToTr w="12700" cmpd="sng">
+                      <a:noFill/>
+                      <a:prstDash val="solid"/>
+                    </a:lnBlToTr>
+                  </a:tcPr>
+                </a:tc>
+                <a:extLst>
+                  <a:ext uri="{0D108BD9-81ED-4DB2-BD59-A6C34878D82A}">
+                    <a16:rowId xmlns:a16="http://schemas.microsoft.com/office/drawing/2014/main" val="2075921512"/>
+                  </a:ext>
+                </a:extLst>
+              </a:tr>
+              <a:tr h="359807">
+                <a:tc>
+                  <a:txBody>
+                    <a:bodyPr/>
+                    <a:lstStyle/>
+                    <a:p>
+                      <a:pPr algn="ctr" fontAlgn="b"/>
+                      <a:r>
+                        <a:rPr lang="en-IN" sz="2000" b="0" i="0" u="none" strike="noStrike">
+                          <a:solidFill>
+                            <a:srgbClr val="000000"/>
+                          </a:solidFill>
+                          <a:effectLst/>
+                          <a:latin typeface="Arvo" panose="02000000000000000000" pitchFamily="2" charset="0"/>
+                        </a:rPr>
+                        <a:t>S2, S3, S4</a:t>
+                      </a:r>
+                    </a:p>
+                  </a:txBody>
+                  <a:tcPr marL="7786" marR="7786" marT="7786" marB="0" anchor="b">
+                    <a:lnL w="12700" cap="flat" cmpd="sng" algn="ctr">
+                      <a:solidFill>
+                        <a:schemeClr val="tx1"/>
+                      </a:solidFill>
+                      <a:prstDash val="solid"/>
+                      <a:round/>
+                      <a:headEnd type="none" w="med" len="med"/>
+                      <a:tailEnd type="none" w="med" len="med"/>
+                    </a:lnL>
+                    <a:lnR w="12700" cap="flat" cmpd="sng" algn="ctr">
+                      <a:solidFill>
+                        <a:schemeClr val="tx1"/>
+                      </a:solidFill>
+                      <a:prstDash val="solid"/>
+                      <a:round/>
+                      <a:headEnd type="none" w="med" len="med"/>
+                      <a:tailEnd type="none" w="med" len="med"/>
+                    </a:lnR>
+                    <a:lnT w="12700" cap="flat" cmpd="sng" algn="ctr">
+                      <a:solidFill>
+                        <a:schemeClr val="tx1"/>
+                      </a:solidFill>
+                      <a:prstDash val="solid"/>
+                      <a:round/>
+                      <a:headEnd type="none" w="med" len="med"/>
+                      <a:tailEnd type="none" w="med" len="med"/>
+                    </a:lnT>
+                    <a:lnB w="12700" cap="flat" cmpd="sng" algn="ctr">
+                      <a:solidFill>
+                        <a:schemeClr val="tx1"/>
+                      </a:solidFill>
+                      <a:prstDash val="solid"/>
+                      <a:round/>
+                      <a:headEnd type="none" w="med" len="med"/>
+                      <a:tailEnd type="none" w="med" len="med"/>
+                    </a:lnB>
+                    <a:lnTlToBr w="12700" cmpd="sng">
+                      <a:noFill/>
+                      <a:prstDash val="solid"/>
+                    </a:lnTlToBr>
+                    <a:lnBlToTr w="12700" cmpd="sng">
+                      <a:noFill/>
+                      <a:prstDash val="solid"/>
+                    </a:lnBlToTr>
+                  </a:tcPr>
+                </a:tc>
+                <a:tc>
+                  <a:txBody>
+                    <a:bodyPr/>
+                    <a:lstStyle/>
+                    <a:p>
+                      <a:pPr algn="ctr" fontAlgn="b"/>
+                      <a:r>
+                        <a:rPr lang="en-IN" sz="2000" b="0" i="0" u="none" strike="noStrike">
+                          <a:solidFill>
+                            <a:srgbClr val="000000"/>
+                          </a:solidFill>
+                          <a:effectLst/>
+                          <a:latin typeface="Arvo" panose="02000000000000000000" pitchFamily="2" charset="0"/>
+                        </a:rPr>
+                        <a:t>3</a:t>
+                      </a:r>
+                    </a:p>
+                  </a:txBody>
+                  <a:tcPr marL="7786" marR="7786" marT="7786" marB="0" anchor="b">
+                    <a:lnL w="12700" cap="flat" cmpd="sng" algn="ctr">
+                      <a:solidFill>
+                        <a:schemeClr val="tx1"/>
+                      </a:solidFill>
+                      <a:prstDash val="solid"/>
+                      <a:round/>
+                      <a:headEnd type="none" w="med" len="med"/>
+                      <a:tailEnd type="none" w="med" len="med"/>
+                    </a:lnL>
+                    <a:lnR w="12700" cap="flat" cmpd="sng" algn="ctr">
+                      <a:solidFill>
+                        <a:schemeClr val="tx1"/>
+                      </a:solidFill>
+                      <a:prstDash val="solid"/>
+                      <a:round/>
+                      <a:headEnd type="none" w="med" len="med"/>
+                      <a:tailEnd type="none" w="med" len="med"/>
+                    </a:lnR>
+                    <a:lnT w="12700" cap="flat" cmpd="sng" algn="ctr">
+                      <a:solidFill>
+                        <a:schemeClr val="tx1"/>
+                      </a:solidFill>
+                      <a:prstDash val="solid"/>
+                      <a:round/>
+                      <a:headEnd type="none" w="med" len="med"/>
+                      <a:tailEnd type="none" w="med" len="med"/>
+                    </a:lnT>
+                    <a:lnB w="12700" cap="flat" cmpd="sng" algn="ctr">
+                      <a:solidFill>
+                        <a:schemeClr val="tx1"/>
+                      </a:solidFill>
+                      <a:prstDash val="solid"/>
+                      <a:round/>
+                      <a:headEnd type="none" w="med" len="med"/>
+                      <a:tailEnd type="none" w="med" len="med"/>
+                    </a:lnB>
+                    <a:lnTlToBr w="12700" cmpd="sng">
+                      <a:noFill/>
+                      <a:prstDash val="solid"/>
+                    </a:lnTlToBr>
+                    <a:lnBlToTr w="12700" cmpd="sng">
+                      <a:noFill/>
+                      <a:prstDash val="solid"/>
+                    </a:lnBlToTr>
+                  </a:tcPr>
+                </a:tc>
+                <a:tc>
+                  <a:txBody>
+                    <a:bodyPr/>
+                    <a:lstStyle/>
+                    <a:p>
+                      <a:pPr algn="ctr" fontAlgn="b"/>
+                      <a:r>
+                        <a:rPr lang="en-IN" sz="2000" b="0" i="0" u="none" strike="noStrike">
+                          <a:solidFill>
+                            <a:srgbClr val="000000"/>
+                          </a:solidFill>
+                          <a:effectLst/>
+                          <a:latin typeface="Arvo" panose="02000000000000000000" pitchFamily="2" charset="0"/>
+                        </a:rPr>
+                        <a:t> Pushbutton</a:t>
+                      </a:r>
+                    </a:p>
+                  </a:txBody>
+                  <a:tcPr marL="7786" marR="7786" marT="7786" marB="0" anchor="b">
+                    <a:lnL w="12700" cap="flat" cmpd="sng" algn="ctr">
+                      <a:solidFill>
+                        <a:schemeClr val="tx1"/>
+                      </a:solidFill>
+                      <a:prstDash val="solid"/>
+                      <a:round/>
+                      <a:headEnd type="none" w="med" len="med"/>
+                      <a:tailEnd type="none" w="med" len="med"/>
+                    </a:lnL>
+                    <a:lnR w="12700" cap="flat" cmpd="sng" algn="ctr">
+                      <a:solidFill>
+                        <a:schemeClr val="tx1"/>
+                      </a:solidFill>
+                      <a:prstDash val="solid"/>
+                      <a:round/>
+                      <a:headEnd type="none" w="med" len="med"/>
+                      <a:tailEnd type="none" w="med" len="med"/>
+                    </a:lnR>
+                    <a:lnT w="12700" cap="flat" cmpd="sng" algn="ctr">
+                      <a:solidFill>
+                        <a:schemeClr val="tx1"/>
+                      </a:solidFill>
+                      <a:prstDash val="solid"/>
+                      <a:round/>
+                      <a:headEnd type="none" w="med" len="med"/>
+                      <a:tailEnd type="none" w="med" len="med"/>
+                    </a:lnT>
+                    <a:lnB w="12700" cap="flat" cmpd="sng" algn="ctr">
+                      <a:solidFill>
+                        <a:schemeClr val="tx1"/>
+                      </a:solidFill>
+                      <a:prstDash val="solid"/>
+                      <a:round/>
+                      <a:headEnd type="none" w="med" len="med"/>
+                      <a:tailEnd type="none" w="med" len="med"/>
+                    </a:lnB>
+                    <a:lnTlToBr w="12700" cmpd="sng">
+                      <a:noFill/>
+                      <a:prstDash val="solid"/>
+                    </a:lnTlToBr>
+                    <a:lnBlToTr w="12700" cmpd="sng">
+                      <a:noFill/>
+                      <a:prstDash val="solid"/>
+                    </a:lnBlToTr>
+                  </a:tcPr>
+                </a:tc>
+                <a:extLst>
+                  <a:ext uri="{0D108BD9-81ED-4DB2-BD59-A6C34878D82A}">
+                    <a16:rowId xmlns:a16="http://schemas.microsoft.com/office/drawing/2014/main" val="747812360"/>
+                  </a:ext>
+                </a:extLst>
+              </a:tr>
+              <a:tr h="359807">
+                <a:tc>
+                  <a:txBody>
+                    <a:bodyPr/>
+                    <a:lstStyle/>
+                    <a:p>
+                      <a:pPr algn="ctr" fontAlgn="b"/>
+                      <a:r>
+                        <a:rPr lang="en-IN" sz="2000" b="0" i="0" u="none" strike="noStrike">
+                          <a:solidFill>
+                            <a:srgbClr val="000000"/>
+                          </a:solidFill>
+                          <a:effectLst/>
+                          <a:latin typeface="Arvo" panose="02000000000000000000" pitchFamily="2" charset="0"/>
+                        </a:rPr>
+                        <a:t>Rpot3</a:t>
+                      </a:r>
+                    </a:p>
+                  </a:txBody>
+                  <a:tcPr marL="7786" marR="7786" marT="7786" marB="0" anchor="b">
+                    <a:lnL w="12700" cap="flat" cmpd="sng" algn="ctr">
+                      <a:solidFill>
+                        <a:schemeClr val="tx1"/>
+                      </a:solidFill>
+                      <a:prstDash val="solid"/>
+                      <a:round/>
+                      <a:headEnd type="none" w="med" len="med"/>
+                      <a:tailEnd type="none" w="med" len="med"/>
+                    </a:lnL>
+                    <a:lnR w="12700" cap="flat" cmpd="sng" algn="ctr">
+                      <a:solidFill>
+                        <a:schemeClr val="tx1"/>
+                      </a:solidFill>
+                      <a:prstDash val="solid"/>
+                      <a:round/>
+                      <a:headEnd type="none" w="med" len="med"/>
+                      <a:tailEnd type="none" w="med" len="med"/>
+                    </a:lnR>
+                    <a:lnT w="12700" cap="flat" cmpd="sng" algn="ctr">
+                      <a:solidFill>
+                        <a:schemeClr val="tx1"/>
+                      </a:solidFill>
+                      <a:prstDash val="solid"/>
+                      <a:round/>
+                      <a:headEnd type="none" w="med" len="med"/>
+                      <a:tailEnd type="none" w="med" len="med"/>
+                    </a:lnT>
+                    <a:lnB w="12700" cap="flat" cmpd="sng" algn="ctr">
+                      <a:solidFill>
+                        <a:schemeClr val="tx1"/>
+                      </a:solidFill>
+                      <a:prstDash val="solid"/>
+                      <a:round/>
+                      <a:headEnd type="none" w="med" len="med"/>
+                      <a:tailEnd type="none" w="med" len="med"/>
+                    </a:lnB>
+                    <a:lnTlToBr w="12700" cmpd="sng">
+                      <a:noFill/>
+                      <a:prstDash val="solid"/>
+                    </a:lnTlToBr>
+                    <a:lnBlToTr w="12700" cmpd="sng">
+                      <a:noFill/>
+                      <a:prstDash val="solid"/>
+                    </a:lnBlToTr>
+                  </a:tcPr>
+                </a:tc>
+                <a:tc>
+                  <a:txBody>
+                    <a:bodyPr/>
+                    <a:lstStyle/>
+                    <a:p>
+                      <a:pPr algn="ctr" fontAlgn="b"/>
+                      <a:r>
+                        <a:rPr lang="en-IN" sz="2000" b="0" i="0" u="none" strike="noStrike">
+                          <a:solidFill>
+                            <a:srgbClr val="000000"/>
+                          </a:solidFill>
+                          <a:effectLst/>
+                          <a:latin typeface="Arvo" panose="02000000000000000000" pitchFamily="2" charset="0"/>
+                        </a:rPr>
+                        <a:t>1</a:t>
+                      </a:r>
+                    </a:p>
+                  </a:txBody>
+                  <a:tcPr marL="7786" marR="7786" marT="7786" marB="0" anchor="b">
+                    <a:lnL w="12700" cap="flat" cmpd="sng" algn="ctr">
+                      <a:solidFill>
+                        <a:schemeClr val="tx1"/>
+                      </a:solidFill>
+                      <a:prstDash val="solid"/>
+                      <a:round/>
+                      <a:headEnd type="none" w="med" len="med"/>
+                      <a:tailEnd type="none" w="med" len="med"/>
+                    </a:lnL>
+                    <a:lnR w="12700" cap="flat" cmpd="sng" algn="ctr">
+                      <a:solidFill>
+                        <a:schemeClr val="tx1"/>
+                      </a:solidFill>
+                      <a:prstDash val="solid"/>
+                      <a:round/>
+                      <a:headEnd type="none" w="med" len="med"/>
+                      <a:tailEnd type="none" w="med" len="med"/>
+                    </a:lnR>
+                    <a:lnT w="12700" cap="flat" cmpd="sng" algn="ctr">
+                      <a:solidFill>
+                        <a:schemeClr val="tx1"/>
+                      </a:solidFill>
+                      <a:prstDash val="solid"/>
+                      <a:round/>
+                      <a:headEnd type="none" w="med" len="med"/>
+                      <a:tailEnd type="none" w="med" len="med"/>
+                    </a:lnT>
+                    <a:lnB w="12700" cap="flat" cmpd="sng" algn="ctr">
+                      <a:solidFill>
+                        <a:schemeClr val="tx1"/>
+                      </a:solidFill>
+                      <a:prstDash val="solid"/>
+                      <a:round/>
+                      <a:headEnd type="none" w="med" len="med"/>
+                      <a:tailEnd type="none" w="med" len="med"/>
+                    </a:lnB>
+                    <a:lnTlToBr w="12700" cmpd="sng">
+                      <a:noFill/>
+                      <a:prstDash val="solid"/>
+                    </a:lnTlToBr>
+                    <a:lnBlToTr w="12700" cmpd="sng">
+                      <a:noFill/>
+                      <a:prstDash val="solid"/>
+                    </a:lnBlToTr>
+                  </a:tcPr>
+                </a:tc>
+                <a:tc>
+                  <a:txBody>
+                    <a:bodyPr/>
+                    <a:lstStyle/>
+                    <a:p>
+                      <a:pPr algn="ctr" fontAlgn="b"/>
+                      <a:r>
+                        <a:rPr lang="el-GR" sz="2000" b="0" i="0" u="none" strike="noStrike">
+                          <a:solidFill>
+                            <a:srgbClr val="000000"/>
+                          </a:solidFill>
+                          <a:effectLst/>
+                          <a:latin typeface="Arvo" panose="02000000000000000000" pitchFamily="2" charset="0"/>
+                        </a:rPr>
+                        <a:t>5 Ω </a:t>
+                      </a:r>
+                      <a:r>
+                        <a:rPr lang="en-IN" sz="2000" b="0" i="0" u="none" strike="noStrike">
+                          <a:solidFill>
+                            <a:srgbClr val="000000"/>
+                          </a:solidFill>
+                          <a:effectLst/>
+                          <a:latin typeface="Arvo" panose="02000000000000000000" pitchFamily="2" charset="0"/>
+                        </a:rPr>
+                        <a:t>Potentiometer</a:t>
+                      </a:r>
+                    </a:p>
+                  </a:txBody>
+                  <a:tcPr marL="7786" marR="7786" marT="7786" marB="0" anchor="b">
+                    <a:lnL w="12700" cap="flat" cmpd="sng" algn="ctr">
+                      <a:solidFill>
+                        <a:schemeClr val="tx1"/>
+                      </a:solidFill>
+                      <a:prstDash val="solid"/>
+                      <a:round/>
+                      <a:headEnd type="none" w="med" len="med"/>
+                      <a:tailEnd type="none" w="med" len="med"/>
+                    </a:lnL>
+                    <a:lnR w="12700" cap="flat" cmpd="sng" algn="ctr">
+                      <a:solidFill>
+                        <a:schemeClr val="tx1"/>
+                      </a:solidFill>
+                      <a:prstDash val="solid"/>
+                      <a:round/>
+                      <a:headEnd type="none" w="med" len="med"/>
+                      <a:tailEnd type="none" w="med" len="med"/>
+                    </a:lnR>
+                    <a:lnT w="12700" cap="flat" cmpd="sng" algn="ctr">
+                      <a:solidFill>
+                        <a:schemeClr val="tx1"/>
+                      </a:solidFill>
+                      <a:prstDash val="solid"/>
+                      <a:round/>
+                      <a:headEnd type="none" w="med" len="med"/>
+                      <a:tailEnd type="none" w="med" len="med"/>
+                    </a:lnT>
+                    <a:lnB w="12700" cap="flat" cmpd="sng" algn="ctr">
+                      <a:solidFill>
+                        <a:schemeClr val="tx1"/>
+                      </a:solidFill>
+                      <a:prstDash val="solid"/>
+                      <a:round/>
+                      <a:headEnd type="none" w="med" len="med"/>
+                      <a:tailEnd type="none" w="med" len="med"/>
+                    </a:lnB>
+                    <a:lnTlToBr w="12700" cmpd="sng">
+                      <a:noFill/>
+                      <a:prstDash val="solid"/>
+                    </a:lnTlToBr>
+                    <a:lnBlToTr w="12700" cmpd="sng">
+                      <a:noFill/>
+                      <a:prstDash val="solid"/>
+                    </a:lnBlToTr>
+                  </a:tcPr>
+                </a:tc>
+                <a:extLst>
+                  <a:ext uri="{0D108BD9-81ED-4DB2-BD59-A6C34878D82A}">
+                    <a16:rowId xmlns:a16="http://schemas.microsoft.com/office/drawing/2014/main" val="1446652309"/>
+                  </a:ext>
+                </a:extLst>
+              </a:tr>
+              <a:tr h="359807">
+                <a:tc>
+                  <a:txBody>
+                    <a:bodyPr/>
+                    <a:lstStyle/>
+                    <a:p>
+                      <a:pPr algn="ctr" fontAlgn="b"/>
+                      <a:r>
+                        <a:rPr lang="en-IN" sz="2000" b="0" i="0" u="none" strike="noStrike">
+                          <a:solidFill>
+                            <a:srgbClr val="000000"/>
+                          </a:solidFill>
+                          <a:effectLst/>
+                          <a:latin typeface="Arvo" panose="02000000000000000000" pitchFamily="2" charset="0"/>
+                        </a:rPr>
+                        <a:t>Rpot4</a:t>
+                      </a:r>
+                    </a:p>
+                  </a:txBody>
+                  <a:tcPr marL="7786" marR="7786" marT="7786" marB="0" anchor="b">
+                    <a:lnL w="12700" cap="flat" cmpd="sng" algn="ctr">
+                      <a:solidFill>
+                        <a:schemeClr val="tx1"/>
+                      </a:solidFill>
+                      <a:prstDash val="solid"/>
+                      <a:round/>
+                      <a:headEnd type="none" w="med" len="med"/>
+                      <a:tailEnd type="none" w="med" len="med"/>
+                    </a:lnL>
+                    <a:lnR w="12700" cap="flat" cmpd="sng" algn="ctr">
+                      <a:solidFill>
+                        <a:schemeClr val="tx1"/>
+                      </a:solidFill>
+                      <a:prstDash val="solid"/>
+                      <a:round/>
+                      <a:headEnd type="none" w="med" len="med"/>
+                      <a:tailEnd type="none" w="med" len="med"/>
+                    </a:lnR>
+                    <a:lnT w="12700" cap="flat" cmpd="sng" algn="ctr">
+                      <a:solidFill>
+                        <a:schemeClr val="tx1"/>
+                      </a:solidFill>
+                      <a:prstDash val="solid"/>
+                      <a:round/>
+                      <a:headEnd type="none" w="med" len="med"/>
+                      <a:tailEnd type="none" w="med" len="med"/>
+                    </a:lnT>
+                    <a:lnB w="12700" cap="flat" cmpd="sng" algn="ctr">
+                      <a:solidFill>
+                        <a:schemeClr val="tx1"/>
+                      </a:solidFill>
+                      <a:prstDash val="solid"/>
+                      <a:round/>
+                      <a:headEnd type="none" w="med" len="med"/>
+                      <a:tailEnd type="none" w="med" len="med"/>
+                    </a:lnB>
+                    <a:lnTlToBr w="12700" cmpd="sng">
+                      <a:noFill/>
+                      <a:prstDash val="solid"/>
+                    </a:lnTlToBr>
+                    <a:lnBlToTr w="12700" cmpd="sng">
+                      <a:noFill/>
+                      <a:prstDash val="solid"/>
+                    </a:lnBlToTr>
+                  </a:tcPr>
+                </a:tc>
+                <a:tc>
+                  <a:txBody>
+                    <a:bodyPr/>
+                    <a:lstStyle/>
+                    <a:p>
+                      <a:pPr algn="ctr" fontAlgn="b"/>
+                      <a:r>
+                        <a:rPr lang="en-IN" sz="2000" b="0" i="0" u="none" strike="noStrike">
+                          <a:solidFill>
+                            <a:srgbClr val="000000"/>
+                          </a:solidFill>
+                          <a:effectLst/>
+                          <a:latin typeface="Arvo" panose="02000000000000000000" pitchFamily="2" charset="0"/>
+                        </a:rPr>
+                        <a:t>1</a:t>
+                      </a:r>
+                    </a:p>
+                  </a:txBody>
+                  <a:tcPr marL="7786" marR="7786" marT="7786" marB="0" anchor="b">
+                    <a:lnL w="12700" cap="flat" cmpd="sng" algn="ctr">
+                      <a:solidFill>
+                        <a:schemeClr val="tx1"/>
+                      </a:solidFill>
+                      <a:prstDash val="solid"/>
+                      <a:round/>
+                      <a:headEnd type="none" w="med" len="med"/>
+                      <a:tailEnd type="none" w="med" len="med"/>
+                    </a:lnL>
+                    <a:lnR w="12700" cap="flat" cmpd="sng" algn="ctr">
+                      <a:solidFill>
+                        <a:schemeClr val="tx1"/>
+                      </a:solidFill>
+                      <a:prstDash val="solid"/>
+                      <a:round/>
+                      <a:headEnd type="none" w="med" len="med"/>
+                      <a:tailEnd type="none" w="med" len="med"/>
+                    </a:lnR>
+                    <a:lnT w="12700" cap="flat" cmpd="sng" algn="ctr">
+                      <a:solidFill>
+                        <a:schemeClr val="tx1"/>
+                      </a:solidFill>
+                      <a:prstDash val="solid"/>
+                      <a:round/>
+                      <a:headEnd type="none" w="med" len="med"/>
+                      <a:tailEnd type="none" w="med" len="med"/>
+                    </a:lnT>
+                    <a:lnB w="12700" cap="flat" cmpd="sng" algn="ctr">
+                      <a:solidFill>
+                        <a:schemeClr val="tx1"/>
+                      </a:solidFill>
+                      <a:prstDash val="solid"/>
+                      <a:round/>
+                      <a:headEnd type="none" w="med" len="med"/>
+                      <a:tailEnd type="none" w="med" len="med"/>
+                    </a:lnB>
+                    <a:lnTlToBr w="12700" cmpd="sng">
+                      <a:noFill/>
+                      <a:prstDash val="solid"/>
+                    </a:lnTlToBr>
+                    <a:lnBlToTr w="12700" cmpd="sng">
+                      <a:noFill/>
+                      <a:prstDash val="solid"/>
+                    </a:lnBlToTr>
+                  </a:tcPr>
+                </a:tc>
+                <a:tc>
+                  <a:txBody>
+                    <a:bodyPr/>
+                    <a:lstStyle/>
+                    <a:p>
+                      <a:pPr algn="ctr" fontAlgn="b"/>
+                      <a:r>
+                        <a:rPr lang="en-IN" sz="2000" b="0" i="0" u="none" strike="noStrike">
+                          <a:solidFill>
+                            <a:srgbClr val="000000"/>
+                          </a:solidFill>
+                          <a:effectLst/>
+                          <a:latin typeface="Arvo" panose="02000000000000000000" pitchFamily="2" charset="0"/>
+                        </a:rPr>
+                        <a:t>50 k</a:t>
+                      </a:r>
+                      <a:r>
+                        <a:rPr lang="el-GR" sz="2000" b="0" i="0" u="none" strike="noStrike">
+                          <a:solidFill>
+                            <a:srgbClr val="000000"/>
+                          </a:solidFill>
+                          <a:effectLst/>
+                          <a:latin typeface="Arvo" panose="02000000000000000000" pitchFamily="2" charset="0"/>
+                        </a:rPr>
+                        <a:t>Ω </a:t>
+                      </a:r>
+                      <a:r>
+                        <a:rPr lang="en-IN" sz="2000" b="0" i="0" u="none" strike="noStrike">
+                          <a:solidFill>
+                            <a:srgbClr val="000000"/>
+                          </a:solidFill>
+                          <a:effectLst/>
+                          <a:latin typeface="Arvo" panose="02000000000000000000" pitchFamily="2" charset="0"/>
+                        </a:rPr>
+                        <a:t>Potentiometer</a:t>
+                      </a:r>
+                    </a:p>
+                  </a:txBody>
+                  <a:tcPr marL="7786" marR="7786" marT="7786" marB="0" anchor="b">
+                    <a:lnL w="12700" cap="flat" cmpd="sng" algn="ctr">
+                      <a:solidFill>
+                        <a:schemeClr val="tx1"/>
+                      </a:solidFill>
+                      <a:prstDash val="solid"/>
+                      <a:round/>
+                      <a:headEnd type="none" w="med" len="med"/>
+                      <a:tailEnd type="none" w="med" len="med"/>
+                    </a:lnL>
+                    <a:lnR w="12700" cap="flat" cmpd="sng" algn="ctr">
+                      <a:solidFill>
+                        <a:schemeClr val="tx1"/>
+                      </a:solidFill>
+                      <a:prstDash val="solid"/>
+                      <a:round/>
+                      <a:headEnd type="none" w="med" len="med"/>
+                      <a:tailEnd type="none" w="med" len="med"/>
+                    </a:lnR>
+                    <a:lnT w="12700" cap="flat" cmpd="sng" algn="ctr">
+                      <a:solidFill>
+                        <a:schemeClr val="tx1"/>
+                      </a:solidFill>
+                      <a:prstDash val="solid"/>
+                      <a:round/>
+                      <a:headEnd type="none" w="med" len="med"/>
+                      <a:tailEnd type="none" w="med" len="med"/>
+                    </a:lnT>
+                    <a:lnB w="12700" cap="flat" cmpd="sng" algn="ctr">
+                      <a:solidFill>
+                        <a:schemeClr val="tx1"/>
+                      </a:solidFill>
+                      <a:prstDash val="solid"/>
+                      <a:round/>
+                      <a:headEnd type="none" w="med" len="med"/>
+                      <a:tailEnd type="none" w="med" len="med"/>
+                    </a:lnB>
+                    <a:lnTlToBr w="12700" cmpd="sng">
+                      <a:noFill/>
+                      <a:prstDash val="solid"/>
+                    </a:lnTlToBr>
+                    <a:lnBlToTr w="12700" cmpd="sng">
+                      <a:noFill/>
+                      <a:prstDash val="solid"/>
+                    </a:lnBlToTr>
+                  </a:tcPr>
+                </a:tc>
+                <a:extLst>
+                  <a:ext uri="{0D108BD9-81ED-4DB2-BD59-A6C34878D82A}">
+                    <a16:rowId xmlns:a16="http://schemas.microsoft.com/office/drawing/2014/main" val="3216881835"/>
+                  </a:ext>
+                </a:extLst>
+              </a:tr>
+              <a:tr h="359807">
+                <a:tc>
+                  <a:txBody>
+                    <a:bodyPr/>
+                    <a:lstStyle/>
+                    <a:p>
+                      <a:pPr algn="ctr" fontAlgn="b"/>
+                      <a:r>
+                        <a:rPr lang="en-IN" sz="2000" b="0" i="0" u="none" strike="noStrike">
+                          <a:solidFill>
+                            <a:srgbClr val="000000"/>
+                          </a:solidFill>
+                          <a:effectLst/>
+                          <a:latin typeface="Arvo" panose="02000000000000000000" pitchFamily="2" charset="0"/>
+                        </a:rPr>
+                        <a:t>R3</a:t>
+                      </a:r>
+                    </a:p>
+                  </a:txBody>
+                  <a:tcPr marL="7786" marR="7786" marT="7786" marB="0" anchor="b">
+                    <a:lnL w="12700" cap="flat" cmpd="sng" algn="ctr">
+                      <a:solidFill>
+                        <a:schemeClr val="tx1"/>
+                      </a:solidFill>
+                      <a:prstDash val="solid"/>
+                      <a:round/>
+                      <a:headEnd type="none" w="med" len="med"/>
+                      <a:tailEnd type="none" w="med" len="med"/>
+                    </a:lnL>
+                    <a:lnR w="12700" cap="flat" cmpd="sng" algn="ctr">
+                      <a:solidFill>
+                        <a:schemeClr val="tx1"/>
+                      </a:solidFill>
+                      <a:prstDash val="solid"/>
+                      <a:round/>
+                      <a:headEnd type="none" w="med" len="med"/>
+                      <a:tailEnd type="none" w="med" len="med"/>
+                    </a:lnR>
+                    <a:lnT w="12700" cap="flat" cmpd="sng" algn="ctr">
+                      <a:solidFill>
+                        <a:schemeClr val="tx1"/>
+                      </a:solidFill>
+                      <a:prstDash val="solid"/>
+                      <a:round/>
+                      <a:headEnd type="none" w="med" len="med"/>
+                      <a:tailEnd type="none" w="med" len="med"/>
+                    </a:lnT>
+                    <a:lnB w="12700" cap="flat" cmpd="sng" algn="ctr">
+                      <a:solidFill>
+                        <a:schemeClr val="tx1"/>
+                      </a:solidFill>
+                      <a:prstDash val="solid"/>
+                      <a:round/>
+                      <a:headEnd type="none" w="med" len="med"/>
+                      <a:tailEnd type="none" w="med" len="med"/>
+                    </a:lnB>
+                    <a:lnTlToBr w="12700" cmpd="sng">
+                      <a:noFill/>
+                      <a:prstDash val="solid"/>
+                    </a:lnTlToBr>
+                    <a:lnBlToTr w="12700" cmpd="sng">
+                      <a:noFill/>
+                      <a:prstDash val="solid"/>
+                    </a:lnBlToTr>
+                  </a:tcPr>
+                </a:tc>
+                <a:tc>
+                  <a:txBody>
+                    <a:bodyPr/>
+                    <a:lstStyle/>
+                    <a:p>
+                      <a:pPr algn="ctr" fontAlgn="b"/>
+                      <a:r>
+                        <a:rPr lang="en-IN" sz="2000" b="0" i="0" u="none" strike="noStrike">
+                          <a:solidFill>
+                            <a:srgbClr val="000000"/>
+                          </a:solidFill>
+                          <a:effectLst/>
+                          <a:latin typeface="Arvo" panose="02000000000000000000" pitchFamily="2" charset="0"/>
+                        </a:rPr>
+                        <a:t>1</a:t>
+                      </a:r>
+                    </a:p>
+                  </a:txBody>
+                  <a:tcPr marL="7786" marR="7786" marT="7786" marB="0" anchor="b">
+                    <a:lnL w="12700" cap="flat" cmpd="sng" algn="ctr">
+                      <a:solidFill>
+                        <a:schemeClr val="tx1"/>
+                      </a:solidFill>
+                      <a:prstDash val="solid"/>
+                      <a:round/>
+                      <a:headEnd type="none" w="med" len="med"/>
+                      <a:tailEnd type="none" w="med" len="med"/>
+                    </a:lnL>
+                    <a:lnR w="12700" cap="flat" cmpd="sng" algn="ctr">
+                      <a:solidFill>
+                        <a:schemeClr val="tx1"/>
+                      </a:solidFill>
+                      <a:prstDash val="solid"/>
+                      <a:round/>
+                      <a:headEnd type="none" w="med" len="med"/>
+                      <a:tailEnd type="none" w="med" len="med"/>
+                    </a:lnR>
+                    <a:lnT w="12700" cap="flat" cmpd="sng" algn="ctr">
+                      <a:solidFill>
+                        <a:schemeClr val="tx1"/>
+                      </a:solidFill>
+                      <a:prstDash val="solid"/>
+                      <a:round/>
+                      <a:headEnd type="none" w="med" len="med"/>
+                      <a:tailEnd type="none" w="med" len="med"/>
+                    </a:lnT>
+                    <a:lnB w="12700" cap="flat" cmpd="sng" algn="ctr">
+                      <a:solidFill>
+                        <a:schemeClr val="tx1"/>
+                      </a:solidFill>
+                      <a:prstDash val="solid"/>
+                      <a:round/>
+                      <a:headEnd type="none" w="med" len="med"/>
+                      <a:tailEnd type="none" w="med" len="med"/>
+                    </a:lnB>
+                    <a:lnTlToBr w="12700" cmpd="sng">
+                      <a:noFill/>
+                      <a:prstDash val="solid"/>
+                    </a:lnTlToBr>
+                    <a:lnBlToTr w="12700" cmpd="sng">
+                      <a:noFill/>
+                      <a:prstDash val="solid"/>
+                    </a:lnBlToTr>
+                  </a:tcPr>
+                </a:tc>
+                <a:tc>
+                  <a:txBody>
+                    <a:bodyPr/>
+                    <a:lstStyle/>
+                    <a:p>
+                      <a:pPr algn="ctr" fontAlgn="b"/>
+                      <a:r>
+                        <a:rPr lang="el-GR" sz="2000" b="0" i="0" u="none" strike="noStrike">
+                          <a:solidFill>
+                            <a:srgbClr val="000000"/>
+                          </a:solidFill>
+                          <a:effectLst/>
+                          <a:latin typeface="Arvo" panose="02000000000000000000" pitchFamily="2" charset="0"/>
+                        </a:rPr>
+                        <a:t>220 Ω </a:t>
+                      </a:r>
+                      <a:r>
+                        <a:rPr lang="en-IN" sz="2000" b="0" i="0" u="none" strike="noStrike">
+                          <a:solidFill>
+                            <a:srgbClr val="000000"/>
+                          </a:solidFill>
+                          <a:effectLst/>
+                          <a:latin typeface="Arvo" panose="02000000000000000000" pitchFamily="2" charset="0"/>
+                        </a:rPr>
+                        <a:t>Resistor</a:t>
+                      </a:r>
+                    </a:p>
+                  </a:txBody>
+                  <a:tcPr marL="7786" marR="7786" marT="7786" marB="0" anchor="b">
+                    <a:lnL w="12700" cap="flat" cmpd="sng" algn="ctr">
+                      <a:solidFill>
+                        <a:schemeClr val="tx1"/>
+                      </a:solidFill>
+                      <a:prstDash val="solid"/>
+                      <a:round/>
+                      <a:headEnd type="none" w="med" len="med"/>
+                      <a:tailEnd type="none" w="med" len="med"/>
+                    </a:lnL>
+                    <a:lnR w="12700" cap="flat" cmpd="sng" algn="ctr">
+                      <a:solidFill>
+                        <a:schemeClr val="tx1"/>
+                      </a:solidFill>
+                      <a:prstDash val="solid"/>
+                      <a:round/>
+                      <a:headEnd type="none" w="med" len="med"/>
+                      <a:tailEnd type="none" w="med" len="med"/>
+                    </a:lnR>
+                    <a:lnT w="12700" cap="flat" cmpd="sng" algn="ctr">
+                      <a:solidFill>
+                        <a:schemeClr val="tx1"/>
+                      </a:solidFill>
+                      <a:prstDash val="solid"/>
+                      <a:round/>
+                      <a:headEnd type="none" w="med" len="med"/>
+                      <a:tailEnd type="none" w="med" len="med"/>
+                    </a:lnT>
+                    <a:lnB w="12700" cap="flat" cmpd="sng" algn="ctr">
+                      <a:solidFill>
+                        <a:schemeClr val="tx1"/>
+                      </a:solidFill>
+                      <a:prstDash val="solid"/>
+                      <a:round/>
+                      <a:headEnd type="none" w="med" len="med"/>
+                      <a:tailEnd type="none" w="med" len="med"/>
+                    </a:lnB>
+                    <a:lnTlToBr w="12700" cmpd="sng">
+                      <a:noFill/>
+                      <a:prstDash val="solid"/>
+                    </a:lnTlToBr>
+                    <a:lnBlToTr w="12700" cmpd="sng">
+                      <a:noFill/>
+                      <a:prstDash val="solid"/>
+                    </a:lnBlToTr>
+                  </a:tcPr>
+                </a:tc>
+                <a:extLst>
+                  <a:ext uri="{0D108BD9-81ED-4DB2-BD59-A6C34878D82A}">
+                    <a16:rowId xmlns:a16="http://schemas.microsoft.com/office/drawing/2014/main" val="295090752"/>
+                  </a:ext>
+                </a:extLst>
+              </a:tr>
+              <a:tr h="359807">
+                <a:tc>
+                  <a:txBody>
+                    <a:bodyPr/>
+                    <a:lstStyle/>
+                    <a:p>
+                      <a:pPr algn="ctr" fontAlgn="b"/>
+                      <a:r>
+                        <a:rPr lang="en-IN" sz="2000" b="0" i="0" u="none" strike="noStrike">
+                          <a:solidFill>
+                            <a:srgbClr val="000000"/>
+                          </a:solidFill>
+                          <a:effectLst/>
+                          <a:latin typeface="Arvo" panose="02000000000000000000" pitchFamily="2" charset="0"/>
+                        </a:rPr>
+                        <a:t>R1</a:t>
+                      </a:r>
+                    </a:p>
+                  </a:txBody>
+                  <a:tcPr marL="7786" marR="7786" marT="7786" marB="0" anchor="b">
+                    <a:lnL w="12700" cap="flat" cmpd="sng" algn="ctr">
+                      <a:solidFill>
+                        <a:schemeClr val="tx1"/>
+                      </a:solidFill>
+                      <a:prstDash val="solid"/>
+                      <a:round/>
+                      <a:headEnd type="none" w="med" len="med"/>
+                      <a:tailEnd type="none" w="med" len="med"/>
+                    </a:lnL>
+                    <a:lnR w="12700" cap="flat" cmpd="sng" algn="ctr">
+                      <a:solidFill>
+                        <a:schemeClr val="tx1"/>
+                      </a:solidFill>
+                      <a:prstDash val="solid"/>
+                      <a:round/>
+                      <a:headEnd type="none" w="med" len="med"/>
+                      <a:tailEnd type="none" w="med" len="med"/>
+                    </a:lnR>
+                    <a:lnT w="12700" cap="flat" cmpd="sng" algn="ctr">
+                      <a:solidFill>
+                        <a:schemeClr val="tx1"/>
+                      </a:solidFill>
+                      <a:prstDash val="solid"/>
+                      <a:round/>
+                      <a:headEnd type="none" w="med" len="med"/>
+                      <a:tailEnd type="none" w="med" len="med"/>
+                    </a:lnT>
+                    <a:lnB w="12700" cap="flat" cmpd="sng" algn="ctr">
+                      <a:solidFill>
+                        <a:schemeClr val="tx1"/>
+                      </a:solidFill>
+                      <a:prstDash val="solid"/>
+                      <a:round/>
+                      <a:headEnd type="none" w="med" len="med"/>
+                      <a:tailEnd type="none" w="med" len="med"/>
+                    </a:lnB>
+                    <a:lnTlToBr w="12700" cmpd="sng">
+                      <a:noFill/>
+                      <a:prstDash val="solid"/>
+                    </a:lnTlToBr>
+                    <a:lnBlToTr w="12700" cmpd="sng">
+                      <a:noFill/>
+                      <a:prstDash val="solid"/>
+                    </a:lnBlToTr>
+                  </a:tcPr>
+                </a:tc>
+                <a:tc>
+                  <a:txBody>
+                    <a:bodyPr/>
+                    <a:lstStyle/>
+                    <a:p>
+                      <a:pPr algn="ctr" fontAlgn="b"/>
+                      <a:r>
+                        <a:rPr lang="en-IN" sz="2000" b="0" i="0" u="none" strike="noStrike">
+                          <a:solidFill>
+                            <a:srgbClr val="000000"/>
+                          </a:solidFill>
+                          <a:effectLst/>
+                          <a:latin typeface="Arvo" panose="02000000000000000000" pitchFamily="2" charset="0"/>
+                        </a:rPr>
+                        <a:t>1</a:t>
+                      </a:r>
+                    </a:p>
+                  </a:txBody>
+                  <a:tcPr marL="7786" marR="7786" marT="7786" marB="0" anchor="b">
+                    <a:lnL w="12700" cap="flat" cmpd="sng" algn="ctr">
+                      <a:solidFill>
+                        <a:schemeClr val="tx1"/>
+                      </a:solidFill>
+                      <a:prstDash val="solid"/>
+                      <a:round/>
+                      <a:headEnd type="none" w="med" len="med"/>
+                      <a:tailEnd type="none" w="med" len="med"/>
+                    </a:lnL>
+                    <a:lnR w="12700" cap="flat" cmpd="sng" algn="ctr">
+                      <a:solidFill>
+                        <a:schemeClr val="tx1"/>
+                      </a:solidFill>
+                      <a:prstDash val="solid"/>
+                      <a:round/>
+                      <a:headEnd type="none" w="med" len="med"/>
+                      <a:tailEnd type="none" w="med" len="med"/>
+                    </a:lnR>
+                    <a:lnT w="12700" cap="flat" cmpd="sng" algn="ctr">
+                      <a:solidFill>
+                        <a:schemeClr val="tx1"/>
+                      </a:solidFill>
+                      <a:prstDash val="solid"/>
+                      <a:round/>
+                      <a:headEnd type="none" w="med" len="med"/>
+                      <a:tailEnd type="none" w="med" len="med"/>
+                    </a:lnT>
+                    <a:lnB w="12700" cap="flat" cmpd="sng" algn="ctr">
+                      <a:solidFill>
+                        <a:schemeClr val="tx1"/>
+                      </a:solidFill>
+                      <a:prstDash val="solid"/>
+                      <a:round/>
+                      <a:headEnd type="none" w="med" len="med"/>
+                      <a:tailEnd type="none" w="med" len="med"/>
+                    </a:lnB>
+                    <a:lnTlToBr w="12700" cmpd="sng">
+                      <a:noFill/>
+                      <a:prstDash val="solid"/>
+                    </a:lnTlToBr>
+                    <a:lnBlToTr w="12700" cmpd="sng">
+                      <a:noFill/>
+                      <a:prstDash val="solid"/>
+                    </a:lnBlToTr>
+                  </a:tcPr>
+                </a:tc>
+                <a:tc>
+                  <a:txBody>
+                    <a:bodyPr/>
+                    <a:lstStyle/>
+                    <a:p>
+                      <a:pPr algn="ctr" fontAlgn="b"/>
+                      <a:r>
+                        <a:rPr lang="el-GR" sz="2000" b="0" i="0" u="none" strike="noStrike">
+                          <a:solidFill>
+                            <a:srgbClr val="000000"/>
+                          </a:solidFill>
+                          <a:effectLst/>
+                          <a:latin typeface="Arvo" panose="02000000000000000000" pitchFamily="2" charset="0"/>
+                        </a:rPr>
+                        <a:t>200 Ω </a:t>
+                      </a:r>
+                      <a:r>
+                        <a:rPr lang="en-IN" sz="2000" b="0" i="0" u="none" strike="noStrike">
+                          <a:solidFill>
+                            <a:srgbClr val="000000"/>
+                          </a:solidFill>
+                          <a:effectLst/>
+                          <a:latin typeface="Arvo" panose="02000000000000000000" pitchFamily="2" charset="0"/>
+                        </a:rPr>
+                        <a:t>Resistor</a:t>
+                      </a:r>
+                    </a:p>
+                  </a:txBody>
+                  <a:tcPr marL="7786" marR="7786" marT="7786" marB="0" anchor="b">
+                    <a:lnL w="12700" cap="flat" cmpd="sng" algn="ctr">
+                      <a:solidFill>
+                        <a:schemeClr val="tx1"/>
+                      </a:solidFill>
+                      <a:prstDash val="solid"/>
+                      <a:round/>
+                      <a:headEnd type="none" w="med" len="med"/>
+                      <a:tailEnd type="none" w="med" len="med"/>
+                    </a:lnL>
+                    <a:lnR w="12700" cap="flat" cmpd="sng" algn="ctr">
+                      <a:solidFill>
+                        <a:schemeClr val="tx1"/>
+                      </a:solidFill>
+                      <a:prstDash val="solid"/>
+                      <a:round/>
+                      <a:headEnd type="none" w="med" len="med"/>
+                      <a:tailEnd type="none" w="med" len="med"/>
+                    </a:lnR>
+                    <a:lnT w="12700" cap="flat" cmpd="sng" algn="ctr">
+                      <a:solidFill>
+                        <a:schemeClr val="tx1"/>
+                      </a:solidFill>
+                      <a:prstDash val="solid"/>
+                      <a:round/>
+                      <a:headEnd type="none" w="med" len="med"/>
+                      <a:tailEnd type="none" w="med" len="med"/>
+                    </a:lnT>
+                    <a:lnB w="12700" cap="flat" cmpd="sng" algn="ctr">
+                      <a:solidFill>
+                        <a:schemeClr val="tx1"/>
+                      </a:solidFill>
+                      <a:prstDash val="solid"/>
+                      <a:round/>
+                      <a:headEnd type="none" w="med" len="med"/>
+                      <a:tailEnd type="none" w="med" len="med"/>
+                    </a:lnB>
+                    <a:lnTlToBr w="12700" cmpd="sng">
+                      <a:noFill/>
+                      <a:prstDash val="solid"/>
+                    </a:lnTlToBr>
+                    <a:lnBlToTr w="12700" cmpd="sng">
+                      <a:noFill/>
+                      <a:prstDash val="solid"/>
+                    </a:lnBlToTr>
+                  </a:tcPr>
+                </a:tc>
+                <a:extLst>
+                  <a:ext uri="{0D108BD9-81ED-4DB2-BD59-A6C34878D82A}">
+                    <a16:rowId xmlns:a16="http://schemas.microsoft.com/office/drawing/2014/main" val="1621008301"/>
+                  </a:ext>
+                </a:extLst>
+              </a:tr>
+              <a:tr h="359807">
+                <a:tc>
+                  <a:txBody>
+                    <a:bodyPr/>
+                    <a:lstStyle/>
+                    <a:p>
+                      <a:pPr algn="ctr" fontAlgn="b"/>
+                      <a:r>
+                        <a:rPr lang="en-IN" sz="2000" b="0" i="0" u="none" strike="noStrike">
+                          <a:solidFill>
+                            <a:srgbClr val="000000"/>
+                          </a:solidFill>
+                          <a:effectLst/>
+                          <a:latin typeface="Arvo" panose="02000000000000000000" pitchFamily="2" charset="0"/>
+                        </a:rPr>
+                        <a:t>R4, R2, R5</a:t>
+                      </a:r>
+                    </a:p>
+                  </a:txBody>
+                  <a:tcPr marL="7786" marR="7786" marT="7786" marB="0" anchor="b">
+                    <a:lnL w="12700" cap="flat" cmpd="sng" algn="ctr">
+                      <a:solidFill>
+                        <a:schemeClr val="tx1"/>
+                      </a:solidFill>
+                      <a:prstDash val="solid"/>
+                      <a:round/>
+                      <a:headEnd type="none" w="med" len="med"/>
+                      <a:tailEnd type="none" w="med" len="med"/>
+                    </a:lnL>
+                    <a:lnR w="12700" cap="flat" cmpd="sng" algn="ctr">
+                      <a:solidFill>
+                        <a:schemeClr val="tx1"/>
+                      </a:solidFill>
+                      <a:prstDash val="solid"/>
+                      <a:round/>
+                      <a:headEnd type="none" w="med" len="med"/>
+                      <a:tailEnd type="none" w="med" len="med"/>
+                    </a:lnR>
+                    <a:lnT w="12700" cap="flat" cmpd="sng" algn="ctr">
+                      <a:solidFill>
+                        <a:schemeClr val="tx1"/>
+                      </a:solidFill>
+                      <a:prstDash val="solid"/>
+                      <a:round/>
+                      <a:headEnd type="none" w="med" len="med"/>
+                      <a:tailEnd type="none" w="med" len="med"/>
+                    </a:lnT>
+                    <a:lnB w="12700" cap="flat" cmpd="sng" algn="ctr">
+                      <a:solidFill>
+                        <a:schemeClr val="tx1"/>
+                      </a:solidFill>
+                      <a:prstDash val="solid"/>
+                      <a:round/>
+                      <a:headEnd type="none" w="med" len="med"/>
+                      <a:tailEnd type="none" w="med" len="med"/>
+                    </a:lnB>
+                    <a:lnTlToBr w="12700" cmpd="sng">
+                      <a:noFill/>
+                      <a:prstDash val="solid"/>
+                    </a:lnTlToBr>
+                    <a:lnBlToTr w="12700" cmpd="sng">
+                      <a:noFill/>
+                      <a:prstDash val="solid"/>
+                    </a:lnBlToTr>
+                  </a:tcPr>
+                </a:tc>
+                <a:tc>
+                  <a:txBody>
+                    <a:bodyPr/>
+                    <a:lstStyle/>
+                    <a:p>
+                      <a:pPr algn="ctr" fontAlgn="b"/>
+                      <a:r>
+                        <a:rPr lang="en-IN" sz="2000" b="0" i="0" u="none" strike="noStrike">
+                          <a:solidFill>
+                            <a:srgbClr val="000000"/>
+                          </a:solidFill>
+                          <a:effectLst/>
+                          <a:latin typeface="Arvo" panose="02000000000000000000" pitchFamily="2" charset="0"/>
+                        </a:rPr>
+                        <a:t>3</a:t>
+                      </a:r>
+                    </a:p>
+                  </a:txBody>
+                  <a:tcPr marL="7786" marR="7786" marT="7786" marB="0" anchor="b">
+                    <a:lnL w="12700" cap="flat" cmpd="sng" algn="ctr">
+                      <a:solidFill>
+                        <a:schemeClr val="tx1"/>
+                      </a:solidFill>
+                      <a:prstDash val="solid"/>
+                      <a:round/>
+                      <a:headEnd type="none" w="med" len="med"/>
+                      <a:tailEnd type="none" w="med" len="med"/>
+                    </a:lnL>
+                    <a:lnR w="12700" cap="flat" cmpd="sng" algn="ctr">
+                      <a:solidFill>
+                        <a:schemeClr val="tx1"/>
+                      </a:solidFill>
+                      <a:prstDash val="solid"/>
+                      <a:round/>
+                      <a:headEnd type="none" w="med" len="med"/>
+                      <a:tailEnd type="none" w="med" len="med"/>
+                    </a:lnR>
+                    <a:lnT w="12700" cap="flat" cmpd="sng" algn="ctr">
+                      <a:solidFill>
+                        <a:schemeClr val="tx1"/>
+                      </a:solidFill>
+                      <a:prstDash val="solid"/>
+                      <a:round/>
+                      <a:headEnd type="none" w="med" len="med"/>
+                      <a:tailEnd type="none" w="med" len="med"/>
+                    </a:lnT>
+                    <a:lnB w="12700" cap="flat" cmpd="sng" algn="ctr">
+                      <a:solidFill>
+                        <a:schemeClr val="tx1"/>
+                      </a:solidFill>
+                      <a:prstDash val="solid"/>
+                      <a:round/>
+                      <a:headEnd type="none" w="med" len="med"/>
+                      <a:tailEnd type="none" w="med" len="med"/>
+                    </a:lnB>
+                    <a:lnTlToBr w="12700" cmpd="sng">
+                      <a:noFill/>
+                      <a:prstDash val="solid"/>
+                    </a:lnTlToBr>
+                    <a:lnBlToTr w="12700" cmpd="sng">
+                      <a:noFill/>
+                      <a:prstDash val="solid"/>
+                    </a:lnBlToTr>
+                  </a:tcPr>
+                </a:tc>
+                <a:tc>
+                  <a:txBody>
+                    <a:bodyPr/>
+                    <a:lstStyle/>
+                    <a:p>
+                      <a:pPr algn="ctr" fontAlgn="b"/>
+                      <a:r>
+                        <a:rPr lang="en-IN" sz="2000" b="0" i="0" u="none" strike="noStrike">
+                          <a:solidFill>
+                            <a:srgbClr val="000000"/>
+                          </a:solidFill>
+                          <a:effectLst/>
+                          <a:latin typeface="Arvo" panose="02000000000000000000" pitchFamily="2" charset="0"/>
+                        </a:rPr>
+                        <a:t>1 k</a:t>
+                      </a:r>
+                      <a:r>
+                        <a:rPr lang="el-GR" sz="2000" b="0" i="0" u="none" strike="noStrike">
+                          <a:solidFill>
+                            <a:srgbClr val="000000"/>
+                          </a:solidFill>
+                          <a:effectLst/>
+                          <a:latin typeface="Arvo" panose="02000000000000000000" pitchFamily="2" charset="0"/>
+                        </a:rPr>
+                        <a:t>Ω </a:t>
+                      </a:r>
+                      <a:r>
+                        <a:rPr lang="en-IN" sz="2000" b="0" i="0" u="none" strike="noStrike">
+                          <a:solidFill>
+                            <a:srgbClr val="000000"/>
+                          </a:solidFill>
+                          <a:effectLst/>
+                          <a:latin typeface="Arvo" panose="02000000000000000000" pitchFamily="2" charset="0"/>
+                        </a:rPr>
+                        <a:t>Resistor</a:t>
+                      </a:r>
+                    </a:p>
+                  </a:txBody>
+                  <a:tcPr marL="7786" marR="7786" marT="7786" marB="0" anchor="b">
+                    <a:lnL w="12700" cap="flat" cmpd="sng" algn="ctr">
+                      <a:solidFill>
+                        <a:schemeClr val="tx1"/>
+                      </a:solidFill>
+                      <a:prstDash val="solid"/>
+                      <a:round/>
+                      <a:headEnd type="none" w="med" len="med"/>
+                      <a:tailEnd type="none" w="med" len="med"/>
+                    </a:lnL>
+                    <a:lnR w="12700" cap="flat" cmpd="sng" algn="ctr">
+                      <a:solidFill>
+                        <a:schemeClr val="tx1"/>
+                      </a:solidFill>
+                      <a:prstDash val="solid"/>
+                      <a:round/>
+                      <a:headEnd type="none" w="med" len="med"/>
+                      <a:tailEnd type="none" w="med" len="med"/>
+                    </a:lnR>
+                    <a:lnT w="12700" cap="flat" cmpd="sng" algn="ctr">
+                      <a:solidFill>
+                        <a:schemeClr val="tx1"/>
+                      </a:solidFill>
+                      <a:prstDash val="solid"/>
+                      <a:round/>
+                      <a:headEnd type="none" w="med" len="med"/>
+                      <a:tailEnd type="none" w="med" len="med"/>
+                    </a:lnT>
+                    <a:lnB w="12700" cap="flat" cmpd="sng" algn="ctr">
+                      <a:solidFill>
+                        <a:schemeClr val="tx1"/>
+                      </a:solidFill>
+                      <a:prstDash val="solid"/>
+                      <a:round/>
+                      <a:headEnd type="none" w="med" len="med"/>
+                      <a:tailEnd type="none" w="med" len="med"/>
+                    </a:lnB>
+                    <a:lnTlToBr w="12700" cmpd="sng">
+                      <a:noFill/>
+                      <a:prstDash val="solid"/>
+                    </a:lnTlToBr>
+                    <a:lnBlToTr w="12700" cmpd="sng">
+                      <a:noFill/>
+                      <a:prstDash val="solid"/>
+                    </a:lnBlToTr>
+                  </a:tcPr>
+                </a:tc>
+                <a:extLst>
+                  <a:ext uri="{0D108BD9-81ED-4DB2-BD59-A6C34878D82A}">
+                    <a16:rowId xmlns:a16="http://schemas.microsoft.com/office/drawing/2014/main" val="2566670990"/>
+                  </a:ext>
+                </a:extLst>
+              </a:tr>
+              <a:tr h="359807">
+                <a:tc>
+                  <a:txBody>
+                    <a:bodyPr/>
+                    <a:lstStyle/>
+                    <a:p>
+                      <a:pPr algn="ctr" fontAlgn="b"/>
+                      <a:r>
+                        <a:rPr lang="en-IN" sz="2000" b="0" i="0" u="none" strike="noStrike">
+                          <a:solidFill>
+                            <a:srgbClr val="000000"/>
+                          </a:solidFill>
+                          <a:effectLst/>
+                          <a:latin typeface="Arvo" panose="02000000000000000000" pitchFamily="2" charset="0"/>
+                        </a:rPr>
+                        <a:t>S1</a:t>
+                      </a:r>
+                    </a:p>
+                  </a:txBody>
+                  <a:tcPr marL="7786" marR="7786" marT="7786" marB="0" anchor="b">
+                    <a:lnL w="12700" cap="flat" cmpd="sng" algn="ctr">
+                      <a:solidFill>
+                        <a:schemeClr val="tx1"/>
+                      </a:solidFill>
+                      <a:prstDash val="solid"/>
+                      <a:round/>
+                      <a:headEnd type="none" w="med" len="med"/>
+                      <a:tailEnd type="none" w="med" len="med"/>
+                    </a:lnL>
+                    <a:lnR w="12700" cap="flat" cmpd="sng" algn="ctr">
+                      <a:solidFill>
+                        <a:schemeClr val="tx1"/>
+                      </a:solidFill>
+                      <a:prstDash val="solid"/>
+                      <a:round/>
+                      <a:headEnd type="none" w="med" len="med"/>
+                      <a:tailEnd type="none" w="med" len="med"/>
+                    </a:lnR>
+                    <a:lnT w="12700" cap="flat" cmpd="sng" algn="ctr">
+                      <a:solidFill>
+                        <a:schemeClr val="tx1"/>
+                      </a:solidFill>
+                      <a:prstDash val="solid"/>
+                      <a:round/>
+                      <a:headEnd type="none" w="med" len="med"/>
+                      <a:tailEnd type="none" w="med" len="med"/>
+                    </a:lnT>
+                    <a:lnB w="12700" cap="flat" cmpd="sng" algn="ctr">
+                      <a:solidFill>
+                        <a:schemeClr val="tx1"/>
+                      </a:solidFill>
+                      <a:prstDash val="solid"/>
+                      <a:round/>
+                      <a:headEnd type="none" w="med" len="med"/>
+                      <a:tailEnd type="none" w="med" len="med"/>
+                    </a:lnB>
+                    <a:lnTlToBr w="12700" cmpd="sng">
+                      <a:noFill/>
+                      <a:prstDash val="solid"/>
+                    </a:lnTlToBr>
+                    <a:lnBlToTr w="12700" cmpd="sng">
+                      <a:noFill/>
+                      <a:prstDash val="solid"/>
+                    </a:lnBlToTr>
+                  </a:tcPr>
+                </a:tc>
+                <a:tc>
+                  <a:txBody>
+                    <a:bodyPr/>
+                    <a:lstStyle/>
+                    <a:p>
+                      <a:pPr algn="ctr" fontAlgn="b"/>
+                      <a:r>
+                        <a:rPr lang="en-IN" sz="2000" b="0" i="0" u="none" strike="noStrike">
+                          <a:solidFill>
+                            <a:srgbClr val="000000"/>
+                          </a:solidFill>
+                          <a:effectLst/>
+                          <a:latin typeface="Arvo" panose="02000000000000000000" pitchFamily="2" charset="0"/>
+                        </a:rPr>
+                        <a:t>1</a:t>
+                      </a:r>
+                    </a:p>
+                  </a:txBody>
+                  <a:tcPr marL="7786" marR="7786" marT="7786" marB="0" anchor="b">
+                    <a:lnL w="12700" cap="flat" cmpd="sng" algn="ctr">
+                      <a:solidFill>
+                        <a:schemeClr val="tx1"/>
+                      </a:solidFill>
+                      <a:prstDash val="solid"/>
+                      <a:round/>
+                      <a:headEnd type="none" w="med" len="med"/>
+                      <a:tailEnd type="none" w="med" len="med"/>
+                    </a:lnL>
+                    <a:lnR w="12700" cap="flat" cmpd="sng" algn="ctr">
+                      <a:solidFill>
+                        <a:schemeClr val="tx1"/>
+                      </a:solidFill>
+                      <a:prstDash val="solid"/>
+                      <a:round/>
+                      <a:headEnd type="none" w="med" len="med"/>
+                      <a:tailEnd type="none" w="med" len="med"/>
+                    </a:lnR>
+                    <a:lnT w="12700" cap="flat" cmpd="sng" algn="ctr">
+                      <a:solidFill>
+                        <a:schemeClr val="tx1"/>
+                      </a:solidFill>
+                      <a:prstDash val="solid"/>
+                      <a:round/>
+                      <a:headEnd type="none" w="med" len="med"/>
+                      <a:tailEnd type="none" w="med" len="med"/>
+                    </a:lnT>
+                    <a:lnB w="12700" cap="flat" cmpd="sng" algn="ctr">
+                      <a:solidFill>
+                        <a:schemeClr val="tx1"/>
+                      </a:solidFill>
+                      <a:prstDash val="solid"/>
+                      <a:round/>
+                      <a:headEnd type="none" w="med" len="med"/>
+                      <a:tailEnd type="none" w="med" len="med"/>
+                    </a:lnB>
+                    <a:lnTlToBr w="12700" cmpd="sng">
+                      <a:noFill/>
+                      <a:prstDash val="solid"/>
+                    </a:lnTlToBr>
+                    <a:lnBlToTr w="12700" cmpd="sng">
+                      <a:noFill/>
+                      <a:prstDash val="solid"/>
+                    </a:lnBlToTr>
+                  </a:tcPr>
+                </a:tc>
+                <a:tc>
+                  <a:txBody>
+                    <a:bodyPr/>
+                    <a:lstStyle/>
+                    <a:p>
+                      <a:pPr algn="ctr" fontAlgn="b"/>
+                      <a:r>
+                        <a:rPr lang="en-IN" sz="2000" b="0" i="0" u="none" strike="noStrike">
+                          <a:solidFill>
+                            <a:srgbClr val="000000"/>
+                          </a:solidFill>
+                          <a:effectLst/>
+                          <a:latin typeface="Arvo" panose="02000000000000000000" pitchFamily="2" charset="0"/>
+                        </a:rPr>
+                        <a:t> </a:t>
+                      </a:r>
+                      <a:r>
+                        <a:rPr lang="en-IN" sz="2000" b="0" i="0" u="none" strike="noStrike" err="1">
+                          <a:solidFill>
+                            <a:srgbClr val="000000"/>
+                          </a:solidFill>
+                          <a:effectLst/>
+                          <a:latin typeface="Arvo" panose="02000000000000000000" pitchFamily="2" charset="0"/>
+                        </a:rPr>
+                        <a:t>Slideswitch</a:t>
+                      </a:r>
+                      <a:endParaRPr lang="en-IN" sz="2000" b="0" i="0" u="none" strike="noStrike">
+                        <a:solidFill>
+                          <a:srgbClr val="000000"/>
+                        </a:solidFill>
+                        <a:effectLst/>
+                        <a:latin typeface="Arvo" panose="02000000000000000000" pitchFamily="2" charset="0"/>
+                      </a:endParaRPr>
+                    </a:p>
+                  </a:txBody>
+                  <a:tcPr marL="7786" marR="7786" marT="7786" marB="0" anchor="b">
+                    <a:lnL w="12700" cap="flat" cmpd="sng" algn="ctr">
+                      <a:solidFill>
+                        <a:schemeClr val="tx1"/>
+                      </a:solidFill>
+                      <a:prstDash val="solid"/>
+                      <a:round/>
+                      <a:headEnd type="none" w="med" len="med"/>
+                      <a:tailEnd type="none" w="med" len="med"/>
+                    </a:lnL>
+                    <a:lnR w="12700" cap="flat" cmpd="sng" algn="ctr">
+                      <a:solidFill>
+                        <a:schemeClr val="tx1"/>
+                      </a:solidFill>
+                      <a:prstDash val="solid"/>
+                      <a:round/>
+                      <a:headEnd type="none" w="med" len="med"/>
+                      <a:tailEnd type="none" w="med" len="med"/>
+                    </a:lnR>
+                    <a:lnT w="12700" cap="flat" cmpd="sng" algn="ctr">
+                      <a:solidFill>
+                        <a:schemeClr val="tx1"/>
+                      </a:solidFill>
+                      <a:prstDash val="solid"/>
+                      <a:round/>
+                      <a:headEnd type="none" w="med" len="med"/>
+                      <a:tailEnd type="none" w="med" len="med"/>
+                    </a:lnT>
+                    <a:lnB w="12700" cap="flat" cmpd="sng" algn="ctr">
+                      <a:solidFill>
+                        <a:schemeClr val="tx1"/>
+                      </a:solidFill>
+                      <a:prstDash val="solid"/>
+                      <a:round/>
+                      <a:headEnd type="none" w="med" len="med"/>
+                      <a:tailEnd type="none" w="med" len="med"/>
+                    </a:lnB>
+                    <a:lnTlToBr w="12700" cmpd="sng">
+                      <a:noFill/>
+                      <a:prstDash val="solid"/>
+                    </a:lnTlToBr>
+                    <a:lnBlToTr w="12700" cmpd="sng">
+                      <a:noFill/>
+                      <a:prstDash val="solid"/>
+                    </a:lnBlToTr>
+                  </a:tcPr>
+                </a:tc>
+                <a:extLst>
+                  <a:ext uri="{0D108BD9-81ED-4DB2-BD59-A6C34878D82A}">
+                    <a16:rowId xmlns:a16="http://schemas.microsoft.com/office/drawing/2014/main" val="4238071973"/>
+                  </a:ext>
+                </a:extLst>
+              </a:tr>
+            </a:tbl>
+          </a:graphicData>
+        </a:graphic>
+      </p:graphicFrame>
+    </p:spTree>
+    <p:extLst>
+      <p:ext uri="{BB962C8B-B14F-4D97-AF65-F5344CB8AC3E}">
+        <p14:creationId xmlns:p14="http://schemas.microsoft.com/office/powerpoint/2010/main" val="3915830945"/>
+      </p:ext>
+    </p:extLst>
+  </p:cSld>
+  <p:clrMapOvr>
+    <a:masterClrMapping/>
+  </p:clrMapOvr>
+</p:sld>
+</file>
+
+<file path=ppt/slides/slide8.xml><?xml version="1.0" encoding="utf-8"?>
 <p:sld xmlns:a="http://schemas.openxmlformats.org/drawingml/2006/main" xmlns:r="http://schemas.openxmlformats.org/officeDocument/2006/relationships" xmlns:p="http://schemas.openxmlformats.org/presentationml/2006/main">
   <p:cSld>
     <p:spTree>
@@ -4883,7 +8851,7 @@
           <p:cNvPr id="2" name="Title 1">
             <a:extLst>
               <a:ext uri="{FF2B5EF4-FFF2-40B4-BE49-F238E27FC236}">
-                <a16:creationId xmlns:a16="http://schemas.microsoft.com/office/drawing/2014/main" id="{E69892FC-A182-4821-94FE-97A518F10730}"/>
+                <a16:creationId xmlns:a16="http://schemas.microsoft.com/office/drawing/2014/main" id="{CFD4DC49-A178-4D33-BF18-D0419151BAE4}"/>
               </a:ext>
             </a:extLst>
           </p:cNvPr>
@@ -4896,14 +8864,28 @@
         </p:nvSpPr>
         <p:spPr/>
         <p:txBody>
-          <a:bodyPr/>
+          <a:bodyPr>
+            <a:normAutofit/>
+          </a:bodyPr>
           <a:lstStyle/>
           <a:p>
             <a:r>
-              <a:rPr lang="en-US" dirty="0"/>
-              <a:t>Simulation Screenshots</a:t>
-            </a:r>
-            <a:endParaRPr lang="en-IN" dirty="0"/>
+              <a:rPr lang="en-US" sz="5400" dirty="0">
+                <a:solidFill>
+                  <a:srgbClr val="002060"/>
+                </a:solidFill>
+                <a:latin typeface="EB Garamond"/>
+                <a:ea typeface="EB Garamond"/>
+              </a:rPr>
+              <a:t>Applications</a:t>
+            </a:r>
+            <a:endParaRPr lang="en-IN" sz="5400">
+              <a:solidFill>
+                <a:srgbClr val="002060"/>
+              </a:solidFill>
+              <a:latin typeface="EB Garamond"/>
+              <a:ea typeface="EB Garamond"/>
+            </a:endParaRPr>
           </a:p>
         </p:txBody>
       </p:sp>
@@ -4912,7 +8894,7 @@
           <p:cNvPr id="3" name="Content Placeholder 2">
             <a:extLst>
               <a:ext uri="{FF2B5EF4-FFF2-40B4-BE49-F238E27FC236}">
-                <a16:creationId xmlns:a16="http://schemas.microsoft.com/office/drawing/2014/main" id="{71A6E620-F8DA-416D-A560-C40827AD0196}"/>
+                <a16:creationId xmlns:a16="http://schemas.microsoft.com/office/drawing/2014/main" id="{20431903-6E5E-45AD-9CF1-2ACABA21C98F}"/>
               </a:ext>
             </a:extLst>
           </p:cNvPr>
@@ -4925,94 +8907,172 @@
         </p:nvSpPr>
         <p:spPr/>
         <p:txBody>
-          <a:bodyPr/>
+          <a:bodyPr vert="horz" lIns="91440" tIns="45720" rIns="91440" bIns="45720" rtlCol="0" anchor="t">
+            <a:normAutofit fontScale="77500" lnSpcReduction="20000"/>
+          </a:bodyPr>
           <a:lstStyle/>
           <a:p>
-            <a:endParaRPr lang="en-IN"/>
-          </a:p>
-        </p:txBody>
-      </p:sp>
-    </p:spTree>
-    <p:extLst>
-      <p:ext uri="{BB962C8B-B14F-4D97-AF65-F5344CB8AC3E}">
-        <p14:creationId xmlns:p14="http://schemas.microsoft.com/office/powerpoint/2010/main" val="2962803395"/>
-      </p:ext>
-    </p:extLst>
-  </p:cSld>
-  <p:clrMapOvr>
-    <a:masterClrMapping/>
-  </p:clrMapOvr>
-</p:sld>
-</file>
-
-<file path=ppt/slides/slide6.xml><?xml version="1.0" encoding="utf-8"?>
-<p:sld xmlns:a="http://schemas.openxmlformats.org/drawingml/2006/main" xmlns:r="http://schemas.openxmlformats.org/officeDocument/2006/relationships" xmlns:p="http://schemas.openxmlformats.org/presentationml/2006/main">
-  <p:cSld>
-    <p:spTree>
-      <p:nvGrpSpPr>
-        <p:cNvPr id="1" name=""/>
-        <p:cNvGrpSpPr/>
-        <p:nvPr/>
-      </p:nvGrpSpPr>
-      <p:grpSpPr>
-        <a:xfrm>
-          <a:off x="0" y="0"/>
-          <a:ext cx="0" cy="0"/>
-          <a:chOff x="0" y="0"/>
-          <a:chExt cx="0" cy="0"/>
-        </a:xfrm>
-      </p:grpSpPr>
-      <p:sp>
-        <p:nvSpPr>
-          <p:cNvPr id="2" name="Title 1">
-            <a:extLst>
-              <a:ext uri="{FF2B5EF4-FFF2-40B4-BE49-F238E27FC236}">
-                <a16:creationId xmlns:a16="http://schemas.microsoft.com/office/drawing/2014/main" id="{CFD4DC49-A178-4D33-BF18-D0419151BAE4}"/>
-              </a:ext>
-            </a:extLst>
-          </p:cNvPr>
-          <p:cNvSpPr>
-            <a:spLocks noGrp="1"/>
-          </p:cNvSpPr>
-          <p:nvPr>
-            <p:ph type="title"/>
-          </p:nvPr>
-        </p:nvSpPr>
-        <p:spPr/>
-        <p:txBody>
-          <a:bodyPr/>
-          <a:lstStyle/>
-          <a:p>
-            <a:r>
-              <a:rPr lang="en-US" dirty="0"/>
-              <a:t>Applications</a:t>
-            </a:r>
-            <a:endParaRPr lang="en-IN" dirty="0"/>
-          </a:p>
-        </p:txBody>
-      </p:sp>
-      <p:sp>
-        <p:nvSpPr>
-          <p:cNvPr id="3" name="Content Placeholder 2">
-            <a:extLst>
-              <a:ext uri="{FF2B5EF4-FFF2-40B4-BE49-F238E27FC236}">
-                <a16:creationId xmlns:a16="http://schemas.microsoft.com/office/drawing/2014/main" id="{20431903-6E5E-45AD-9CF1-2ACABA21C98F}"/>
-              </a:ext>
-            </a:extLst>
-          </p:cNvPr>
-          <p:cNvSpPr>
-            <a:spLocks noGrp="1"/>
-          </p:cNvSpPr>
-          <p:nvPr>
-            <p:ph idx="1"/>
-          </p:nvPr>
-        </p:nvSpPr>
-        <p:spPr/>
-        <p:txBody>
-          <a:bodyPr/>
-          <a:lstStyle/>
-          <a:p>
-            <a:endParaRPr lang="en-IN"/>
+            <a:r>
+              <a:rPr lang="en-IN" dirty="0"/>
+              <a:t>An Arduino being far superior than required for a project like this one, would make it impractical to buy and use, but the Chipset, and certain music ICs paired with the same arrangement as in this project can be used to make a good 8-Bit Music Player.</a:t>
+            </a:r>
+            <a:endParaRPr lang="en-US" dirty="0"/>
+          </a:p>
+          <a:p>
+            <a:r>
+              <a:rPr lang="en-IN" dirty="0">
+                <a:ea typeface="+mn-lt"/>
+                <a:cs typeface="+mn-lt"/>
+              </a:rPr>
+              <a:t>The Arduino itself has numerous Applications like: Weighing Machines.</a:t>
+            </a:r>
+            <a:endParaRPr lang="en-US" dirty="0">
+              <a:ea typeface="+mn-lt"/>
+              <a:cs typeface="+mn-lt"/>
+            </a:endParaRPr>
+          </a:p>
+          <a:p>
+            <a:pPr marL="914400" lvl="1" indent="-457200">
+              <a:buAutoNum type="alphaLcPeriod"/>
+            </a:pPr>
+            <a:r>
+              <a:rPr lang="en-IN" dirty="0">
+                <a:ea typeface="+mn-lt"/>
+                <a:cs typeface="+mn-lt"/>
+              </a:rPr>
+              <a:t>Traffic Light Count Down Timer.</a:t>
+            </a:r>
+            <a:endParaRPr lang="en-US" dirty="0">
+              <a:ea typeface="+mn-lt"/>
+              <a:cs typeface="+mn-lt"/>
+            </a:endParaRPr>
+          </a:p>
+          <a:p>
+            <a:pPr marL="914400" lvl="1" indent="-457200">
+              <a:buAutoNum type="alphaLcPeriod"/>
+            </a:pPr>
+            <a:r>
+              <a:rPr lang="en-IN" dirty="0">
+                <a:ea typeface="+mn-lt"/>
+                <a:cs typeface="+mn-lt"/>
+              </a:rPr>
+              <a:t>Parking Lot Counter.</a:t>
+            </a:r>
+            <a:endParaRPr lang="en-US" dirty="0">
+              <a:ea typeface="+mn-lt"/>
+              <a:cs typeface="+mn-lt"/>
+            </a:endParaRPr>
+          </a:p>
+          <a:p>
+            <a:pPr marL="914400" lvl="1" indent="-457200">
+              <a:buAutoNum type="alphaLcPeriod"/>
+            </a:pPr>
+            <a:r>
+              <a:rPr lang="en-IN" dirty="0">
+                <a:ea typeface="+mn-lt"/>
+                <a:cs typeface="+mn-lt"/>
+              </a:rPr>
+              <a:t>Embedded systems.</a:t>
+            </a:r>
+            <a:endParaRPr lang="en-US" dirty="0">
+              <a:ea typeface="+mn-lt"/>
+              <a:cs typeface="+mn-lt"/>
+            </a:endParaRPr>
+          </a:p>
+          <a:p>
+            <a:pPr marL="914400" lvl="1" indent="-457200">
+              <a:buAutoNum type="alphaLcPeriod"/>
+            </a:pPr>
+            <a:r>
+              <a:rPr lang="en-IN" dirty="0">
+                <a:ea typeface="+mn-lt"/>
+                <a:cs typeface="+mn-lt"/>
+              </a:rPr>
+              <a:t>Home Automation.</a:t>
+            </a:r>
+            <a:endParaRPr lang="en-US" dirty="0">
+              <a:ea typeface="+mn-lt"/>
+              <a:cs typeface="+mn-lt"/>
+            </a:endParaRPr>
+          </a:p>
+          <a:p>
+            <a:pPr marL="914400" lvl="1" indent="-457200">
+              <a:buAutoNum type="alphaLcPeriod"/>
+            </a:pPr>
+            <a:r>
+              <a:rPr lang="en-IN" dirty="0">
+                <a:ea typeface="+mn-lt"/>
+                <a:cs typeface="+mn-lt"/>
+              </a:rPr>
+              <a:t>Industrial Automation.</a:t>
+            </a:r>
+            <a:endParaRPr lang="en-US" dirty="0">
+              <a:ea typeface="+mn-lt"/>
+              <a:cs typeface="+mn-lt"/>
+            </a:endParaRPr>
+          </a:p>
+          <a:p>
+            <a:pPr marL="914400" lvl="1" indent="-457200">
+              <a:buAutoNum type="alphaLcPeriod"/>
+            </a:pPr>
+            <a:r>
+              <a:rPr lang="en-IN" dirty="0">
+                <a:ea typeface="+mn-lt"/>
+                <a:cs typeface="+mn-lt"/>
+              </a:rPr>
+              <a:t>Medical Instrument.</a:t>
+            </a:r>
+            <a:endParaRPr lang="en-US" dirty="0">
+              <a:ea typeface="+mn-lt"/>
+              <a:cs typeface="+mn-lt"/>
+            </a:endParaRPr>
+          </a:p>
+          <a:p>
+            <a:pPr marL="914400" lvl="1" indent="-457200">
+              <a:buAutoNum type="alphaLcPeriod"/>
+            </a:pPr>
+            <a:r>
+              <a:rPr lang="en-IN" dirty="0">
+                <a:ea typeface="+mn-lt"/>
+                <a:cs typeface="+mn-lt"/>
+              </a:rPr>
+              <a:t>Emergency Light for Railways.</a:t>
+            </a:r>
+            <a:endParaRPr lang="en-US" dirty="0"/>
+          </a:p>
+          <a:p>
+            <a:r>
+              <a:rPr lang="en-US" dirty="0">
+                <a:ea typeface="+mn-lt"/>
+                <a:cs typeface="+mn-lt"/>
+              </a:rPr>
+              <a:t>The LCD Screen can also be used to display anything from a clock, a timer, weights, Temperatures, or any needed value, cheaply and easily.</a:t>
+            </a:r>
+            <a:endParaRPr lang="en-US" dirty="0"/>
+          </a:p>
+          <a:p>
+            <a:r>
+              <a:rPr lang="en-US" dirty="0">
+                <a:ea typeface="+mn-lt"/>
+                <a:cs typeface="+mn-lt"/>
+              </a:rPr>
+              <a:t>More Songs can be programmed and added to then put this into something very small and portable for a quick, simple and cheap Music Player.</a:t>
+            </a:r>
+          </a:p>
+          <a:p>
+            <a:endParaRPr lang="en-IN" dirty="0">
+              <a:ea typeface="+mn-lt"/>
+              <a:cs typeface="+mn-lt"/>
+            </a:endParaRPr>
+          </a:p>
+          <a:p>
+            <a:pPr marL="914400" lvl="1" indent="-457200">
+              <a:buAutoNum type="romanUcPeriod"/>
+            </a:pPr>
+            <a:endParaRPr lang="en-US" dirty="0">
+              <a:ea typeface="+mn-lt"/>
+              <a:cs typeface="+mn-lt"/>
+            </a:endParaRPr>
           </a:p>
         </p:txBody>
       </p:sp>
@@ -5029,9 +9089,17 @@
 </p:sld>
 </file>
 
-<file path=ppt/slides/slide7.xml><?xml version="1.0" encoding="utf-8"?>
+<file path=ppt/slides/slide9.xml><?xml version="1.0" encoding="utf-8"?>
 <p:sld xmlns:a="http://schemas.openxmlformats.org/drawingml/2006/main" xmlns:r="http://schemas.openxmlformats.org/officeDocument/2006/relationships" xmlns:p="http://schemas.openxmlformats.org/presentationml/2006/main">
   <p:cSld>
+    <p:bg>
+      <p:bgPr>
+        <a:solidFill>
+          <a:schemeClr val="bg1"/>
+        </a:solidFill>
+        <a:effectLst/>
+      </p:bgPr>
+    </p:bg>
     <p:spTree>
       <p:nvGrpSpPr>
         <p:cNvPr id="1" name=""/>
@@ -5046,12 +9114,206 @@
           <a:chExt cx="0" cy="0"/>
         </a:xfrm>
       </p:grpSpPr>
+      <p:sp useBgFill="1">
+        <p:nvSpPr>
+          <p:cNvPr id="11" name="Rectangle 7">
+            <a:extLst>
+              <a:ext uri="{FF2B5EF4-FFF2-40B4-BE49-F238E27FC236}">
+                <a16:creationId xmlns:a16="http://schemas.microsoft.com/office/drawing/2014/main" id="{907EF6B7-1338-4443-8C46-6A318D952DFD}"/>
+              </a:ext>
+              <a:ext uri="{C183D7F6-B498-43B3-948B-1728B52AA6E4}">
+                <adec:decorative xmlns:adec="http://schemas.microsoft.com/office/drawing/2017/decorative" val="1"/>
+              </a:ext>
+            </a:extLst>
+          </p:cNvPr>
+          <p:cNvSpPr>
+            <a:spLocks noGrp="1" noRot="1" noChangeAspect="1" noMove="1" noResize="1" noEditPoints="1" noAdjustHandles="1" noChangeArrowheads="1" noChangeShapeType="1" noTextEdit="1"/>
+          </p:cNvSpPr>
+          <p:nvPr>
+            <p:extLst>
+              <p:ext uri="{386F3935-93C4-4BCD-93E2-E3B085C9AB24}">
+                <p16:designElem xmlns:p16="http://schemas.microsoft.com/office/powerpoint/2015/main" val="1"/>
+              </p:ext>
+            </p:extLst>
+          </p:nvPr>
+        </p:nvSpPr>
+        <p:spPr>
+          <a:xfrm>
+            <a:off x="3048" y="0"/>
+            <a:ext cx="12188952" cy="6858000"/>
+          </a:xfrm>
+          <a:prstGeom prst="rect">
+            <a:avLst/>
+          </a:prstGeom>
+          <a:ln>
+            <a:noFill/>
+          </a:ln>
+        </p:spPr>
+        <p:style>
+          <a:lnRef idx="2">
+            <a:schemeClr val="accent1">
+              <a:shade val="50000"/>
+            </a:schemeClr>
+          </a:lnRef>
+          <a:fillRef idx="1">
+            <a:schemeClr val="accent1"/>
+          </a:fillRef>
+          <a:effectRef idx="0">
+            <a:schemeClr val="accent1"/>
+          </a:effectRef>
+          <a:fontRef idx="minor">
+            <a:schemeClr val="lt1"/>
+          </a:fontRef>
+        </p:style>
+        <p:txBody>
+          <a:bodyPr rtlCol="0" anchor="ctr"/>
+          <a:lstStyle/>
+          <a:p>
+            <a:pPr algn="ctr"/>
+            <a:endParaRPr lang="en-US"/>
+          </a:p>
+        </p:txBody>
+      </p:sp>
+      <p:sp>
+        <p:nvSpPr>
+          <p:cNvPr id="13" name="Freeform: Shape 9">
+            <a:extLst>
+              <a:ext uri="{FF2B5EF4-FFF2-40B4-BE49-F238E27FC236}">
+                <a16:creationId xmlns:a16="http://schemas.microsoft.com/office/drawing/2014/main" id="{DAAE4CDD-124C-4DCF-9584-B6033B545DD5}"/>
+              </a:ext>
+              <a:ext uri="{C183D7F6-B498-43B3-948B-1728B52AA6E4}">
+                <adec:decorative xmlns:adec="http://schemas.microsoft.com/office/drawing/2017/decorative" val="1"/>
+              </a:ext>
+            </a:extLst>
+          </p:cNvPr>
+          <p:cNvSpPr>
+            <a:spLocks noGrp="1" noRot="1" noChangeAspect="1" noMove="1" noResize="1" noEditPoints="1" noAdjustHandles="1" noChangeArrowheads="1" noChangeShapeType="1" noTextEdit="1"/>
+          </p:cNvSpPr>
+          <p:nvPr>
+            <p:extLst>
+              <p:ext uri="{386F3935-93C4-4BCD-93E2-E3B085C9AB24}">
+                <p16:designElem xmlns:p16="http://schemas.microsoft.com/office/powerpoint/2015/main" val="1"/>
+              </p:ext>
+            </p:extLst>
+          </p:nvPr>
+        </p:nvSpPr>
+        <p:spPr>
+          <a:xfrm>
+            <a:off x="1" y="0"/>
+            <a:ext cx="4167271" cy="6858000"/>
+          </a:xfrm>
+          <a:custGeom>
+            <a:avLst/>
+            <a:gdLst>
+              <a:gd name="connsiteX0" fmla="*/ 0 w 4167271"/>
+              <a:gd name="connsiteY0" fmla="*/ 0 h 6858000"/>
+              <a:gd name="connsiteX1" fmla="*/ 2259550 w 4167271"/>
+              <a:gd name="connsiteY1" fmla="*/ 0 h 6858000"/>
+              <a:gd name="connsiteX2" fmla="*/ 2387803 w 4167271"/>
+              <a:gd name="connsiteY2" fmla="*/ 82222 h 6858000"/>
+              <a:gd name="connsiteX3" fmla="*/ 4167271 w 4167271"/>
+              <a:gd name="connsiteY3" fmla="*/ 3429000 h 6858000"/>
+              <a:gd name="connsiteX4" fmla="*/ 2387803 w 4167271"/>
+              <a:gd name="connsiteY4" fmla="*/ 6775779 h 6858000"/>
+              <a:gd name="connsiteX5" fmla="*/ 2259550 w 4167271"/>
+              <a:gd name="connsiteY5" fmla="*/ 6858000 h 6858000"/>
+              <a:gd name="connsiteX6" fmla="*/ 0 w 4167271"/>
+              <a:gd name="connsiteY6" fmla="*/ 6858000 h 6858000"/>
+            </a:gdLst>
+            <a:ahLst/>
+            <a:cxnLst>
+              <a:cxn ang="0">
+                <a:pos x="connsiteX0" y="connsiteY0"/>
+              </a:cxn>
+              <a:cxn ang="0">
+                <a:pos x="connsiteX1" y="connsiteY1"/>
+              </a:cxn>
+              <a:cxn ang="0">
+                <a:pos x="connsiteX2" y="connsiteY2"/>
+              </a:cxn>
+              <a:cxn ang="0">
+                <a:pos x="connsiteX3" y="connsiteY3"/>
+              </a:cxn>
+              <a:cxn ang="0">
+                <a:pos x="connsiteX4" y="connsiteY4"/>
+              </a:cxn>
+              <a:cxn ang="0">
+                <a:pos x="connsiteX5" y="connsiteY5"/>
+              </a:cxn>
+              <a:cxn ang="0">
+                <a:pos x="connsiteX6" y="connsiteY6"/>
+              </a:cxn>
+            </a:cxnLst>
+            <a:rect l="l" t="t" r="r" b="b"/>
+            <a:pathLst>
+              <a:path w="4167271" h="6858000">
+                <a:moveTo>
+                  <a:pt x="0" y="0"/>
+                </a:moveTo>
+                <a:lnTo>
+                  <a:pt x="2259550" y="0"/>
+                </a:lnTo>
+                <a:lnTo>
+                  <a:pt x="2387803" y="82222"/>
+                </a:lnTo>
+                <a:cubicBezTo>
+                  <a:pt x="3461407" y="807534"/>
+                  <a:pt x="4167271" y="2035835"/>
+                  <a:pt x="4167271" y="3429000"/>
+                </a:cubicBezTo>
+                <a:cubicBezTo>
+                  <a:pt x="4167271" y="4822165"/>
+                  <a:pt x="3461407" y="6050467"/>
+                  <a:pt x="2387803" y="6775779"/>
+                </a:cubicBezTo>
+                <a:lnTo>
+                  <a:pt x="2259550" y="6858000"/>
+                </a:lnTo>
+                <a:lnTo>
+                  <a:pt x="0" y="6858000"/>
+                </a:lnTo>
+                <a:close/>
+              </a:path>
+            </a:pathLst>
+          </a:custGeom>
+          <a:solidFill>
+            <a:schemeClr val="accent2"/>
+          </a:solidFill>
+          <a:ln>
+            <a:noFill/>
+          </a:ln>
+        </p:spPr>
+        <p:style>
+          <a:lnRef idx="2">
+            <a:schemeClr val="accent1">
+              <a:shade val="50000"/>
+            </a:schemeClr>
+          </a:lnRef>
+          <a:fillRef idx="1">
+            <a:schemeClr val="accent1"/>
+          </a:fillRef>
+          <a:effectRef idx="0">
+            <a:schemeClr val="accent1"/>
+          </a:effectRef>
+          <a:fontRef idx="minor">
+            <a:schemeClr val="lt1"/>
+          </a:fontRef>
+        </p:style>
+        <p:txBody>
+          <a:bodyPr rtlCol="0" anchor="ctr"/>
+          <a:lstStyle/>
+          <a:p>
+            <a:pPr algn="ctr"/>
+            <a:endParaRPr lang="en-US"/>
+          </a:p>
+        </p:txBody>
+      </p:sp>
       <p:sp>
         <p:nvSpPr>
           <p:cNvPr id="2" name="Title 1">
             <a:extLst>
               <a:ext uri="{FF2B5EF4-FFF2-40B4-BE49-F238E27FC236}">
-                <a16:creationId xmlns:a16="http://schemas.microsoft.com/office/drawing/2014/main" id="{930C913A-6890-4EAE-A35D-0592AAD246C9}"/>
+                <a16:creationId xmlns:a16="http://schemas.microsoft.com/office/drawing/2014/main" id="{676982F1-3FE8-46D3-8B08-7199DA59598E}"/>
               </a:ext>
             </a:extLst>
           </p:cNvPr>
@@ -5062,16 +9324,97 @@
             <p:ph type="title"/>
           </p:nvPr>
         </p:nvSpPr>
-        <p:spPr/>
+        <p:spPr>
+          <a:xfrm>
+            <a:off x="686834" y="1153572"/>
+            <a:ext cx="3200400" cy="4461163"/>
+          </a:xfrm>
+        </p:spPr>
         <p:txBody>
-          <a:bodyPr/>
+          <a:bodyPr>
+            <a:normAutofit/>
+          </a:bodyPr>
           <a:lstStyle/>
           <a:p>
             <a:r>
-              <a:rPr lang="en-US" dirty="0"/>
-              <a:t>Conclusion and Learning Experience</a:t>
-            </a:r>
-            <a:endParaRPr lang="en-IN" dirty="0"/>
+              <a:rPr lang="en-US" sz="4100" dirty="0">
+                <a:solidFill>
+                  <a:srgbClr val="FFFFFF"/>
+                </a:solidFill>
+                <a:latin typeface="EB Garamond"/>
+                <a:ea typeface="EB Garamond"/>
+                <a:cs typeface="Calibri"/>
+              </a:rPr>
+              <a:t>Improvements that can be made</a:t>
+            </a:r>
+            <a:endParaRPr lang="en-US" sz="4100" dirty="0">
+              <a:solidFill>
+                <a:srgbClr val="FFFFFF"/>
+              </a:solidFill>
+              <a:latin typeface="EB Garamond"/>
+              <a:ea typeface="EB Garamond"/>
+            </a:endParaRPr>
+          </a:p>
+        </p:txBody>
+      </p:sp>
+      <p:sp>
+        <p:nvSpPr>
+          <p:cNvPr id="12" name="Arc 11">
+            <a:extLst>
+              <a:ext uri="{FF2B5EF4-FFF2-40B4-BE49-F238E27FC236}">
+                <a16:creationId xmlns:a16="http://schemas.microsoft.com/office/drawing/2014/main" id="{081E4A58-353D-44AE-B2FC-2A74E2E400F7}"/>
+              </a:ext>
+              <a:ext uri="{C183D7F6-B498-43B3-948B-1728B52AA6E4}">
+                <adec:decorative xmlns:adec="http://schemas.microsoft.com/office/drawing/2017/decorative" val="1"/>
+              </a:ext>
+            </a:extLst>
+          </p:cNvPr>
+          <p:cNvSpPr>
+            <a:spLocks noGrp="1" noRot="1" noChangeAspect="1" noMove="1" noResize="1" noEditPoints="1" noAdjustHandles="1" noChangeArrowheads="1" noChangeShapeType="1" noTextEdit="1"/>
+          </p:cNvSpPr>
+          <p:nvPr>
+            <p:extLst>
+              <p:ext uri="{386F3935-93C4-4BCD-93E2-E3B085C9AB24}">
+                <p16:designElem xmlns:p16="http://schemas.microsoft.com/office/powerpoint/2015/main" val="1"/>
+              </p:ext>
+            </p:extLst>
+          </p:nvPr>
+        </p:nvSpPr>
+        <p:spPr>
+          <a:xfrm flipV="1">
+            <a:off x="7550402" y="2455479"/>
+            <a:ext cx="4083433" cy="4083433"/>
+          </a:xfrm>
+          <a:prstGeom prst="arc">
+            <a:avLst/>
+          </a:prstGeom>
+          <a:ln w="127000" cap="rnd">
+            <a:solidFill>
+              <a:schemeClr val="accent4"/>
+            </a:solidFill>
+            <a:prstDash val="dash"/>
+          </a:ln>
+        </p:spPr>
+        <p:style>
+          <a:lnRef idx="1">
+            <a:schemeClr val="accent1"/>
+          </a:lnRef>
+          <a:fillRef idx="0">
+            <a:schemeClr val="accent1"/>
+          </a:fillRef>
+          <a:effectRef idx="0">
+            <a:schemeClr val="accent1"/>
+          </a:effectRef>
+          <a:fontRef idx="minor">
+            <a:schemeClr val="tx1"/>
+          </a:fontRef>
+        </p:style>
+        <p:txBody>
+          <a:bodyPr rtlCol="0" anchor="ctr"/>
+          <a:lstStyle/>
+          <a:p>
+            <a:pPr algn="ctr"/>
+            <a:endParaRPr lang="en-US" dirty="0"/>
           </a:p>
         </p:txBody>
       </p:sp>
@@ -5080,7 +9423,7 @@
           <p:cNvPr id="3" name="Content Placeholder 2">
             <a:extLst>
               <a:ext uri="{FF2B5EF4-FFF2-40B4-BE49-F238E27FC236}">
-                <a16:creationId xmlns:a16="http://schemas.microsoft.com/office/drawing/2014/main" id="{29A26C81-B2BE-47CF-96F3-E5798B5777CB}"/>
+                <a16:creationId xmlns:a16="http://schemas.microsoft.com/office/drawing/2014/main" id="{4A16B54A-9EE4-4AF5-8E8C-14AAEBD1640D}"/>
               </a:ext>
             </a:extLst>
           </p:cNvPr>
@@ -5091,19 +9434,84 @@
             <p:ph idx="1"/>
           </p:nvPr>
         </p:nvSpPr>
-        <p:spPr/>
+        <p:spPr>
+          <a:xfrm>
+            <a:off x="4447308" y="591344"/>
+            <a:ext cx="6906491" cy="5585619"/>
+          </a:xfrm>
+        </p:spPr>
         <p:txBody>
-          <a:bodyPr/>
+          <a:bodyPr vert="horz" lIns="91440" tIns="45720" rIns="91440" bIns="45720" rtlCol="0" anchor="ctr">
+            <a:normAutofit/>
+          </a:bodyPr>
           <a:lstStyle/>
           <a:p>
-            <a:endParaRPr lang="en-IN"/>
+            <a:pPr marL="514350" indent="-514350">
+              <a:buAutoNum type="arabicPeriod"/>
+            </a:pPr>
+            <a:r>
+              <a:rPr lang="en-US" sz="2400" dirty="0"/>
+              <a:t>The Expensive Arduino can be replaced with the chipset used inside or another Music IC coupled with another cheaper Microprocessor IC to reduce the cost (while increasing the complications) of the Project. </a:t>
+            </a:r>
+          </a:p>
+          <a:p>
+            <a:pPr marL="514350" indent="-514350">
+              <a:buAutoNum type="arabicPeriod"/>
+            </a:pPr>
+            <a:r>
+              <a:rPr lang="en-US" sz="2400" dirty="0"/>
+              <a:t>A Better Buzzer can be used for better sound Quality</a:t>
+            </a:r>
+          </a:p>
+          <a:p>
+            <a:pPr marL="514350" indent="-514350">
+              <a:buAutoNum type="arabicPeriod"/>
+            </a:pPr>
+            <a:r>
+              <a:rPr lang="en-US" sz="2400" dirty="0"/>
+              <a:t>A Program can be written that automatically converts any song into its 8 Bit code version so it becomes easy to add new songs, instead of hard coding them into the </a:t>
+            </a:r>
+            <a:r>
+              <a:rPr lang="en-US" sz="2400" dirty="0" err="1"/>
+              <a:t>Aruduino</a:t>
+            </a:r>
+            <a:r>
+              <a:rPr lang="en-US" sz="2400" dirty="0"/>
+              <a:t>. </a:t>
+            </a:r>
+          </a:p>
+          <a:p>
+            <a:pPr marL="514350" indent="-514350">
+              <a:buAutoNum type="arabicPeriod"/>
+            </a:pPr>
+            <a:r>
+              <a:rPr lang="en-US" sz="2400" dirty="0"/>
+              <a:t>An External Storage of some sort can be added like an SD Card to store Thousands of other Songs.</a:t>
+            </a:r>
+          </a:p>
+          <a:p>
+            <a:pPr marL="514350" indent="-514350">
+              <a:buAutoNum type="arabicPeriod"/>
+            </a:pPr>
+            <a:r>
+              <a:rPr lang="en-US" sz="2400" dirty="0"/>
+              <a:t>All The components can be put in a small Enclosing for increasing </a:t>
+            </a:r>
+            <a:r>
+              <a:rPr lang="en-US" sz="2400" dirty="0" err="1"/>
+              <a:t>Portabitlity</a:t>
+            </a:r>
+            <a:r>
+              <a:rPr lang="en-US" sz="2400" dirty="0"/>
+              <a:t>. </a:t>
+            </a:r>
           </a:p>
         </p:txBody>
       </p:sp>
     </p:spTree>
     <p:extLst>
       <p:ext uri="{BB962C8B-B14F-4D97-AF65-F5344CB8AC3E}">
-        <p14:creationId xmlns:p14="http://schemas.microsoft.com/office/powerpoint/2010/main" val="1386808104"/>
+        <p14:creationId xmlns:p14="http://schemas.microsoft.com/office/powerpoint/2010/main" val="3147200999"/>
       </p:ext>
     </p:extLst>
   </p:cSld>
